--- a/assets/slides/sp24/15-OOP_II.pptx
+++ b/assets/slides/sp24/15-OOP_II.pptx
@@ -22,22 +22,22 @@
     <p:sldId id="347" r:id="rId10"/>
     <p:sldId id="351" r:id="rId11"/>
     <p:sldId id="419" r:id="rId12"/>
-    <p:sldId id="364" r:id="rId13"/>
-    <p:sldId id="363" r:id="rId14"/>
-    <p:sldId id="342" r:id="rId15"/>
-    <p:sldId id="350" r:id="rId16"/>
-    <p:sldId id="368" r:id="rId17"/>
-    <p:sldId id="369" r:id="rId18"/>
-    <p:sldId id="365" r:id="rId19"/>
-    <p:sldId id="366" r:id="rId20"/>
-    <p:sldId id="359" r:id="rId21"/>
-    <p:sldId id="358" r:id="rId22"/>
-    <p:sldId id="337" r:id="rId23"/>
-    <p:sldId id="349" r:id="rId24"/>
-    <p:sldId id="370" r:id="rId25"/>
-    <p:sldId id="373" r:id="rId26"/>
-    <p:sldId id="374" r:id="rId27"/>
-    <p:sldId id="375" r:id="rId28"/>
+    <p:sldId id="365" r:id="rId13"/>
+    <p:sldId id="366" r:id="rId14"/>
+    <p:sldId id="359" r:id="rId15"/>
+    <p:sldId id="358" r:id="rId16"/>
+    <p:sldId id="337" r:id="rId17"/>
+    <p:sldId id="349" r:id="rId18"/>
+    <p:sldId id="370" r:id="rId19"/>
+    <p:sldId id="373" r:id="rId20"/>
+    <p:sldId id="374" r:id="rId21"/>
+    <p:sldId id="375" r:id="rId22"/>
+    <p:sldId id="364" r:id="rId23"/>
+    <p:sldId id="363" r:id="rId24"/>
+    <p:sldId id="342" r:id="rId25"/>
+    <p:sldId id="350" r:id="rId26"/>
+    <p:sldId id="368" r:id="rId27"/>
+    <p:sldId id="369" r:id="rId28"/>
   </p:sldIdLst>
   <p:sldSz cx="12192000" cy="6858000"/>
   <p:notesSz cx="6997700" cy="9194800"/>
@@ -1624,7 +1624,7 @@
     </p:spTree>
     <p:extLst>
       <p:ext uri="{BB962C8B-B14F-4D97-AF65-F5344CB8AC3E}">
-        <p14:creationId xmlns:p14="http://schemas.microsoft.com/office/powerpoint/2010/main" val="1912859612"/>
+        <p14:creationId xmlns:p14="http://schemas.microsoft.com/office/powerpoint/2010/main" val="101060184"/>
       </p:ext>
     </p:extLst>
   </p:cSld>
@@ -1800,7 +1800,7 @@
                 <a:latin typeface="FreightSans Pro Book" panose="02000606030000020004" pitchFamily="2" charset="0"/>
               </a:rPr>
               <a:pPr/>
-              <a:t>18</a:t>
+              <a:t>19</a:t>
             </a:fld>
             <a:endParaRPr lang="en-US" sz="900" dirty="0">
               <a:latin typeface="FreightSans Pro Book" panose="02000606030000020004" pitchFamily="2" charset="0"/>
@@ -1877,7 +1877,7 @@
     </p:spTree>
     <p:extLst>
       <p:ext uri="{BB962C8B-B14F-4D97-AF65-F5344CB8AC3E}">
-        <p14:creationId xmlns:p14="http://schemas.microsoft.com/office/powerpoint/2010/main" val="101060184"/>
+        <p14:creationId xmlns:p14="http://schemas.microsoft.com/office/powerpoint/2010/main" val="3331351360"/>
       </p:ext>
     </p:extLst>
   </p:cSld>
@@ -2053,7 +2053,7 @@
                 <a:latin typeface="FreightSans Pro Book" panose="02000606030000020004" pitchFamily="2" charset="0"/>
               </a:rPr>
               <a:pPr/>
-              <a:t>25</a:t>
+              <a:t>22</a:t>
             </a:fld>
             <a:endParaRPr lang="en-US" sz="900" dirty="0">
               <a:latin typeface="FreightSans Pro Book" panose="02000606030000020004" pitchFamily="2" charset="0"/>
@@ -2130,7 +2130,7 @@
     </p:spTree>
     <p:extLst>
       <p:ext uri="{BB962C8B-B14F-4D97-AF65-F5344CB8AC3E}">
-        <p14:creationId xmlns:p14="http://schemas.microsoft.com/office/powerpoint/2010/main" val="3331351360"/>
+        <p14:creationId xmlns:p14="http://schemas.microsoft.com/office/powerpoint/2010/main" val="1912859612"/>
       </p:ext>
     </p:extLst>
   </p:cSld>
@@ -11197,7 +11197,7 @@
             </a:br>
             <a:r>
               <a:rPr lang="en-US" dirty="0"/>
-              <a:t>"Magic" Methods</a:t>
+              <a:t>Inheritance</a:t>
             </a:r>
           </a:p>
         </p:txBody>
@@ -11205,7 +11205,7 @@
     </p:spTree>
     <p:extLst>
       <p:ext uri="{BB962C8B-B14F-4D97-AF65-F5344CB8AC3E}">
-        <p14:creationId xmlns:p14="http://schemas.microsoft.com/office/powerpoint/2010/main" val="1173711718"/>
+        <p14:creationId xmlns:p14="http://schemas.microsoft.com/office/powerpoint/2010/main" val="2854198525"/>
       </p:ext>
     </p:extLst>
   </p:cSld>
@@ -11217,7 +11217,7 @@
       <p:transition spd="slow" p14:dur="2000" advTm="109658"/>
     </mc:Choice>
     <mc:Fallback xmlns="">
-      <p:transition spd="slow" advTm="109658"/>
+      <p:transition xmlns:p14="http://schemas.microsoft.com/office/powerpoint/2010/main" spd="slow" advTm="109658"/>
     </mc:Fallback>
   </mc:AlternateContent>
 </p:sld>
@@ -11291,6 +11291,1890 @@
           <a:p>
             <a:r>
               <a:rPr lang="en-US" sz="2400" dirty="0"/>
+              <a:t> Inheritance allows classes to reuse methods and attributes from a parent class.</a:t>
+            </a:r>
+          </a:p>
+          <a:p>
+            <a:r>
+              <a:rPr lang="en-US" sz="2400" dirty="0"/>
+              <a:t> super() is a new method in Python</a:t>
+            </a:r>
+          </a:p>
+          <a:p>
+            <a:r>
+              <a:rPr lang="en-US" sz="2400" dirty="0"/>
+              <a:t> Subclasses or child classes are distinct from on another, but share properties of the parent.</a:t>
+            </a:r>
+          </a:p>
+        </p:txBody>
+      </p:sp>
+    </p:spTree>
+    <p:extLst>
+      <p:ext uri="{BB962C8B-B14F-4D97-AF65-F5344CB8AC3E}">
+        <p14:creationId xmlns:p14="http://schemas.microsoft.com/office/powerpoint/2010/main" val="2058289803"/>
+      </p:ext>
+    </p:extLst>
+  </p:cSld>
+  <p:clrMapOvr>
+    <a:masterClrMapping/>
+  </p:clrMapOvr>
+</p:sld>
+</file>
+
+<file path=ppt/slides/slide14.xml><?xml version="1.0" encoding="utf-8"?>
+<p:sld xmlns:a="http://schemas.openxmlformats.org/drawingml/2006/main" xmlns:r="http://schemas.openxmlformats.org/officeDocument/2006/relationships" xmlns:p="http://schemas.openxmlformats.org/presentationml/2006/main">
+  <p:cSld>
+    <p:spTree>
+      <p:nvGrpSpPr>
+        <p:cNvPr id="1" name=""/>
+        <p:cNvGrpSpPr/>
+        <p:nvPr/>
+      </p:nvGrpSpPr>
+      <p:grpSpPr>
+        <a:xfrm>
+          <a:off x="0" y="0"/>
+          <a:ext cx="0" cy="0"/>
+          <a:chOff x="0" y="0"/>
+          <a:chExt cx="0" cy="0"/>
+        </a:xfrm>
+      </p:grpSpPr>
+      <p:sp>
+        <p:nvSpPr>
+          <p:cNvPr id="2" name="Title 1"/>
+          <p:cNvSpPr>
+            <a:spLocks noGrp="1"/>
+          </p:cNvSpPr>
+          <p:nvPr>
+            <p:ph type="title"/>
+          </p:nvPr>
+        </p:nvSpPr>
+        <p:spPr/>
+        <p:txBody>
+          <a:bodyPr/>
+          <a:lstStyle/>
+          <a:p>
+            <a:r>
+              <a:rPr lang="en-US" dirty="0"/>
+              <a:t>Inheritance</a:t>
+            </a:r>
+          </a:p>
+        </p:txBody>
+      </p:sp>
+      <p:sp>
+        <p:nvSpPr>
+          <p:cNvPr id="3" name="Content Placeholder 2"/>
+          <p:cNvSpPr>
+            <a:spLocks noGrp="1"/>
+          </p:cNvSpPr>
+          <p:nvPr>
+            <p:ph idx="1"/>
+          </p:nvPr>
+        </p:nvSpPr>
+        <p:spPr>
+          <a:xfrm>
+            <a:off x="2209800" y="1295400"/>
+            <a:ext cx="7620000" cy="5029200"/>
+          </a:xfrm>
+        </p:spPr>
+        <p:txBody>
+          <a:bodyPr/>
+          <a:lstStyle/>
+          <a:p>
+            <a:r>
+              <a:rPr lang="en-US" dirty="0"/>
+              <a:t>Define a class as a specialization of an existing class</a:t>
+            </a:r>
+          </a:p>
+          <a:p>
+            <a:r>
+              <a:rPr lang="en-US" dirty="0"/>
+              <a:t>Inherent its attributes, methods (behaviors)</a:t>
+            </a:r>
+          </a:p>
+          <a:p>
+            <a:r>
+              <a:rPr lang="en-US" dirty="0"/>
+              <a:t>Add additional ones</a:t>
+            </a:r>
+          </a:p>
+          <a:p>
+            <a:r>
+              <a:rPr lang="en-US" dirty="0"/>
+              <a:t>Redefine (specialize) existing ones</a:t>
+            </a:r>
+          </a:p>
+          <a:p>
+            <a:pPr lvl="1"/>
+            <a:r>
+              <a:rPr lang="en-US" dirty="0"/>
+              <a:t>Ones in superclass still accessible in its namespace</a:t>
+            </a:r>
+          </a:p>
+        </p:txBody>
+      </p:sp>
+    </p:spTree>
+    <p:extLst>
+      <p:ext uri="{BB962C8B-B14F-4D97-AF65-F5344CB8AC3E}">
+        <p14:creationId xmlns:p14="http://schemas.microsoft.com/office/powerpoint/2010/main" val="1518462020"/>
+      </p:ext>
+    </p:extLst>
+  </p:cSld>
+  <p:clrMapOvr>
+    <a:masterClrMapping/>
+  </p:clrMapOvr>
+</p:sld>
+</file>
+
+<file path=ppt/slides/slide15.xml><?xml version="1.0" encoding="utf-8"?>
+<p:sld xmlns:a="http://schemas.openxmlformats.org/drawingml/2006/main" xmlns:r="http://schemas.openxmlformats.org/officeDocument/2006/relationships" xmlns:p="http://schemas.openxmlformats.org/presentationml/2006/main">
+  <p:cSld>
+    <p:spTree>
+      <p:nvGrpSpPr>
+        <p:cNvPr id="1" name=""/>
+        <p:cNvGrpSpPr/>
+        <p:nvPr/>
+      </p:nvGrpSpPr>
+      <p:grpSpPr>
+        <a:xfrm>
+          <a:off x="0" y="0"/>
+          <a:ext cx="0" cy="0"/>
+          <a:chOff x="0" y="0"/>
+          <a:chExt cx="0" cy="0"/>
+        </a:xfrm>
+      </p:grpSpPr>
+      <p:sp>
+        <p:nvSpPr>
+          <p:cNvPr id="8" name="Title 7"/>
+          <p:cNvSpPr>
+            <a:spLocks noGrp="1"/>
+          </p:cNvSpPr>
+          <p:nvPr>
+            <p:ph type="title"/>
+          </p:nvPr>
+        </p:nvSpPr>
+        <p:spPr/>
+        <p:txBody>
+          <a:bodyPr/>
+          <a:lstStyle/>
+          <a:p>
+            <a:r>
+              <a:rPr lang="en-US" dirty="0"/>
+              <a:t>Class Inheritance</a:t>
+            </a:r>
+          </a:p>
+        </p:txBody>
+      </p:sp>
+      <p:sp>
+        <p:nvSpPr>
+          <p:cNvPr id="9" name="Content Placeholder 8"/>
+          <p:cNvSpPr>
+            <a:spLocks noGrp="1"/>
+          </p:cNvSpPr>
+          <p:nvPr>
+            <p:ph idx="1"/>
+          </p:nvPr>
+        </p:nvSpPr>
+        <p:spPr>
+          <a:xfrm>
+            <a:off x="2209800" y="1066800"/>
+            <a:ext cx="8229600" cy="5257800"/>
+          </a:xfrm>
+        </p:spPr>
+        <p:txBody>
+          <a:bodyPr/>
+          <a:lstStyle/>
+          <a:p>
+            <a:r>
+              <a:rPr lang="en-US" dirty="0"/>
+              <a:t>Classes can inherit methods and attributes from parent classes but extend into their own class.</a:t>
+            </a:r>
+          </a:p>
+          <a:p>
+            <a:endParaRPr lang="en-US" dirty="0"/>
+          </a:p>
+        </p:txBody>
+      </p:sp>
+      <p:pic>
+        <p:nvPicPr>
+          <p:cNvPr id="2" name="Picture 1"/>
+          <p:cNvPicPr>
+            <a:picLocks noChangeAspect="1"/>
+          </p:cNvPicPr>
+          <p:nvPr/>
+        </p:nvPicPr>
+        <p:blipFill>
+          <a:blip r:embed="rId2"/>
+          <a:stretch>
+            <a:fillRect/>
+          </a:stretch>
+        </p:blipFill>
+        <p:spPr>
+          <a:xfrm>
+            <a:off x="2743200" y="2209800"/>
+            <a:ext cx="7010400" cy="3785616"/>
+          </a:xfrm>
+          <a:prstGeom prst="rect">
+            <a:avLst/>
+          </a:prstGeom>
+        </p:spPr>
+      </p:pic>
+    </p:spTree>
+    <p:extLst>
+      <p:ext uri="{BB962C8B-B14F-4D97-AF65-F5344CB8AC3E}">
+        <p14:creationId xmlns:p14="http://schemas.microsoft.com/office/powerpoint/2010/main" val="1638929222"/>
+      </p:ext>
+    </p:extLst>
+  </p:cSld>
+  <p:clrMapOvr>
+    <a:masterClrMapping/>
+  </p:clrMapOvr>
+</p:sld>
+</file>
+
+<file path=ppt/slides/slide16.xml><?xml version="1.0" encoding="utf-8"?>
+<p:sld xmlns:a="http://schemas.openxmlformats.org/drawingml/2006/main" xmlns:r="http://schemas.openxmlformats.org/officeDocument/2006/relationships" xmlns:p="http://schemas.openxmlformats.org/presentationml/2006/main">
+  <p:cSld>
+    <p:spTree>
+      <p:nvGrpSpPr>
+        <p:cNvPr id="1" name=""/>
+        <p:cNvGrpSpPr/>
+        <p:nvPr/>
+      </p:nvGrpSpPr>
+      <p:grpSpPr>
+        <a:xfrm>
+          <a:off x="0" y="0"/>
+          <a:ext cx="0" cy="0"/>
+          <a:chOff x="0" y="0"/>
+          <a:chExt cx="0" cy="0"/>
+        </a:xfrm>
+      </p:grpSpPr>
+      <p:sp>
+        <p:nvSpPr>
+          <p:cNvPr id="2" name="Title 1"/>
+          <p:cNvSpPr>
+            <a:spLocks noGrp="1"/>
+          </p:cNvSpPr>
+          <p:nvPr>
+            <p:ph type="title"/>
+          </p:nvPr>
+        </p:nvSpPr>
+        <p:spPr/>
+        <p:txBody>
+          <a:bodyPr/>
+          <a:lstStyle/>
+          <a:p>
+            <a:r>
+              <a:rPr lang="en-US" dirty="0"/>
+              <a:t>Python class statement</a:t>
+            </a:r>
+          </a:p>
+        </p:txBody>
+      </p:sp>
+      <p:sp>
+        <p:nvSpPr>
+          <p:cNvPr id="7" name="Rectangle 6"/>
+          <p:cNvSpPr/>
+          <p:nvPr/>
+        </p:nvSpPr>
+        <p:spPr>
+          <a:xfrm>
+            <a:off x="2286000" y="1219200"/>
+            <a:ext cx="4572000" cy="1938992"/>
+          </a:xfrm>
+          <a:prstGeom prst="rect">
+            <a:avLst/>
+          </a:prstGeom>
+        </p:spPr>
+        <p:txBody>
+          <a:bodyPr>
+            <a:spAutoFit/>
+          </a:bodyPr>
+          <a:lstStyle/>
+          <a:p>
+            <a:r>
+              <a:rPr lang="de-DE" sz="2000" dirty="0" err="1">
+                <a:latin typeface="Source Code Pro" panose="020B0509030403020204" pitchFamily="49" charset="0"/>
+                <a:cs typeface="Courier New"/>
+              </a:rPr>
+              <a:t>class</a:t>
+            </a:r>
+            <a:r>
+              <a:rPr lang="de-DE" sz="2000" dirty="0">
+                <a:latin typeface="Source Code Pro" panose="020B0509030403020204" pitchFamily="49" charset="0"/>
+                <a:cs typeface="Courier New"/>
+              </a:rPr>
+              <a:t> </a:t>
+            </a:r>
+            <a:r>
+              <a:rPr lang="de-DE" sz="2000" dirty="0" err="1">
+                <a:latin typeface="Source Code Pro" panose="020B0509030403020204" pitchFamily="49" charset="0"/>
+                <a:cs typeface="Courier New"/>
+              </a:rPr>
+              <a:t>ClassName</a:t>
+            </a:r>
+            <a:r>
+              <a:rPr lang="de-DE" sz="2000" dirty="0">
+                <a:latin typeface="Source Code Pro" panose="020B0509030403020204" pitchFamily="49" charset="0"/>
+                <a:cs typeface="Courier New"/>
+              </a:rPr>
+              <a:t>:</a:t>
+            </a:r>
+          </a:p>
+          <a:p>
+            <a:r>
+              <a:rPr lang="de-DE" sz="2000" dirty="0">
+                <a:latin typeface="Source Code Pro" panose="020B0509030403020204" pitchFamily="49" charset="0"/>
+                <a:cs typeface="Courier New"/>
+              </a:rPr>
+              <a:t>    &lt;statement-1&gt;</a:t>
+            </a:r>
+          </a:p>
+          <a:p>
+            <a:r>
+              <a:rPr lang="de-DE" sz="2000" dirty="0">
+                <a:latin typeface="Source Code Pro" panose="020B0509030403020204" pitchFamily="49" charset="0"/>
+                <a:cs typeface="Courier New"/>
+              </a:rPr>
+              <a:t>    .</a:t>
+            </a:r>
+          </a:p>
+          <a:p>
+            <a:r>
+              <a:rPr lang="de-DE" sz="2000" dirty="0">
+                <a:latin typeface="Source Code Pro" panose="020B0509030403020204" pitchFamily="49" charset="0"/>
+                <a:cs typeface="Courier New"/>
+              </a:rPr>
+              <a:t>    .</a:t>
+            </a:r>
+          </a:p>
+          <a:p>
+            <a:r>
+              <a:rPr lang="de-DE" sz="2000" dirty="0">
+                <a:latin typeface="Source Code Pro" panose="020B0509030403020204" pitchFamily="49" charset="0"/>
+                <a:cs typeface="Courier New"/>
+              </a:rPr>
+              <a:t>    .</a:t>
+            </a:r>
+          </a:p>
+          <a:p>
+            <a:r>
+              <a:rPr lang="de-DE" sz="2000" dirty="0">
+                <a:latin typeface="Source Code Pro" panose="020B0509030403020204" pitchFamily="49" charset="0"/>
+                <a:cs typeface="Courier New"/>
+              </a:rPr>
+              <a:t>    &lt;</a:t>
+            </a:r>
+            <a:r>
+              <a:rPr lang="de-DE" sz="2000" dirty="0" err="1">
+                <a:latin typeface="Source Code Pro" panose="020B0509030403020204" pitchFamily="49" charset="0"/>
+                <a:cs typeface="Courier New"/>
+              </a:rPr>
+              <a:t>statement</a:t>
+            </a:r>
+            <a:r>
+              <a:rPr lang="de-DE" sz="2000" dirty="0">
+                <a:latin typeface="Source Code Pro" panose="020B0509030403020204" pitchFamily="49" charset="0"/>
+                <a:cs typeface="Courier New"/>
+              </a:rPr>
+              <a:t>-N&gt;</a:t>
+            </a:r>
+            <a:endParaRPr lang="en-US" sz="2000" dirty="0">
+              <a:latin typeface="Source Code Pro" panose="020B0509030403020204" pitchFamily="49" charset="0"/>
+              <a:cs typeface="Courier New"/>
+            </a:endParaRPr>
+          </a:p>
+        </p:txBody>
+      </p:sp>
+      <p:sp>
+        <p:nvSpPr>
+          <p:cNvPr id="8" name="Rectangle 7"/>
+          <p:cNvSpPr/>
+          <p:nvPr/>
+        </p:nvSpPr>
+        <p:spPr>
+          <a:xfrm>
+            <a:off x="2286000" y="3886200"/>
+            <a:ext cx="6934200" cy="1938992"/>
+          </a:xfrm>
+          <a:prstGeom prst="rect">
+            <a:avLst/>
+          </a:prstGeom>
+        </p:spPr>
+        <p:txBody>
+          <a:bodyPr wrap="square">
+            <a:spAutoFit/>
+          </a:bodyPr>
+          <a:lstStyle/>
+          <a:p>
+            <a:r>
+              <a:rPr lang="de-DE" sz="2000" b="1" dirty="0" err="1">
+                <a:latin typeface="Source Code Pro" panose="020B0509030403020204" pitchFamily="49" charset="0"/>
+                <a:cs typeface="Courier New"/>
+              </a:rPr>
+              <a:t>class</a:t>
+            </a:r>
+            <a:r>
+              <a:rPr lang="de-DE" sz="2000" b="1" dirty="0">
+                <a:latin typeface="Source Code Pro" panose="020B0509030403020204" pitchFamily="49" charset="0"/>
+                <a:cs typeface="Courier New"/>
+              </a:rPr>
+              <a:t> </a:t>
+            </a:r>
+            <a:r>
+              <a:rPr lang="de-DE" sz="2000" b="1" dirty="0" err="1">
+                <a:latin typeface="Source Code Pro" panose="020B0509030403020204" pitchFamily="49" charset="0"/>
+                <a:cs typeface="Courier New"/>
+              </a:rPr>
+              <a:t>ClassName</a:t>
+            </a:r>
+            <a:r>
+              <a:rPr lang="de-DE" sz="2000" b="1" dirty="0">
+                <a:latin typeface="Source Code Pro" panose="020B0509030403020204" pitchFamily="49" charset="0"/>
+                <a:cs typeface="Courier New"/>
+              </a:rPr>
+              <a:t> ( </a:t>
+            </a:r>
+            <a:r>
+              <a:rPr lang="de-DE" sz="2000" b="1" dirty="0" err="1">
+                <a:latin typeface="Source Code Pro" panose="020B0509030403020204" pitchFamily="49" charset="0"/>
+                <a:cs typeface="Courier New"/>
+              </a:rPr>
+              <a:t>inherits</a:t>
+            </a:r>
+            <a:r>
+              <a:rPr lang="de-DE" sz="2000" b="1" dirty="0">
+                <a:latin typeface="Source Code Pro" panose="020B0509030403020204" pitchFamily="49" charset="0"/>
+                <a:cs typeface="Courier New"/>
+              </a:rPr>
+              <a:t> / </a:t>
+            </a:r>
+            <a:r>
+              <a:rPr lang="de-DE" sz="2000" b="1" dirty="0" err="1">
+                <a:latin typeface="Source Code Pro" panose="020B0509030403020204" pitchFamily="49" charset="0"/>
+                <a:cs typeface="Courier New"/>
+              </a:rPr>
+              <a:t>parent-class</a:t>
+            </a:r>
+            <a:r>
+              <a:rPr lang="de-DE" sz="2000" b="1" dirty="0">
+                <a:latin typeface="Source Code Pro" panose="020B0509030403020204" pitchFamily="49" charset="0"/>
+                <a:cs typeface="Courier New"/>
+              </a:rPr>
+              <a:t> ):</a:t>
+            </a:r>
+          </a:p>
+          <a:p>
+            <a:r>
+              <a:rPr lang="de-DE" sz="2000" dirty="0">
+                <a:latin typeface="Source Code Pro" panose="020B0509030403020204" pitchFamily="49" charset="0"/>
+                <a:cs typeface="Courier New"/>
+              </a:rPr>
+              <a:t>    &lt;statement-1&gt;</a:t>
+            </a:r>
+          </a:p>
+          <a:p>
+            <a:r>
+              <a:rPr lang="de-DE" sz="2000" dirty="0">
+                <a:latin typeface="Source Code Pro" panose="020B0509030403020204" pitchFamily="49" charset="0"/>
+                <a:cs typeface="Courier New"/>
+              </a:rPr>
+              <a:t>    .</a:t>
+            </a:r>
+          </a:p>
+          <a:p>
+            <a:r>
+              <a:rPr lang="de-DE" sz="2000" dirty="0">
+                <a:latin typeface="Source Code Pro" panose="020B0509030403020204" pitchFamily="49" charset="0"/>
+                <a:cs typeface="Courier New"/>
+              </a:rPr>
+              <a:t>    .</a:t>
+            </a:r>
+          </a:p>
+          <a:p>
+            <a:r>
+              <a:rPr lang="de-DE" sz="2000" dirty="0">
+                <a:latin typeface="Source Code Pro" panose="020B0509030403020204" pitchFamily="49" charset="0"/>
+                <a:cs typeface="Courier New"/>
+              </a:rPr>
+              <a:t>    .</a:t>
+            </a:r>
+          </a:p>
+          <a:p>
+            <a:r>
+              <a:rPr lang="de-DE" sz="2000" dirty="0">
+                <a:latin typeface="Source Code Pro" panose="020B0509030403020204" pitchFamily="49" charset="0"/>
+                <a:cs typeface="Courier New"/>
+              </a:rPr>
+              <a:t>    &lt;</a:t>
+            </a:r>
+            <a:r>
+              <a:rPr lang="de-DE" sz="2000" dirty="0" err="1">
+                <a:latin typeface="Source Code Pro" panose="020B0509030403020204" pitchFamily="49" charset="0"/>
+                <a:cs typeface="Courier New"/>
+              </a:rPr>
+              <a:t>statement</a:t>
+            </a:r>
+            <a:r>
+              <a:rPr lang="de-DE" sz="2000" dirty="0">
+                <a:latin typeface="Source Code Pro" panose="020B0509030403020204" pitchFamily="49" charset="0"/>
+                <a:cs typeface="Courier New"/>
+              </a:rPr>
+              <a:t>-N&gt;</a:t>
+            </a:r>
+            <a:endParaRPr lang="en-US" sz="2000" dirty="0">
+              <a:latin typeface="Source Code Pro" panose="020B0509030403020204" pitchFamily="49" charset="0"/>
+              <a:cs typeface="Courier New"/>
+            </a:endParaRPr>
+          </a:p>
+        </p:txBody>
+      </p:sp>
+    </p:spTree>
+    <p:extLst>
+      <p:ext uri="{BB962C8B-B14F-4D97-AF65-F5344CB8AC3E}">
+        <p14:creationId xmlns:p14="http://schemas.microsoft.com/office/powerpoint/2010/main" val="3999492501"/>
+      </p:ext>
+    </p:extLst>
+  </p:cSld>
+  <p:clrMapOvr>
+    <a:masterClrMapping/>
+  </p:clrMapOvr>
+</p:sld>
+</file>
+
+<file path=ppt/slides/slide17.xml><?xml version="1.0" encoding="utf-8"?>
+<p:sld xmlns:a="http://schemas.openxmlformats.org/drawingml/2006/main" xmlns:r="http://schemas.openxmlformats.org/officeDocument/2006/relationships" xmlns:p="http://schemas.openxmlformats.org/presentationml/2006/main">
+  <p:cSld>
+    <p:spTree>
+      <p:nvGrpSpPr>
+        <p:cNvPr id="1" name=""/>
+        <p:cNvGrpSpPr/>
+        <p:nvPr/>
+      </p:nvGrpSpPr>
+      <p:grpSpPr>
+        <a:xfrm>
+          <a:off x="0" y="0"/>
+          <a:ext cx="0" cy="0"/>
+          <a:chOff x="0" y="0"/>
+          <a:chExt cx="0" cy="0"/>
+        </a:xfrm>
+      </p:grpSpPr>
+      <p:sp>
+        <p:nvSpPr>
+          <p:cNvPr id="2" name="Title 1"/>
+          <p:cNvSpPr>
+            <a:spLocks noGrp="1"/>
+          </p:cNvSpPr>
+          <p:nvPr>
+            <p:ph type="title"/>
+          </p:nvPr>
+        </p:nvSpPr>
+        <p:spPr/>
+        <p:txBody>
+          <a:bodyPr/>
+          <a:lstStyle/>
+          <a:p>
+            <a:r>
+              <a:rPr lang="en-US" dirty="0"/>
+              <a:t>Example</a:t>
+            </a:r>
+          </a:p>
+        </p:txBody>
+      </p:sp>
+      <p:sp>
+        <p:nvSpPr>
+          <p:cNvPr id="7" name="Rectangle 6"/>
+          <p:cNvSpPr/>
+          <p:nvPr/>
+        </p:nvSpPr>
+        <p:spPr>
+          <a:xfrm>
+            <a:off x="2362200" y="1371601"/>
+            <a:ext cx="8839200" cy="4524315"/>
+          </a:xfrm>
+          <a:prstGeom prst="rect">
+            <a:avLst/>
+          </a:prstGeom>
+        </p:spPr>
+        <p:txBody>
+          <a:bodyPr wrap="square">
+            <a:spAutoFit/>
+          </a:bodyPr>
+          <a:lstStyle/>
+          <a:p>
+            <a:r>
+              <a:rPr lang="en-US" dirty="0">
+                <a:latin typeface="Source Code Pro" panose="020B0509030403020204" pitchFamily="49" charset="0"/>
+                <a:cs typeface="Courier New"/>
+              </a:rPr>
+              <a:t>class </a:t>
+            </a:r>
+            <a:r>
+              <a:rPr lang="en-US" dirty="0" err="1">
+                <a:latin typeface="Source Code Pro" panose="020B0509030403020204" pitchFamily="49" charset="0"/>
+                <a:cs typeface="Courier New"/>
+              </a:rPr>
+              <a:t>BaseAccount</a:t>
+            </a:r>
+            <a:r>
+              <a:rPr lang="en-US" dirty="0">
+                <a:latin typeface="Source Code Pro" panose="020B0509030403020204" pitchFamily="49" charset="0"/>
+                <a:cs typeface="Courier New"/>
+              </a:rPr>
+              <a:t>:</a:t>
+            </a:r>
+          </a:p>
+          <a:p>
+            <a:r>
+              <a:rPr lang="en-US" dirty="0">
+                <a:latin typeface="Source Code Pro" panose="020B0509030403020204" pitchFamily="49" charset="0"/>
+                <a:cs typeface="Courier New"/>
+              </a:rPr>
+              <a:t>    def __</a:t>
+            </a:r>
+            <a:r>
+              <a:rPr lang="en-US" dirty="0" err="1">
+                <a:latin typeface="Source Code Pro" panose="020B0509030403020204" pitchFamily="49" charset="0"/>
+                <a:cs typeface="Courier New"/>
+              </a:rPr>
+              <a:t>init</a:t>
+            </a:r>
+            <a:r>
+              <a:rPr lang="en-US" dirty="0">
+                <a:latin typeface="Source Code Pro" panose="020B0509030403020204" pitchFamily="49" charset="0"/>
+                <a:cs typeface="Courier New"/>
+              </a:rPr>
+              <a:t>__(self, name, </a:t>
+            </a:r>
+            <a:r>
+              <a:rPr lang="en-US" dirty="0" err="1">
+                <a:latin typeface="Source Code Pro" panose="020B0509030403020204" pitchFamily="49" charset="0"/>
+                <a:cs typeface="Courier New"/>
+              </a:rPr>
+              <a:t>initial_deposit</a:t>
+            </a:r>
+            <a:r>
+              <a:rPr lang="en-US" dirty="0">
+                <a:latin typeface="Source Code Pro" panose="020B0509030403020204" pitchFamily="49" charset="0"/>
+                <a:cs typeface="Courier New"/>
+              </a:rPr>
+              <a:t>):</a:t>
+            </a:r>
+          </a:p>
+          <a:p>
+            <a:r>
+              <a:rPr lang="en-US" dirty="0">
+                <a:latin typeface="Source Code Pro" panose="020B0509030403020204" pitchFamily="49" charset="0"/>
+                <a:cs typeface="Courier New"/>
+              </a:rPr>
+              <a:t>        # Initialize the instance attributes</a:t>
+            </a:r>
+          </a:p>
+          <a:p>
+            <a:r>
+              <a:rPr lang="en-US" dirty="0">
+                <a:latin typeface="Source Code Pro" panose="020B0509030403020204" pitchFamily="49" charset="0"/>
+                <a:cs typeface="Courier New"/>
+              </a:rPr>
+              <a:t>        </a:t>
+            </a:r>
+            <a:r>
+              <a:rPr lang="en-US" dirty="0" err="1">
+                <a:latin typeface="Source Code Pro" panose="020B0509030403020204" pitchFamily="49" charset="0"/>
+                <a:cs typeface="Courier New"/>
+              </a:rPr>
+              <a:t>self._name</a:t>
+            </a:r>
+            <a:r>
+              <a:rPr lang="en-US" dirty="0">
+                <a:latin typeface="Source Code Pro" panose="020B0509030403020204" pitchFamily="49" charset="0"/>
+                <a:cs typeface="Courier New"/>
+              </a:rPr>
+              <a:t> = name</a:t>
+            </a:r>
+          </a:p>
+          <a:p>
+            <a:r>
+              <a:rPr lang="en-US" dirty="0">
+                <a:latin typeface="Source Code Pro" panose="020B0509030403020204" pitchFamily="49" charset="0"/>
+                <a:cs typeface="Courier New"/>
+              </a:rPr>
+              <a:t>        self._</a:t>
+            </a:r>
+            <a:r>
+              <a:rPr lang="en-US" dirty="0" err="1">
+                <a:latin typeface="Source Code Pro" panose="020B0509030403020204" pitchFamily="49" charset="0"/>
+                <a:cs typeface="Courier New"/>
+              </a:rPr>
+              <a:t>acct_no</a:t>
+            </a:r>
+            <a:r>
+              <a:rPr lang="en-US" dirty="0">
+                <a:latin typeface="Source Code Pro" panose="020B0509030403020204" pitchFamily="49" charset="0"/>
+                <a:cs typeface="Courier New"/>
+              </a:rPr>
+              <a:t> = Account._</a:t>
+            </a:r>
+            <a:r>
+              <a:rPr lang="en-US" dirty="0" err="1">
+                <a:latin typeface="Source Code Pro" panose="020B0509030403020204" pitchFamily="49" charset="0"/>
+                <a:cs typeface="Courier New"/>
+              </a:rPr>
+              <a:t>account_number_seed</a:t>
+            </a:r>
+            <a:endParaRPr lang="en-US" dirty="0">
+              <a:latin typeface="Source Code Pro" panose="020B0509030403020204" pitchFamily="49" charset="0"/>
+              <a:cs typeface="Courier New"/>
+            </a:endParaRPr>
+          </a:p>
+          <a:p>
+            <a:r>
+              <a:rPr lang="en-US" dirty="0">
+                <a:latin typeface="Source Code Pro" panose="020B0509030403020204" pitchFamily="49" charset="0"/>
+                <a:cs typeface="Courier New"/>
+              </a:rPr>
+              <a:t>        Account._</a:t>
+            </a:r>
+            <a:r>
+              <a:rPr lang="en-US" dirty="0" err="1">
+                <a:latin typeface="Source Code Pro" panose="020B0509030403020204" pitchFamily="49" charset="0"/>
+                <a:cs typeface="Courier New"/>
+              </a:rPr>
+              <a:t>account_number_seed</a:t>
+            </a:r>
+            <a:r>
+              <a:rPr lang="en-US" dirty="0">
+                <a:latin typeface="Source Code Pro" panose="020B0509030403020204" pitchFamily="49" charset="0"/>
+                <a:cs typeface="Courier New"/>
+              </a:rPr>
+              <a:t> += 1</a:t>
+            </a:r>
+          </a:p>
+          <a:p>
+            <a:r>
+              <a:rPr lang="en-US" dirty="0">
+                <a:latin typeface="Source Code Pro" panose="020B0509030403020204" pitchFamily="49" charset="0"/>
+                <a:cs typeface="Courier New"/>
+              </a:rPr>
+              <a:t>        </a:t>
+            </a:r>
+            <a:r>
+              <a:rPr lang="en-US" dirty="0" err="1">
+                <a:latin typeface="Source Code Pro" panose="020B0509030403020204" pitchFamily="49" charset="0"/>
+                <a:cs typeface="Courier New"/>
+              </a:rPr>
+              <a:t>self._balance</a:t>
+            </a:r>
+            <a:r>
+              <a:rPr lang="en-US" dirty="0">
+                <a:latin typeface="Source Code Pro" panose="020B0509030403020204" pitchFamily="49" charset="0"/>
+                <a:cs typeface="Courier New"/>
+              </a:rPr>
+              <a:t> = </a:t>
+            </a:r>
+            <a:r>
+              <a:rPr lang="en-US" dirty="0" err="1">
+                <a:latin typeface="Source Code Pro" panose="020B0509030403020204" pitchFamily="49" charset="0"/>
+                <a:cs typeface="Courier New"/>
+              </a:rPr>
+              <a:t>initial_deposit</a:t>
+            </a:r>
+            <a:endParaRPr lang="en-US" dirty="0">
+              <a:latin typeface="Source Code Pro" panose="020B0509030403020204" pitchFamily="49" charset="0"/>
+              <a:cs typeface="Courier New"/>
+            </a:endParaRPr>
+          </a:p>
+          <a:p>
+            <a:endParaRPr lang="en-US" dirty="0">
+              <a:latin typeface="Source Code Pro" panose="020B0509030403020204" pitchFamily="49" charset="0"/>
+              <a:cs typeface="Courier New"/>
+            </a:endParaRPr>
+          </a:p>
+          <a:p>
+            <a:r>
+              <a:rPr lang="en-US" dirty="0">
+                <a:latin typeface="Source Code Pro" panose="020B0509030403020204" pitchFamily="49" charset="0"/>
+                <a:cs typeface="Courier New"/>
+              </a:rPr>
+              <a:t>class </a:t>
+            </a:r>
+            <a:r>
+              <a:rPr lang="en-US" dirty="0" err="1">
+                <a:latin typeface="Source Code Pro" panose="020B0509030403020204" pitchFamily="49" charset="0"/>
+                <a:cs typeface="Courier New"/>
+              </a:rPr>
+              <a:t>CheckingAccount</a:t>
+            </a:r>
+            <a:r>
+              <a:rPr lang="en-US" dirty="0">
+                <a:latin typeface="Source Code Pro" panose="020B0509030403020204" pitchFamily="49" charset="0"/>
+                <a:cs typeface="Courier New"/>
+              </a:rPr>
+              <a:t>(</a:t>
+            </a:r>
+            <a:r>
+              <a:rPr lang="en-US" b="1" dirty="0" err="1">
+                <a:latin typeface="Source Code Pro" panose="020B0509030403020204" pitchFamily="49" charset="0"/>
+                <a:cs typeface="Courier New"/>
+              </a:rPr>
+              <a:t>BaseAccount</a:t>
+            </a:r>
+            <a:r>
+              <a:rPr lang="en-US" dirty="0">
+                <a:latin typeface="Source Code Pro" panose="020B0509030403020204" pitchFamily="49" charset="0"/>
+                <a:cs typeface="Courier New"/>
+              </a:rPr>
+              <a:t>):</a:t>
+            </a:r>
+            <a:br>
+              <a:rPr lang="en-US" dirty="0">
+                <a:latin typeface="Source Code Pro" panose="020B0509030403020204" pitchFamily="49" charset="0"/>
+                <a:cs typeface="Courier New"/>
+              </a:rPr>
+            </a:br>
+            <a:r>
+              <a:rPr lang="en-US" dirty="0">
+                <a:latin typeface="Source Code Pro" panose="020B0509030403020204" pitchFamily="49" charset="0"/>
+                <a:cs typeface="Courier New"/>
+              </a:rPr>
+              <a:t>    def __</a:t>
+            </a:r>
+            <a:r>
+              <a:rPr lang="en-US" dirty="0" err="1">
+                <a:latin typeface="Source Code Pro" panose="020B0509030403020204" pitchFamily="49" charset="0"/>
+                <a:cs typeface="Courier New"/>
+              </a:rPr>
+              <a:t>init</a:t>
+            </a:r>
+            <a:r>
+              <a:rPr lang="en-US" dirty="0">
+                <a:latin typeface="Source Code Pro" panose="020B0509030403020204" pitchFamily="49" charset="0"/>
+                <a:cs typeface="Courier New"/>
+              </a:rPr>
+              <a:t>__(self, name, </a:t>
+            </a:r>
+            <a:r>
+              <a:rPr lang="en-US" dirty="0" err="1">
+                <a:latin typeface="Source Code Pro" panose="020B0509030403020204" pitchFamily="49" charset="0"/>
+                <a:cs typeface="Courier New"/>
+              </a:rPr>
+              <a:t>initial_deposit</a:t>
+            </a:r>
+            <a:r>
+              <a:rPr lang="en-US" dirty="0">
+                <a:latin typeface="Source Code Pro" panose="020B0509030403020204" pitchFamily="49" charset="0"/>
+                <a:cs typeface="Courier New"/>
+              </a:rPr>
+              <a:t>):</a:t>
+            </a:r>
+          </a:p>
+          <a:p>
+            <a:r>
+              <a:rPr lang="en-US" dirty="0">
+                <a:latin typeface="Source Code Pro" panose="020B0509030403020204" pitchFamily="49" charset="0"/>
+                <a:cs typeface="Courier New"/>
+              </a:rPr>
+              <a:t>        # Use superclass initializer</a:t>
+            </a:r>
+          </a:p>
+          <a:p>
+            <a:r>
+              <a:rPr lang="en-US" dirty="0">
+                <a:latin typeface="Source Code Pro" panose="020B0509030403020204" pitchFamily="49" charset="0"/>
+                <a:cs typeface="Courier New"/>
+              </a:rPr>
+              <a:t>        </a:t>
+            </a:r>
+            <a:r>
+              <a:rPr lang="en-US" b="1" dirty="0" err="1">
+                <a:latin typeface="Source Code Pro" panose="020B0509030403020204" pitchFamily="49" charset="0"/>
+                <a:cs typeface="Courier New"/>
+              </a:rPr>
+              <a:t>BaseAccount</a:t>
+            </a:r>
+            <a:r>
+              <a:rPr lang="en-US" b="1" dirty="0">
+                <a:latin typeface="Source Code Pro" panose="020B0509030403020204" pitchFamily="49" charset="0"/>
+                <a:cs typeface="Courier New"/>
+              </a:rPr>
+              <a:t>.__</a:t>
+            </a:r>
+            <a:r>
+              <a:rPr lang="en-US" b="1" dirty="0" err="1">
+                <a:latin typeface="Source Code Pro" panose="020B0509030403020204" pitchFamily="49" charset="0"/>
+                <a:cs typeface="Courier New"/>
+              </a:rPr>
+              <a:t>init</a:t>
+            </a:r>
+            <a:r>
+              <a:rPr lang="en-US" b="1" dirty="0">
+                <a:latin typeface="Source Code Pro" panose="020B0509030403020204" pitchFamily="49" charset="0"/>
+                <a:cs typeface="Courier New"/>
+              </a:rPr>
+              <a:t>__</a:t>
+            </a:r>
+            <a:r>
+              <a:rPr lang="en-US" dirty="0">
+                <a:latin typeface="Source Code Pro" panose="020B0509030403020204" pitchFamily="49" charset="0"/>
+                <a:cs typeface="Courier New"/>
+              </a:rPr>
+              <a:t>(self, name, </a:t>
+            </a:r>
+            <a:r>
+              <a:rPr lang="en-US" dirty="0" err="1">
+                <a:latin typeface="Source Code Pro" panose="020B0509030403020204" pitchFamily="49" charset="0"/>
+                <a:cs typeface="Courier New"/>
+              </a:rPr>
+              <a:t>initial_deposit</a:t>
+            </a:r>
+            <a:r>
+              <a:rPr lang="en-US" dirty="0">
+                <a:latin typeface="Source Code Pro" panose="020B0509030403020204" pitchFamily="49" charset="0"/>
+                <a:cs typeface="Courier New"/>
+              </a:rPr>
+              <a:t>)</a:t>
+            </a:r>
+          </a:p>
+          <a:p>
+            <a:r>
+              <a:rPr lang="en-US" dirty="0">
+                <a:latin typeface="Source Code Pro" panose="020B0509030403020204" pitchFamily="49" charset="0"/>
+                <a:cs typeface="Courier New"/>
+              </a:rPr>
+              <a:t>        # Alternatively:</a:t>
+            </a:r>
+          </a:p>
+          <a:p>
+            <a:r>
+              <a:rPr lang="en-US" dirty="0">
+                <a:latin typeface="Source Code Pro" panose="020B0509030403020204" pitchFamily="49" charset="0"/>
+                <a:cs typeface="Courier New"/>
+              </a:rPr>
+              <a:t>        </a:t>
+            </a:r>
+            <a:r>
+              <a:rPr lang="en-US" b="1" dirty="0">
+                <a:latin typeface="Source Code Pro" panose="020B0509030403020204" pitchFamily="49" charset="0"/>
+                <a:cs typeface="Courier New"/>
+              </a:rPr>
+              <a:t># super().__</a:t>
+            </a:r>
+            <a:r>
+              <a:rPr lang="en-US" b="1" dirty="0" err="1">
+                <a:latin typeface="Source Code Pro" panose="020B0509030403020204" pitchFamily="49" charset="0"/>
+                <a:cs typeface="Courier New"/>
+              </a:rPr>
+              <a:t>init</a:t>
+            </a:r>
+            <a:r>
+              <a:rPr lang="en-US" b="1" dirty="0">
+                <a:latin typeface="Source Code Pro" panose="020B0509030403020204" pitchFamily="49" charset="0"/>
+                <a:cs typeface="Courier New"/>
+              </a:rPr>
+              <a:t>__</a:t>
+            </a:r>
+            <a:r>
+              <a:rPr lang="en-US" dirty="0">
+                <a:latin typeface="Source Code Pro" panose="020B0509030403020204" pitchFamily="49" charset="0"/>
+                <a:cs typeface="Courier New"/>
+              </a:rPr>
+              <a:t>(name, </a:t>
+            </a:r>
+            <a:r>
+              <a:rPr lang="en-US" dirty="0" err="1">
+                <a:latin typeface="Source Code Pro" panose="020B0509030403020204" pitchFamily="49" charset="0"/>
+                <a:cs typeface="Courier New"/>
+              </a:rPr>
+              <a:t>initial_deposit</a:t>
+            </a:r>
+            <a:r>
+              <a:rPr lang="en-US" dirty="0">
+                <a:latin typeface="Source Code Pro" panose="020B0509030403020204" pitchFamily="49" charset="0"/>
+                <a:cs typeface="Courier New"/>
+              </a:rPr>
+              <a:t>)</a:t>
+            </a:r>
+          </a:p>
+          <a:p>
+            <a:r>
+              <a:rPr lang="en-US" dirty="0">
+                <a:latin typeface="Source Code Pro" panose="020B0509030403020204" pitchFamily="49" charset="0"/>
+                <a:cs typeface="Courier New"/>
+              </a:rPr>
+              <a:t>        # Additional initialization</a:t>
+            </a:r>
+          </a:p>
+          <a:p>
+            <a:r>
+              <a:rPr lang="en-US" dirty="0">
+                <a:latin typeface="Source Code Pro" panose="020B0509030403020204" pitchFamily="49" charset="0"/>
+                <a:cs typeface="Courier New"/>
+              </a:rPr>
+              <a:t>        </a:t>
+            </a:r>
+            <a:r>
+              <a:rPr lang="en-US" dirty="0" err="1">
+                <a:latin typeface="Source Code Pro" panose="020B0509030403020204" pitchFamily="49" charset="0"/>
+                <a:cs typeface="Courier New"/>
+              </a:rPr>
+              <a:t>self._type</a:t>
+            </a:r>
+            <a:r>
+              <a:rPr lang="en-US" dirty="0">
+                <a:latin typeface="Source Code Pro" panose="020B0509030403020204" pitchFamily="49" charset="0"/>
+                <a:cs typeface="Courier New"/>
+              </a:rPr>
+              <a:t> = "Checking"</a:t>
+            </a:r>
+          </a:p>
+        </p:txBody>
+      </p:sp>
+    </p:spTree>
+    <p:extLst>
+      <p:ext uri="{BB962C8B-B14F-4D97-AF65-F5344CB8AC3E}">
+        <p14:creationId xmlns:p14="http://schemas.microsoft.com/office/powerpoint/2010/main" val="2380298552"/>
+      </p:ext>
+    </p:extLst>
+  </p:cSld>
+  <p:clrMapOvr>
+    <a:masterClrMapping/>
+  </p:clrMapOvr>
+</p:sld>
+</file>
+
+<file path=ppt/slides/slide18.xml><?xml version="1.0" encoding="utf-8"?>
+<p:sld xmlns:a="http://schemas.openxmlformats.org/drawingml/2006/main" xmlns:r="http://schemas.openxmlformats.org/officeDocument/2006/relationships" xmlns:p="http://schemas.openxmlformats.org/presentationml/2006/main">
+  <p:cSld>
+    <p:spTree>
+      <p:nvGrpSpPr>
+        <p:cNvPr id="1" name=""/>
+        <p:cNvGrpSpPr/>
+        <p:nvPr/>
+      </p:nvGrpSpPr>
+      <p:grpSpPr>
+        <a:xfrm>
+          <a:off x="0" y="0"/>
+          <a:ext cx="0" cy="0"/>
+          <a:chOff x="0" y="0"/>
+          <a:chExt cx="0" cy="0"/>
+        </a:xfrm>
+      </p:grpSpPr>
+      <p:sp>
+        <p:nvSpPr>
+          <p:cNvPr id="2" name="Title 1">
+            <a:extLst>
+              <a:ext uri="{FF2B5EF4-FFF2-40B4-BE49-F238E27FC236}">
+                <a16:creationId xmlns:a16="http://schemas.microsoft.com/office/drawing/2014/main" id="{4B6AAB13-BC57-644D-9D09-AAE5F38B849B}"/>
+              </a:ext>
+            </a:extLst>
+          </p:cNvPr>
+          <p:cNvSpPr>
+            <a:spLocks noGrp="1"/>
+          </p:cNvSpPr>
+          <p:nvPr>
+            <p:ph type="title"/>
+          </p:nvPr>
+        </p:nvSpPr>
+        <p:spPr/>
+        <p:txBody>
+          <a:bodyPr/>
+          <a:lstStyle/>
+          <a:p>
+            <a:r>
+              <a:rPr lang="en-US" dirty="0"/>
+              <a:t>Accessing the Parent Class</a:t>
+            </a:r>
+          </a:p>
+        </p:txBody>
+      </p:sp>
+      <p:sp>
+        <p:nvSpPr>
+          <p:cNvPr id="3" name="Content Placeholder 2">
+            <a:extLst>
+              <a:ext uri="{FF2B5EF4-FFF2-40B4-BE49-F238E27FC236}">
+                <a16:creationId xmlns:a16="http://schemas.microsoft.com/office/drawing/2014/main" id="{54A89854-9455-9742-B79E-D5E79FFA44BE}"/>
+              </a:ext>
+            </a:extLst>
+          </p:cNvPr>
+          <p:cNvSpPr>
+            <a:spLocks noGrp="1"/>
+          </p:cNvSpPr>
+          <p:nvPr>
+            <p:ph idx="1"/>
+          </p:nvPr>
+        </p:nvSpPr>
+        <p:spPr>
+          <a:xfrm>
+            <a:off x="533400" y="1066800"/>
+            <a:ext cx="10134600" cy="5257800"/>
+          </a:xfrm>
+        </p:spPr>
+        <p:txBody>
+          <a:bodyPr/>
+          <a:lstStyle/>
+          <a:p>
+            <a:r>
+              <a:rPr lang="en-US" sz="2800" dirty="0"/>
+              <a:t> </a:t>
+            </a:r>
+            <a:r>
+              <a:rPr lang="en-US" sz="2800" dirty="0">
+                <a:latin typeface="Source Code Pro" panose="020B0509030403020204" pitchFamily="49" charset="0"/>
+                <a:ea typeface="Source Code Pro" panose="020B0509030403020204" pitchFamily="49" charset="0"/>
+              </a:rPr>
+              <a:t>super()</a:t>
+            </a:r>
+            <a:r>
+              <a:rPr lang="en-US" sz="2800" dirty="0"/>
+              <a:t> </a:t>
+            </a:r>
+            <a:r>
+              <a:rPr lang="en-US" sz="2800" i="1" dirty="0"/>
+              <a:t>binds </a:t>
+            </a:r>
+            <a:r>
+              <a:rPr lang="en-US" sz="2800" dirty="0"/>
+              <a:t>methods in the parent or "superclass" to the current instance</a:t>
+            </a:r>
+          </a:p>
+          <a:p>
+            <a:pPr lvl="1"/>
+            <a:r>
+              <a:rPr lang="en-US" sz="2800" dirty="0"/>
+              <a:t> Can be called anywhere in our class</a:t>
+            </a:r>
+          </a:p>
+          <a:p>
+            <a:pPr lvl="1"/>
+            <a:r>
+              <a:rPr lang="en-US" sz="2800" dirty="0"/>
+              <a:t> Handles passing </a:t>
+            </a:r>
+            <a:r>
+              <a:rPr lang="en-US" sz="2800" dirty="0">
+                <a:latin typeface="Source Code Pro" panose="020B0509030403020204" pitchFamily="49" charset="0"/>
+                <a:ea typeface="Source Code Pro" panose="020B0509030403020204" pitchFamily="49" charset="0"/>
+              </a:rPr>
+              <a:t>self</a:t>
+            </a:r>
+            <a:r>
+              <a:rPr lang="en-US" sz="2800" dirty="0"/>
+              <a:t> to the method</a:t>
+            </a:r>
+          </a:p>
+          <a:p>
+            <a:pPr lvl="1"/>
+            <a:r>
+              <a:rPr lang="en-US" sz="2800" dirty="0"/>
+              <a:t> Handles looking up an attribute on a parent class, too.</a:t>
+            </a:r>
+          </a:p>
+          <a:p>
+            <a:r>
+              <a:rPr lang="en-US" sz="2800" dirty="0"/>
+              <a:t> We can directly call </a:t>
+            </a:r>
+            <a:r>
+              <a:rPr lang="en-US" sz="2800" dirty="0" err="1">
+                <a:latin typeface="Source Code Pro" panose="020B0509030403020204" pitchFamily="49" charset="0"/>
+                <a:ea typeface="Source Code Pro" panose="020B0509030403020204" pitchFamily="49" charset="0"/>
+              </a:rPr>
+              <a:t>ParentClass.method</a:t>
+            </a:r>
+            <a:r>
+              <a:rPr lang="en-US" sz="2800" dirty="0">
+                <a:latin typeface="Source Code Pro" panose="020B0509030403020204" pitchFamily="49" charset="0"/>
+                <a:ea typeface="Source Code Pro" panose="020B0509030403020204" pitchFamily="49" charset="0"/>
+              </a:rPr>
+              <a:t>(self, …)</a:t>
+            </a:r>
+          </a:p>
+          <a:p>
+            <a:pPr lvl="1"/>
+            <a:r>
+              <a:rPr lang="en-US" sz="2800" dirty="0">
+                <a:latin typeface="Source Code Pro" panose="020B0509030403020204" pitchFamily="49" charset="0"/>
+                <a:ea typeface="Source Code Pro" panose="020B0509030403020204" pitchFamily="49" charset="0"/>
+              </a:rPr>
+              <a:t> </a:t>
+            </a:r>
+            <a:r>
+              <a:rPr lang="en-US" sz="2800" dirty="0">
+                <a:latin typeface="FreightSans Pro Book" panose="02000606030000020004" pitchFamily="2" charset="0"/>
+                <a:ea typeface="Source Code Pro" panose="020B0509030403020204" pitchFamily="49" charset="0"/>
+              </a:rPr>
+              <a:t>This is not quite as flexible if our class structure changes.</a:t>
+            </a:r>
+            <a:endParaRPr lang="en-US" sz="2800" dirty="0"/>
+          </a:p>
+          <a:p>
+            <a:r>
+              <a:rPr lang="en-US" sz="2800" dirty="0">
+                <a:latin typeface="FreightSans Pro Medium" panose="02000606030000020004" pitchFamily="2" charset="0"/>
+              </a:rPr>
+              <a:t> In general, prefer using </a:t>
+            </a:r>
+            <a:r>
+              <a:rPr lang="en-US" sz="2800" b="1" dirty="0">
+                <a:latin typeface="FreightSans Pro Medium" panose="02000606030000020004" pitchFamily="2" charset="0"/>
+              </a:rPr>
+              <a:t>super()</a:t>
+            </a:r>
+            <a:r>
+              <a:rPr lang="en-US" sz="2800" dirty="0">
+                <a:latin typeface="FreightSans Pro Medium" panose="02000606030000020004" pitchFamily="2" charset="0"/>
+              </a:rPr>
+              <a:t>!</a:t>
+            </a:r>
+          </a:p>
+          <a:p>
+            <a:r>
+              <a:rPr lang="en-US" sz="2800" dirty="0">
+                <a:latin typeface="FreightSans Pro Medium" panose="02000606030000020004" pitchFamily="2" charset="0"/>
+              </a:rPr>
+              <a:t> Outside of C88C, things can get complex…</a:t>
+            </a:r>
+          </a:p>
+          <a:p>
+            <a:pPr lvl="1"/>
+            <a:r>
+              <a:rPr lang="en-US" sz="2800" dirty="0">
+                <a:latin typeface="FreightSans Pro Medium" panose="02000606030000020004" pitchFamily="2" charset="0"/>
+              </a:rPr>
+              <a:t> </a:t>
+            </a:r>
+            <a:r>
+              <a:rPr lang="en-US" sz="2800" dirty="0">
+                <a:latin typeface="FreightSans Pro Medium" panose="02000606030000020004" pitchFamily="2" charset="0"/>
+                <a:hlinkClick r:id="rId2"/>
+              </a:rPr>
+              <a:t>https://docs.python.org/3/library/functions.html#super</a:t>
+            </a:r>
+            <a:r>
+              <a:rPr lang="en-US" sz="2800" dirty="0">
+                <a:latin typeface="FreightSans Pro Medium" panose="02000606030000020004" pitchFamily="2" charset="0"/>
+              </a:rPr>
+              <a:t> </a:t>
+            </a:r>
+          </a:p>
+        </p:txBody>
+      </p:sp>
+    </p:spTree>
+    <p:extLst>
+      <p:ext uri="{BB962C8B-B14F-4D97-AF65-F5344CB8AC3E}">
+        <p14:creationId xmlns:p14="http://schemas.microsoft.com/office/powerpoint/2010/main" val="3962722634"/>
+      </p:ext>
+    </p:extLst>
+  </p:cSld>
+  <p:clrMapOvr>
+    <a:masterClrMapping/>
+  </p:clrMapOvr>
+</p:sld>
+</file>
+
+<file path=ppt/slides/slide19.xml><?xml version="1.0" encoding="utf-8"?>
+<p:sld xmlns:a="http://schemas.openxmlformats.org/drawingml/2006/main" xmlns:r="http://schemas.openxmlformats.org/officeDocument/2006/relationships" xmlns:p="http://schemas.openxmlformats.org/presentationml/2006/main">
+  <p:cSld>
+    <p:spTree>
+      <p:nvGrpSpPr>
+        <p:cNvPr id="1" name=""/>
+        <p:cNvGrpSpPr/>
+        <p:nvPr/>
+      </p:nvGrpSpPr>
+      <p:grpSpPr>
+        <a:xfrm>
+          <a:off x="0" y="0"/>
+          <a:ext cx="0" cy="0"/>
+          <a:chOff x="0" y="0"/>
+          <a:chExt cx="0" cy="0"/>
+        </a:xfrm>
+      </p:grpSpPr>
+      <p:sp>
+        <p:nvSpPr>
+          <p:cNvPr id="17411" name="Rectangle 2"/>
+          <p:cNvSpPr>
+            <a:spLocks noGrp="1" noChangeArrowheads="1"/>
+          </p:cNvSpPr>
+          <p:nvPr>
+            <p:ph type="ctrTitle"/>
+          </p:nvPr>
+        </p:nvSpPr>
+        <p:spPr/>
+        <p:txBody>
+          <a:bodyPr/>
+          <a:lstStyle/>
+          <a:p>
+            <a:r>
+              <a:rPr lang="en-US" dirty="0"/>
+              <a:t>Object-Oriented Programming:</a:t>
+            </a:r>
+            <a:br>
+              <a:rPr lang="en-US" dirty="0"/>
+            </a:br>
+            <a:r>
+              <a:rPr lang="en-US" dirty="0"/>
+              <a:t>Evolving The Bank Model</a:t>
+            </a:r>
+          </a:p>
+        </p:txBody>
+      </p:sp>
+    </p:spTree>
+    <p:extLst>
+      <p:ext uri="{BB962C8B-B14F-4D97-AF65-F5344CB8AC3E}">
+        <p14:creationId xmlns:p14="http://schemas.microsoft.com/office/powerpoint/2010/main" val="130552618"/>
+      </p:ext>
+    </p:extLst>
+  </p:cSld>
+  <p:clrMapOvr>
+    <a:masterClrMapping/>
+  </p:clrMapOvr>
+  <mc:AlternateContent xmlns:mc="http://schemas.openxmlformats.org/markup-compatibility/2006" xmlns:p14="http://schemas.microsoft.com/office/powerpoint/2010/main">
+    <mc:Choice Requires="p14">
+      <p:transition spd="slow" p14:dur="2000" advTm="109658"/>
+    </mc:Choice>
+    <mc:Fallback xmlns="">
+      <p:transition xmlns:p14="http://schemas.microsoft.com/office/powerpoint/2010/main" spd="slow" advTm="109658"/>
+    </mc:Fallback>
+  </mc:AlternateContent>
+</p:sld>
+</file>
+
+<file path=ppt/slides/slide2.xml><?xml version="1.0" encoding="utf-8"?>
+<p:sld xmlns:a="http://schemas.openxmlformats.org/drawingml/2006/main" xmlns:r="http://schemas.openxmlformats.org/officeDocument/2006/relationships" xmlns:p="http://schemas.openxmlformats.org/presentationml/2006/main">
+  <p:cSld>
+    <p:spTree>
+      <p:nvGrpSpPr>
+        <p:cNvPr id="1" name=""/>
+        <p:cNvGrpSpPr/>
+        <p:nvPr/>
+      </p:nvGrpSpPr>
+      <p:grpSpPr>
+        <a:xfrm>
+          <a:off x="0" y="0"/>
+          <a:ext cx="0" cy="0"/>
+          <a:chOff x="0" y="0"/>
+          <a:chExt cx="0" cy="0"/>
+        </a:xfrm>
+      </p:grpSpPr>
+      <p:sp>
+        <p:nvSpPr>
+          <p:cNvPr id="5" name="Title 4">
+            <a:extLst>
+              <a:ext uri="{FF2B5EF4-FFF2-40B4-BE49-F238E27FC236}">
+                <a16:creationId xmlns:a16="http://schemas.microsoft.com/office/drawing/2014/main" id="{0EEB9482-8DBB-24AC-35A1-B4A30B36575E}"/>
+              </a:ext>
+            </a:extLst>
+          </p:cNvPr>
+          <p:cNvSpPr>
+            <a:spLocks noGrp="1"/>
+          </p:cNvSpPr>
+          <p:nvPr>
+            <p:ph type="title"/>
+          </p:nvPr>
+        </p:nvSpPr>
+        <p:spPr/>
+        <p:txBody>
+          <a:bodyPr/>
+          <a:lstStyle/>
+          <a:p>
+            <a:r>
+              <a:rPr lang="en-US" dirty="0"/>
+              <a:t>Announcements</a:t>
+            </a:r>
+          </a:p>
+        </p:txBody>
+      </p:sp>
+      <p:sp>
+        <p:nvSpPr>
+          <p:cNvPr id="6" name="Content Placeholder 5">
+            <a:extLst>
+              <a:ext uri="{FF2B5EF4-FFF2-40B4-BE49-F238E27FC236}">
+                <a16:creationId xmlns:a16="http://schemas.microsoft.com/office/drawing/2014/main" id="{BA474995-2F22-9F4F-5F59-2AD7F93C18DB}"/>
+              </a:ext>
+            </a:extLst>
+          </p:cNvPr>
+          <p:cNvSpPr>
+            <a:spLocks noGrp="1"/>
+          </p:cNvSpPr>
+          <p:nvPr>
+            <p:ph idx="1"/>
+          </p:nvPr>
+        </p:nvSpPr>
+        <p:spPr/>
+        <p:txBody>
+          <a:bodyPr/>
+          <a:lstStyle/>
+          <a:p>
+            <a:r>
+              <a:rPr lang="en-US" dirty="0"/>
+              <a:t> </a:t>
+            </a:r>
+            <a:r>
+              <a:rPr lang="en-US" b="1" dirty="0"/>
+              <a:t>Midterm Thursday!</a:t>
+            </a:r>
+          </a:p>
+          <a:p>
+            <a:pPr lvl="1"/>
+            <a:r>
+              <a:rPr lang="en-US" dirty="0"/>
+              <a:t> Seating announcements sent out.</a:t>
+            </a:r>
+          </a:p>
+          <a:p>
+            <a:pPr lvl="1"/>
+            <a:r>
+              <a:rPr lang="en-US" dirty="0"/>
+              <a:t> https://go.c88c.org/seating to login in and see your seat.</a:t>
+            </a:r>
+          </a:p>
+          <a:p>
+            <a:r>
+              <a:rPr lang="en-US" dirty="0"/>
+              <a:t>Reminders: 5 hand-written pages.</a:t>
+            </a:r>
+          </a:p>
+          <a:p>
+            <a:pPr lvl="1"/>
+            <a:r>
+              <a:rPr lang="en-US" dirty="0"/>
+              <a:t> </a:t>
+            </a:r>
+            <a:r>
+              <a:rPr lang="en-US" b="1" dirty="0"/>
+              <a:t>Please write names and hand them in with your exam.</a:t>
+            </a:r>
+            <a:endParaRPr lang="en-US" dirty="0"/>
+          </a:p>
+        </p:txBody>
+      </p:sp>
+      <p:sp>
+        <p:nvSpPr>
+          <p:cNvPr id="4" name="Footer Placeholder 3">
+            <a:extLst>
+              <a:ext uri="{FF2B5EF4-FFF2-40B4-BE49-F238E27FC236}">
+                <a16:creationId xmlns:a16="http://schemas.microsoft.com/office/drawing/2014/main" id="{1A7D3212-4DF9-8DEE-0EEF-E629D3233705}"/>
+              </a:ext>
+            </a:extLst>
+          </p:cNvPr>
+          <p:cNvSpPr>
+            <a:spLocks noGrp="1"/>
+          </p:cNvSpPr>
+          <p:nvPr>
+            <p:ph type="ftr" sz="quarter" idx="10"/>
+          </p:nvPr>
+        </p:nvSpPr>
+        <p:spPr/>
+        <p:txBody>
+          <a:bodyPr/>
+          <a:lstStyle/>
+          <a:p>
+            <a:r>
+              <a:rPr lang="en-US"/>
+              <a:t>Michael Ball | UC Berkeley | https://c88c.org | © CC BY-NC-SA</a:t>
+            </a:r>
+            <a:endParaRPr lang="en-US" dirty="0"/>
+          </a:p>
+        </p:txBody>
+      </p:sp>
+    </p:spTree>
+    <p:extLst>
+      <p:ext uri="{BB962C8B-B14F-4D97-AF65-F5344CB8AC3E}">
+        <p14:creationId xmlns:p14="http://schemas.microsoft.com/office/powerpoint/2010/main" val="3438461908"/>
+      </p:ext>
+    </p:extLst>
+  </p:cSld>
+  <p:clrMapOvr>
+    <a:masterClrMapping/>
+  </p:clrMapOvr>
+</p:sld>
+</file>
+
+<file path=ppt/slides/slide20.xml><?xml version="1.0" encoding="utf-8"?>
+<p:sld xmlns:a="http://schemas.openxmlformats.org/drawingml/2006/main" xmlns:r="http://schemas.openxmlformats.org/officeDocument/2006/relationships" xmlns:p="http://schemas.openxmlformats.org/presentationml/2006/main">
+  <p:cSld>
+    <p:spTree>
+      <p:nvGrpSpPr>
+        <p:cNvPr id="1" name=""/>
+        <p:cNvGrpSpPr/>
+        <p:nvPr/>
+      </p:nvGrpSpPr>
+      <p:grpSpPr>
+        <a:xfrm>
+          <a:off x="0" y="0"/>
+          <a:ext cx="0" cy="0"/>
+          <a:chOff x="0" y="0"/>
+          <a:chExt cx="0" cy="0"/>
+        </a:xfrm>
+      </p:grpSpPr>
+      <p:sp>
+        <p:nvSpPr>
+          <p:cNvPr id="2" name="Title 1"/>
+          <p:cNvSpPr>
+            <a:spLocks noGrp="1"/>
+          </p:cNvSpPr>
+          <p:nvPr>
+            <p:ph type="title"/>
+          </p:nvPr>
+        </p:nvSpPr>
+        <p:spPr/>
+        <p:txBody>
+          <a:bodyPr/>
+          <a:lstStyle/>
+          <a:p>
+            <a:r>
+              <a:rPr lang="en-US" dirty="0"/>
+              <a:t>Composing Classes Together</a:t>
+            </a:r>
+          </a:p>
+        </p:txBody>
+      </p:sp>
+      <p:sp>
+        <p:nvSpPr>
+          <p:cNvPr id="3" name="Content Placeholder 2"/>
+          <p:cNvSpPr>
+            <a:spLocks noGrp="1"/>
+          </p:cNvSpPr>
+          <p:nvPr>
+            <p:ph idx="1"/>
+          </p:nvPr>
+        </p:nvSpPr>
+        <p:spPr>
+          <a:xfrm>
+            <a:off x="457200" y="1295400"/>
+            <a:ext cx="9372600" cy="5029200"/>
+          </a:xfrm>
+        </p:spPr>
+        <p:txBody>
+          <a:bodyPr/>
+          <a:lstStyle/>
+          <a:p>
+            <a:r>
+              <a:rPr lang="en-US" dirty="0"/>
+              <a:t> Currently, our </a:t>
+            </a:r>
+            <a:r>
+              <a:rPr lang="en-US" dirty="0" err="1">
+                <a:latin typeface="Source Code Pro" panose="020B0309030403020204" pitchFamily="34" charset="0"/>
+                <a:ea typeface="Source Code Pro" panose="020B0309030403020204" pitchFamily="34" charset="0"/>
+              </a:rPr>
+              <a:t>BaseAccount</a:t>
+            </a:r>
+            <a:r>
+              <a:rPr lang="en-US" dirty="0"/>
+              <a:t> stores a lot of data in class attributes…</a:t>
+            </a:r>
+          </a:p>
+          <a:p>
+            <a:r>
+              <a:rPr lang="en-US" dirty="0"/>
+              <a:t> This suggests we are trying to accomplish an entirely new kind of class, or object</a:t>
+            </a:r>
+          </a:p>
+          <a:p>
+            <a:pPr lvl="1"/>
+            <a:r>
+              <a:rPr lang="en-US" dirty="0"/>
+              <a:t> A Bank!</a:t>
+            </a:r>
+          </a:p>
+          <a:p>
+            <a:r>
+              <a:rPr lang="en-US" dirty="0"/>
+              <a:t> We should extract that these functions into their own class</a:t>
+            </a:r>
+          </a:p>
+          <a:p>
+            <a:r>
+              <a:rPr lang="en-US" dirty="0"/>
+              <a:t> A bank can now manage:</a:t>
+            </a:r>
+          </a:p>
+          <a:p>
+            <a:pPr lvl="1"/>
+            <a:r>
+              <a:rPr lang="en-US" dirty="0"/>
+              <a:t> making accounts</a:t>
+            </a:r>
+          </a:p>
+          <a:p>
+            <a:pPr lvl="1"/>
+            <a:r>
+              <a:rPr lang="en-US" dirty="0"/>
+              <a:t> keeping track of account numbers</a:t>
+            </a:r>
+          </a:p>
+          <a:p>
+            <a:pPr lvl="1"/>
+            <a:r>
+              <a:rPr lang="en-US" dirty="0"/>
+              <a:t> showing and listing accounts</a:t>
+            </a:r>
+          </a:p>
+        </p:txBody>
+      </p:sp>
+      <p:sp>
+        <p:nvSpPr>
+          <p:cNvPr id="4" name="TextBox 3">
+            <a:extLst>
+              <a:ext uri="{FF2B5EF4-FFF2-40B4-BE49-F238E27FC236}">
+                <a16:creationId xmlns:a16="http://schemas.microsoft.com/office/drawing/2014/main" id="{AE085B66-6C8E-EDC4-1143-301F5A673B31}"/>
+              </a:ext>
+            </a:extLst>
+          </p:cNvPr>
+          <p:cNvSpPr txBox="1"/>
+          <p:nvPr/>
+        </p:nvSpPr>
+        <p:spPr>
+          <a:xfrm>
+            <a:off x="2945423" y="606669"/>
+            <a:ext cx="184731" cy="369332"/>
+          </a:xfrm>
+          <a:prstGeom prst="rect">
+            <a:avLst/>
+          </a:prstGeom>
+          <a:noFill/>
+        </p:spPr>
+        <p:txBody>
+          <a:bodyPr wrap="none" rtlCol="0">
+            <a:spAutoFit/>
+          </a:bodyPr>
+          <a:lstStyle/>
+          <a:p>
+            <a:endParaRPr lang="en-US" dirty="0"/>
+          </a:p>
+        </p:txBody>
+      </p:sp>
+    </p:spTree>
+    <p:extLst>
+      <p:ext uri="{BB962C8B-B14F-4D97-AF65-F5344CB8AC3E}">
+        <p14:creationId xmlns:p14="http://schemas.microsoft.com/office/powerpoint/2010/main" val="4135719838"/>
+      </p:ext>
+    </p:extLst>
+  </p:cSld>
+  <p:clrMapOvr>
+    <a:masterClrMapping/>
+  </p:clrMapOvr>
+</p:sld>
+</file>
+
+<file path=ppt/slides/slide21.xml><?xml version="1.0" encoding="utf-8"?>
+<p:sld xmlns:a="http://schemas.openxmlformats.org/drawingml/2006/main" xmlns:r="http://schemas.openxmlformats.org/officeDocument/2006/relationships" xmlns:p="http://schemas.openxmlformats.org/presentationml/2006/main">
+  <p:cSld>
+    <p:spTree>
+      <p:nvGrpSpPr>
+        <p:cNvPr id="1" name=""/>
+        <p:cNvGrpSpPr/>
+        <p:nvPr/>
+      </p:nvGrpSpPr>
+      <p:grpSpPr>
+        <a:xfrm>
+          <a:off x="0" y="0"/>
+          <a:ext cx="0" cy="0"/>
+          <a:chOff x="0" y="0"/>
+          <a:chExt cx="0" cy="0"/>
+        </a:xfrm>
+      </p:grpSpPr>
+      <p:sp>
+        <p:nvSpPr>
+          <p:cNvPr id="2" name="Title 1">
+            <a:extLst>
+              <a:ext uri="{FF2B5EF4-FFF2-40B4-BE49-F238E27FC236}">
+                <a16:creationId xmlns:a16="http://schemas.microsoft.com/office/drawing/2014/main" id="{C6131432-EECF-CD25-D610-2946E5E74153}"/>
+              </a:ext>
+            </a:extLst>
+          </p:cNvPr>
+          <p:cNvSpPr>
+            <a:spLocks noGrp="1"/>
+          </p:cNvSpPr>
+          <p:nvPr>
+            <p:ph type="title"/>
+          </p:nvPr>
+        </p:nvSpPr>
+        <p:spPr/>
+        <p:txBody>
+          <a:bodyPr/>
+          <a:lstStyle/>
+          <a:p>
+            <a:r>
+              <a:rPr lang="en-US" dirty="0"/>
+              <a:t>Live Demo</a:t>
+            </a:r>
+          </a:p>
+        </p:txBody>
+      </p:sp>
+      <p:sp>
+        <p:nvSpPr>
+          <p:cNvPr id="3" name="Content Placeholder 2">
+            <a:extLst>
+              <a:ext uri="{FF2B5EF4-FFF2-40B4-BE49-F238E27FC236}">
+                <a16:creationId xmlns:a16="http://schemas.microsoft.com/office/drawing/2014/main" id="{DC4AB9DA-1FD3-4EA3-AAA1-69B514FD4D54}"/>
+              </a:ext>
+            </a:extLst>
+          </p:cNvPr>
+          <p:cNvSpPr>
+            <a:spLocks noGrp="1"/>
+          </p:cNvSpPr>
+          <p:nvPr>
+            <p:ph idx="1"/>
+          </p:nvPr>
+        </p:nvSpPr>
+        <p:spPr/>
+        <p:txBody>
+          <a:bodyPr/>
+          <a:lstStyle/>
+          <a:p>
+            <a:endParaRPr lang="en-US"/>
+          </a:p>
+        </p:txBody>
+      </p:sp>
+    </p:spTree>
+    <p:extLst>
+      <p:ext uri="{BB962C8B-B14F-4D97-AF65-F5344CB8AC3E}">
+        <p14:creationId xmlns:p14="http://schemas.microsoft.com/office/powerpoint/2010/main" val="992519287"/>
+      </p:ext>
+    </p:extLst>
+  </p:cSld>
+  <p:clrMapOvr>
+    <a:masterClrMapping/>
+  </p:clrMapOvr>
+</p:sld>
+</file>
+
+<file path=ppt/slides/slide22.xml><?xml version="1.0" encoding="utf-8"?>
+<p:sld xmlns:a="http://schemas.openxmlformats.org/drawingml/2006/main" xmlns:r="http://schemas.openxmlformats.org/officeDocument/2006/relationships" xmlns:p="http://schemas.openxmlformats.org/presentationml/2006/main">
+  <p:cSld>
+    <p:spTree>
+      <p:nvGrpSpPr>
+        <p:cNvPr id="1" name=""/>
+        <p:cNvGrpSpPr/>
+        <p:nvPr/>
+      </p:nvGrpSpPr>
+      <p:grpSpPr>
+        <a:xfrm>
+          <a:off x="0" y="0"/>
+          <a:ext cx="0" cy="0"/>
+          <a:chOff x="0" y="0"/>
+          <a:chExt cx="0" cy="0"/>
+        </a:xfrm>
+      </p:grpSpPr>
+      <p:sp>
+        <p:nvSpPr>
+          <p:cNvPr id="17411" name="Rectangle 2"/>
+          <p:cNvSpPr>
+            <a:spLocks noGrp="1" noChangeArrowheads="1"/>
+          </p:cNvSpPr>
+          <p:nvPr>
+            <p:ph type="ctrTitle"/>
+          </p:nvPr>
+        </p:nvSpPr>
+        <p:spPr/>
+        <p:txBody>
+          <a:bodyPr/>
+          <a:lstStyle/>
+          <a:p>
+            <a:r>
+              <a:rPr lang="en-US" dirty="0"/>
+              <a:t>Object-Oriented Programming:</a:t>
+            </a:r>
+            <a:br>
+              <a:rPr lang="en-US" dirty="0"/>
+            </a:br>
+            <a:r>
+              <a:rPr lang="en-US" dirty="0"/>
+              <a:t>"Magic" Methods</a:t>
+            </a:r>
+          </a:p>
+        </p:txBody>
+      </p:sp>
+    </p:spTree>
+    <p:extLst>
+      <p:ext uri="{BB962C8B-B14F-4D97-AF65-F5344CB8AC3E}">
+        <p14:creationId xmlns:p14="http://schemas.microsoft.com/office/powerpoint/2010/main" val="1173711718"/>
+      </p:ext>
+    </p:extLst>
+  </p:cSld>
+  <p:clrMapOvr>
+    <a:masterClrMapping/>
+  </p:clrMapOvr>
+  <mc:AlternateContent xmlns:mc="http://schemas.openxmlformats.org/markup-compatibility/2006" xmlns:p14="http://schemas.microsoft.com/office/powerpoint/2010/main">
+    <mc:Choice Requires="p14">
+      <p:transition spd="slow" p14:dur="2000" advTm="109658"/>
+    </mc:Choice>
+    <mc:Fallback xmlns="">
+      <p:transition spd="slow" advTm="109658"/>
+    </mc:Fallback>
+  </mc:AlternateContent>
+</p:sld>
+</file>
+
+<file path=ppt/slides/slide23.xml><?xml version="1.0" encoding="utf-8"?>
+<p:sld xmlns:a="http://schemas.openxmlformats.org/drawingml/2006/main" xmlns:r="http://schemas.openxmlformats.org/officeDocument/2006/relationships" xmlns:p="http://schemas.openxmlformats.org/presentationml/2006/main">
+  <p:cSld>
+    <p:spTree>
+      <p:nvGrpSpPr>
+        <p:cNvPr id="1" name=""/>
+        <p:cNvGrpSpPr/>
+        <p:nvPr/>
+      </p:nvGrpSpPr>
+      <p:grpSpPr>
+        <a:xfrm>
+          <a:off x="0" y="0"/>
+          <a:ext cx="0" cy="0"/>
+          <a:chOff x="0" y="0"/>
+          <a:chExt cx="0" cy="0"/>
+        </a:xfrm>
+      </p:grpSpPr>
+      <p:sp>
+        <p:nvSpPr>
+          <p:cNvPr id="2" name="Title 1">
+            <a:extLst>
+              <a:ext uri="{FF2B5EF4-FFF2-40B4-BE49-F238E27FC236}">
+                <a16:creationId xmlns:a16="http://schemas.microsoft.com/office/drawing/2014/main" id="{EC42656B-C2CE-6541-B503-0DDD5B827655}"/>
+              </a:ext>
+            </a:extLst>
+          </p:cNvPr>
+          <p:cNvSpPr>
+            <a:spLocks noGrp="1"/>
+          </p:cNvSpPr>
+          <p:nvPr>
+            <p:ph type="title"/>
+          </p:nvPr>
+        </p:nvSpPr>
+        <p:spPr/>
+        <p:txBody>
+          <a:bodyPr/>
+          <a:lstStyle/>
+          <a:p>
+            <a:r>
+              <a:rPr lang="en-US" dirty="0"/>
+              <a:t>Learning Objectives</a:t>
+            </a:r>
+          </a:p>
+        </p:txBody>
+      </p:sp>
+      <p:sp>
+        <p:nvSpPr>
+          <p:cNvPr id="3" name="Content Placeholder 2">
+            <a:extLst>
+              <a:ext uri="{FF2B5EF4-FFF2-40B4-BE49-F238E27FC236}">
+                <a16:creationId xmlns:a16="http://schemas.microsoft.com/office/drawing/2014/main" id="{495FE291-2C1C-FF45-8F1A-ACF9950DCABA}"/>
+              </a:ext>
+            </a:extLst>
+          </p:cNvPr>
+          <p:cNvSpPr>
+            <a:spLocks noGrp="1"/>
+          </p:cNvSpPr>
+          <p:nvPr>
+            <p:ph idx="1"/>
+          </p:nvPr>
+        </p:nvSpPr>
+        <p:spPr/>
+        <p:txBody>
+          <a:bodyPr/>
+          <a:lstStyle/>
+          <a:p>
+            <a:r>
+              <a:rPr lang="en-US" sz="2400" dirty="0"/>
               <a:t> Python's Special Methods define built-in properties</a:t>
             </a:r>
             <a:endParaRPr lang="en-US" sz="2400" dirty="0">
@@ -11381,7 +13265,7 @@
 </p:sld>
 </file>
 
-<file path=ppt/slides/slide14.xml><?xml version="1.0" encoding="utf-8"?>
+<file path=ppt/slides/slide24.xml><?xml version="1.0" encoding="utf-8"?>
 <p:sld xmlns:a="http://schemas.openxmlformats.org/drawingml/2006/main" xmlns:r="http://schemas.openxmlformats.org/officeDocument/2006/relationships" xmlns:p="http://schemas.openxmlformats.org/presentationml/2006/main">
   <p:cSld>
     <p:spTree>
@@ -12061,2585 +13945,6 @@
 </p:sld>
 </file>
 
-<file path=ppt/slides/slide15.xml><?xml version="1.0" encoding="utf-8"?>
-<p:sld xmlns:a="http://schemas.openxmlformats.org/drawingml/2006/main" xmlns:r="http://schemas.openxmlformats.org/officeDocument/2006/relationships" xmlns:p="http://schemas.openxmlformats.org/presentationml/2006/main">
-  <p:cSld>
-    <p:spTree>
-      <p:nvGrpSpPr>
-        <p:cNvPr id="1" name=""/>
-        <p:cNvGrpSpPr/>
-        <p:nvPr/>
-      </p:nvGrpSpPr>
-      <p:grpSpPr>
-        <a:xfrm>
-          <a:off x="0" y="0"/>
-          <a:ext cx="0" cy="0"/>
-          <a:chOff x="0" y="0"/>
-          <a:chExt cx="0" cy="0"/>
-        </a:xfrm>
-      </p:grpSpPr>
-      <p:sp>
-        <p:nvSpPr>
-          <p:cNvPr id="2" name="Title 1"/>
-          <p:cNvSpPr>
-            <a:spLocks noGrp="1"/>
-          </p:cNvSpPr>
-          <p:nvPr>
-            <p:ph type="title"/>
-          </p:nvPr>
-        </p:nvSpPr>
-        <p:spPr/>
-        <p:txBody>
-          <a:bodyPr/>
-          <a:lstStyle/>
-          <a:p>
-            <a:r>
-              <a:rPr lang="en-US" dirty="0"/>
-              <a:t>More special methods</a:t>
-            </a:r>
-          </a:p>
-        </p:txBody>
-      </p:sp>
-      <p:sp>
-        <p:nvSpPr>
-          <p:cNvPr id="7" name="Rectangle 6"/>
-          <p:cNvSpPr/>
-          <p:nvPr/>
-        </p:nvSpPr>
-        <p:spPr>
-          <a:xfrm>
-            <a:off x="2133600" y="1447800"/>
-            <a:ext cx="8305800" cy="4801314"/>
-          </a:xfrm>
-          <a:prstGeom prst="rect">
-            <a:avLst/>
-          </a:prstGeom>
-        </p:spPr>
-        <p:txBody>
-          <a:bodyPr wrap="square">
-            <a:spAutoFit/>
-          </a:bodyPr>
-          <a:lstStyle/>
-          <a:p>
-            <a:r>
-              <a:rPr lang="en-US" dirty="0">
-                <a:latin typeface="Source Code Pro" panose="020B0509030403020204" pitchFamily="49" charset="0"/>
-                <a:cs typeface="Courier New"/>
-              </a:rPr>
-              <a:t>class </a:t>
-            </a:r>
-            <a:r>
-              <a:rPr lang="en-US" dirty="0" err="1">
-                <a:latin typeface="Source Code Pro" panose="020B0509030403020204" pitchFamily="49" charset="0"/>
-                <a:cs typeface="Courier New"/>
-              </a:rPr>
-              <a:t>BaseAccount</a:t>
-            </a:r>
-            <a:r>
-              <a:rPr lang="en-US" dirty="0">
-                <a:latin typeface="Source Code Pro" panose="020B0509030403020204" pitchFamily="49" charset="0"/>
-                <a:cs typeface="Courier New"/>
-              </a:rPr>
-              <a:t>:</a:t>
-            </a:r>
-          </a:p>
-          <a:p>
-            <a:r>
-              <a:rPr lang="en-US" dirty="0">
-                <a:latin typeface="Source Code Pro" panose="020B0509030403020204" pitchFamily="49" charset="0"/>
-                <a:cs typeface="Courier New"/>
-              </a:rPr>
-              <a:t>	… (</a:t>
-            </a:r>
-            <a:r>
-              <a:rPr lang="en-US" dirty="0" err="1">
-                <a:latin typeface="Source Code Pro" panose="020B0509030403020204" pitchFamily="49" charset="0"/>
-                <a:cs typeface="Courier New"/>
-              </a:rPr>
-              <a:t>init</a:t>
-            </a:r>
-            <a:r>
-              <a:rPr lang="en-US" dirty="0">
-                <a:latin typeface="Source Code Pro" panose="020B0509030403020204" pitchFamily="49" charset="0"/>
-                <a:cs typeface="Courier New"/>
-              </a:rPr>
-              <a:t>, </a:t>
-            </a:r>
-            <a:r>
-              <a:rPr lang="en-US" dirty="0" err="1">
-                <a:latin typeface="Source Code Pro" panose="020B0509030403020204" pitchFamily="49" charset="0"/>
-                <a:cs typeface="Courier New"/>
-              </a:rPr>
-              <a:t>etc</a:t>
-            </a:r>
-            <a:r>
-              <a:rPr lang="en-US" dirty="0">
-                <a:latin typeface="Source Code Pro" panose="020B0509030403020204" pitchFamily="49" charset="0"/>
-                <a:cs typeface="Courier New"/>
-              </a:rPr>
-              <a:t> removed) </a:t>
-            </a:r>
-          </a:p>
-          <a:p>
-            <a:r>
-              <a:rPr lang="en-US" dirty="0">
-                <a:latin typeface="Source Code Pro" panose="020B0509030403020204" pitchFamily="49" charset="0"/>
-                <a:cs typeface="Courier New"/>
-              </a:rPr>
-              <a:t>    </a:t>
-            </a:r>
-            <a:r>
-              <a:rPr lang="en-US" dirty="0" err="1">
-                <a:latin typeface="Source Code Pro" panose="020B0509030403020204" pitchFamily="49" charset="0"/>
-                <a:cs typeface="Courier New"/>
-              </a:rPr>
-              <a:t>def</a:t>
-            </a:r>
-            <a:r>
-              <a:rPr lang="en-US" dirty="0">
-                <a:latin typeface="Source Code Pro" panose="020B0509030403020204" pitchFamily="49" charset="0"/>
-                <a:cs typeface="Courier New"/>
-              </a:rPr>
-              <a:t> deposit(self, amount):</a:t>
-            </a:r>
-          </a:p>
-          <a:p>
-            <a:r>
-              <a:rPr lang="en-US" dirty="0">
-                <a:latin typeface="Source Code Pro" panose="020B0509030403020204" pitchFamily="49" charset="0"/>
-                <a:cs typeface="Courier New"/>
-              </a:rPr>
-              <a:t>        </a:t>
-            </a:r>
-            <a:r>
-              <a:rPr lang="en-US" dirty="0" err="1">
-                <a:latin typeface="Source Code Pro" panose="020B0509030403020204" pitchFamily="49" charset="0"/>
-                <a:cs typeface="Courier New"/>
-              </a:rPr>
-              <a:t>self._balance</a:t>
-            </a:r>
-            <a:r>
-              <a:rPr lang="en-US" dirty="0">
-                <a:latin typeface="Source Code Pro" panose="020B0509030403020204" pitchFamily="49" charset="0"/>
-                <a:cs typeface="Courier New"/>
-              </a:rPr>
-              <a:t> += amount</a:t>
-            </a:r>
-          </a:p>
-          <a:p>
-            <a:r>
-              <a:rPr lang="en-US" dirty="0">
-                <a:latin typeface="Source Code Pro" panose="020B0509030403020204" pitchFamily="49" charset="0"/>
-                <a:cs typeface="Courier New"/>
-              </a:rPr>
-              <a:t>        return </a:t>
-            </a:r>
-            <a:r>
-              <a:rPr lang="en-US" dirty="0" err="1">
-                <a:latin typeface="Source Code Pro" panose="020B0509030403020204" pitchFamily="49" charset="0"/>
-                <a:cs typeface="Courier New"/>
-              </a:rPr>
-              <a:t>self._balance</a:t>
-            </a:r>
-            <a:endParaRPr lang="en-US" dirty="0">
-              <a:latin typeface="Source Code Pro" panose="020B0509030403020204" pitchFamily="49" charset="0"/>
-              <a:cs typeface="Courier New"/>
-            </a:endParaRPr>
-          </a:p>
-          <a:p>
-            <a:endParaRPr lang="en-US" dirty="0">
-              <a:latin typeface="Source Code Pro" panose="020B0509030403020204" pitchFamily="49" charset="0"/>
-              <a:cs typeface="Courier New"/>
-            </a:endParaRPr>
-          </a:p>
-          <a:p>
-            <a:r>
-              <a:rPr lang="en-US" dirty="0">
-                <a:latin typeface="Source Code Pro" panose="020B0509030403020204" pitchFamily="49" charset="0"/>
-                <a:cs typeface="Courier New"/>
-              </a:rPr>
-              <a:t>    </a:t>
-            </a:r>
-            <a:r>
-              <a:rPr lang="en-US" dirty="0" err="1">
-                <a:latin typeface="Source Code Pro" panose="020B0509030403020204" pitchFamily="49" charset="0"/>
-                <a:cs typeface="Courier New"/>
-              </a:rPr>
-              <a:t>def</a:t>
-            </a:r>
-            <a:r>
-              <a:rPr lang="en-US" dirty="0">
-                <a:latin typeface="Source Code Pro" panose="020B0509030403020204" pitchFamily="49" charset="0"/>
-                <a:cs typeface="Courier New"/>
-              </a:rPr>
-              <a:t> </a:t>
-            </a:r>
-            <a:r>
-              <a:rPr lang="en-US" dirty="0">
-                <a:solidFill>
-                  <a:srgbClr val="0000FF"/>
-                </a:solidFill>
-                <a:latin typeface="Source Code Pro" panose="020B0509030403020204" pitchFamily="49" charset="0"/>
-                <a:cs typeface="Courier New"/>
-              </a:rPr>
-              <a:t>__</a:t>
-            </a:r>
-            <a:r>
-              <a:rPr lang="en-US" dirty="0" err="1">
-                <a:solidFill>
-                  <a:srgbClr val="0000FF"/>
-                </a:solidFill>
-                <a:latin typeface="Source Code Pro" panose="020B0509030403020204" pitchFamily="49" charset="0"/>
-                <a:cs typeface="Courier New"/>
-              </a:rPr>
-              <a:t>repr</a:t>
-            </a:r>
-            <a:r>
-              <a:rPr lang="en-US" dirty="0">
-                <a:solidFill>
-                  <a:srgbClr val="0000FF"/>
-                </a:solidFill>
-                <a:latin typeface="Source Code Pro" panose="020B0509030403020204" pitchFamily="49" charset="0"/>
-                <a:cs typeface="Courier New"/>
-              </a:rPr>
-              <a:t>__</a:t>
-            </a:r>
-            <a:r>
-              <a:rPr lang="en-US" dirty="0">
-                <a:latin typeface="Source Code Pro" panose="020B0509030403020204" pitchFamily="49" charset="0"/>
-                <a:cs typeface="Courier New"/>
-              </a:rPr>
-              <a:t>(self):</a:t>
-            </a:r>
-          </a:p>
-          <a:p>
-            <a:r>
-              <a:rPr lang="en-US" dirty="0">
-                <a:latin typeface="Source Code Pro" panose="020B0509030403020204" pitchFamily="49" charset="0"/>
-                <a:cs typeface="Courier New"/>
-              </a:rPr>
-              <a:t>        return '&lt; ' + </a:t>
-            </a:r>
-            <a:r>
-              <a:rPr lang="en-US" dirty="0" err="1">
-                <a:latin typeface="Source Code Pro" panose="020B0509030403020204" pitchFamily="49" charset="0"/>
-                <a:cs typeface="Courier New"/>
-              </a:rPr>
-              <a:t>str</a:t>
-            </a:r>
-            <a:r>
-              <a:rPr lang="en-US" dirty="0">
-                <a:latin typeface="Source Code Pro" panose="020B0509030403020204" pitchFamily="49" charset="0"/>
-                <a:cs typeface="Courier New"/>
-              </a:rPr>
-              <a:t>(self._</a:t>
-            </a:r>
-            <a:r>
-              <a:rPr lang="en-US" dirty="0" err="1">
-                <a:latin typeface="Source Code Pro" panose="020B0509030403020204" pitchFamily="49" charset="0"/>
-                <a:cs typeface="Courier New"/>
-              </a:rPr>
-              <a:t>acct_no</a:t>
-            </a:r>
-            <a:r>
-              <a:rPr lang="en-US" dirty="0">
-                <a:latin typeface="Source Code Pro" panose="020B0509030403020204" pitchFamily="49" charset="0"/>
-                <a:cs typeface="Courier New"/>
-              </a:rPr>
-              <a:t>) + </a:t>
-            </a:r>
-          </a:p>
-          <a:p>
-            <a:r>
-              <a:rPr lang="en-US" dirty="0">
-                <a:latin typeface="Source Code Pro" panose="020B0509030403020204" pitchFamily="49" charset="0"/>
-                <a:cs typeface="Courier New"/>
-              </a:rPr>
-              <a:t>               '[' + </a:t>
-            </a:r>
-            <a:r>
-              <a:rPr lang="en-US" dirty="0" err="1">
-                <a:latin typeface="Source Code Pro" panose="020B0509030403020204" pitchFamily="49" charset="0"/>
-                <a:cs typeface="Courier New"/>
-              </a:rPr>
-              <a:t>str</a:t>
-            </a:r>
-            <a:r>
-              <a:rPr lang="en-US" dirty="0">
-                <a:latin typeface="Source Code Pro" panose="020B0509030403020204" pitchFamily="49" charset="0"/>
-                <a:cs typeface="Courier New"/>
-              </a:rPr>
-              <a:t>(</a:t>
-            </a:r>
-            <a:r>
-              <a:rPr lang="en-US" dirty="0" err="1">
-                <a:latin typeface="Source Code Pro" panose="020B0509030403020204" pitchFamily="49" charset="0"/>
-                <a:cs typeface="Courier New"/>
-              </a:rPr>
-              <a:t>self._name</a:t>
-            </a:r>
-            <a:r>
-              <a:rPr lang="en-US" dirty="0">
-                <a:latin typeface="Source Code Pro" panose="020B0509030403020204" pitchFamily="49" charset="0"/>
-                <a:cs typeface="Courier New"/>
-              </a:rPr>
-              <a:t>) + '] &gt;'</a:t>
-            </a:r>
-          </a:p>
-          <a:p>
-            <a:r>
-              <a:rPr lang="en-US" dirty="0">
-                <a:latin typeface="Source Code Pro" panose="020B0509030403020204" pitchFamily="49" charset="0"/>
-                <a:cs typeface="Courier New"/>
-              </a:rPr>
-              <a:t>    </a:t>
-            </a:r>
-          </a:p>
-          <a:p>
-            <a:r>
-              <a:rPr lang="en-US" dirty="0">
-                <a:latin typeface="Source Code Pro" panose="020B0509030403020204" pitchFamily="49" charset="0"/>
-                <a:cs typeface="Courier New"/>
-              </a:rPr>
-              <a:t>    </a:t>
-            </a:r>
-            <a:r>
-              <a:rPr lang="en-US" dirty="0" err="1">
-                <a:latin typeface="Source Code Pro" panose="020B0509030403020204" pitchFamily="49" charset="0"/>
-                <a:cs typeface="Courier New"/>
-              </a:rPr>
-              <a:t>def</a:t>
-            </a:r>
-            <a:r>
-              <a:rPr lang="en-US" dirty="0">
-                <a:latin typeface="Source Code Pro" panose="020B0509030403020204" pitchFamily="49" charset="0"/>
-                <a:cs typeface="Courier New"/>
-              </a:rPr>
-              <a:t> </a:t>
-            </a:r>
-            <a:r>
-              <a:rPr lang="en-US" dirty="0">
-                <a:solidFill>
-                  <a:srgbClr val="0000FF"/>
-                </a:solidFill>
-                <a:latin typeface="Source Code Pro" panose="020B0509030403020204" pitchFamily="49" charset="0"/>
-                <a:cs typeface="Courier New"/>
-              </a:rPr>
-              <a:t>__</a:t>
-            </a:r>
-            <a:r>
-              <a:rPr lang="en-US" dirty="0" err="1">
-                <a:solidFill>
-                  <a:srgbClr val="0000FF"/>
-                </a:solidFill>
-                <a:latin typeface="Source Code Pro" panose="020B0509030403020204" pitchFamily="49" charset="0"/>
-                <a:cs typeface="Courier New"/>
-              </a:rPr>
-              <a:t>str</a:t>
-            </a:r>
-            <a:r>
-              <a:rPr lang="en-US" dirty="0">
-                <a:solidFill>
-                  <a:srgbClr val="0000FF"/>
-                </a:solidFill>
-                <a:latin typeface="Source Code Pro" panose="020B0509030403020204" pitchFamily="49" charset="0"/>
-                <a:cs typeface="Courier New"/>
-              </a:rPr>
-              <a:t>__</a:t>
-            </a:r>
-            <a:r>
-              <a:rPr lang="en-US" dirty="0">
-                <a:latin typeface="Source Code Pro" panose="020B0509030403020204" pitchFamily="49" charset="0"/>
-                <a:cs typeface="Courier New"/>
-              </a:rPr>
-              <a:t>(self):</a:t>
-            </a:r>
-          </a:p>
-          <a:p>
-            <a:r>
-              <a:rPr lang="en-US" dirty="0">
-                <a:latin typeface="Source Code Pro" panose="020B0509030403020204" pitchFamily="49" charset="0"/>
-                <a:cs typeface="Courier New"/>
-              </a:rPr>
-              <a:t>        return 'Account: ' + </a:t>
-            </a:r>
-            <a:r>
-              <a:rPr lang="en-US" dirty="0" err="1">
-                <a:latin typeface="Source Code Pro" panose="020B0509030403020204" pitchFamily="49" charset="0"/>
-                <a:cs typeface="Courier New"/>
-              </a:rPr>
-              <a:t>str</a:t>
-            </a:r>
-            <a:r>
-              <a:rPr lang="en-US" dirty="0">
-                <a:latin typeface="Source Code Pro" panose="020B0509030403020204" pitchFamily="49" charset="0"/>
-                <a:cs typeface="Courier New"/>
-              </a:rPr>
-              <a:t>(self._</a:t>
-            </a:r>
-            <a:r>
-              <a:rPr lang="en-US" dirty="0" err="1">
-                <a:latin typeface="Source Code Pro" panose="020B0509030403020204" pitchFamily="49" charset="0"/>
-                <a:cs typeface="Courier New"/>
-              </a:rPr>
-              <a:t>acct_no</a:t>
-            </a:r>
-            <a:r>
-              <a:rPr lang="en-US" dirty="0">
-                <a:latin typeface="Source Code Pro" panose="020B0509030403020204" pitchFamily="49" charset="0"/>
-                <a:cs typeface="Courier New"/>
-              </a:rPr>
-              <a:t>) + </a:t>
-            </a:r>
-          </a:p>
-          <a:p>
-            <a:r>
-              <a:rPr lang="en-US" dirty="0">
-                <a:latin typeface="Source Code Pro" panose="020B0509030403020204" pitchFamily="49" charset="0"/>
-                <a:cs typeface="Courier New"/>
-              </a:rPr>
-              <a:t>               '[' + </a:t>
-            </a:r>
-            <a:r>
-              <a:rPr lang="en-US" dirty="0" err="1">
-                <a:latin typeface="Source Code Pro" panose="020B0509030403020204" pitchFamily="49" charset="0"/>
-                <a:cs typeface="Courier New"/>
-              </a:rPr>
-              <a:t>str</a:t>
-            </a:r>
-            <a:r>
-              <a:rPr lang="en-US" dirty="0">
-                <a:latin typeface="Source Code Pro" panose="020B0509030403020204" pitchFamily="49" charset="0"/>
-                <a:cs typeface="Courier New"/>
-              </a:rPr>
-              <a:t>(</a:t>
-            </a:r>
-            <a:r>
-              <a:rPr lang="en-US" dirty="0" err="1">
-                <a:latin typeface="Source Code Pro" panose="020B0509030403020204" pitchFamily="49" charset="0"/>
-                <a:cs typeface="Courier New"/>
-              </a:rPr>
-              <a:t>self._name</a:t>
-            </a:r>
-            <a:r>
-              <a:rPr lang="en-US" dirty="0">
-                <a:latin typeface="Source Code Pro" panose="020B0509030403020204" pitchFamily="49" charset="0"/>
-                <a:cs typeface="Courier New"/>
-              </a:rPr>
-              <a:t>) + ']'</a:t>
-            </a:r>
-          </a:p>
-          <a:p>
-            <a:r>
-              <a:rPr lang="en-US" dirty="0">
-                <a:latin typeface="Source Code Pro" panose="020B0509030403020204" pitchFamily="49" charset="0"/>
-                <a:cs typeface="Courier New"/>
-              </a:rPr>
-              <a:t>    </a:t>
-            </a:r>
-          </a:p>
-          <a:p>
-            <a:r>
-              <a:rPr lang="en-US" dirty="0">
-                <a:latin typeface="Source Code Pro" panose="020B0509030403020204" pitchFamily="49" charset="0"/>
-                <a:cs typeface="Courier New"/>
-              </a:rPr>
-              <a:t>    </a:t>
-            </a:r>
-            <a:r>
-              <a:rPr lang="en-US" dirty="0" err="1">
-                <a:latin typeface="Source Code Pro" panose="020B0509030403020204" pitchFamily="49" charset="0"/>
-                <a:cs typeface="Courier New"/>
-              </a:rPr>
-              <a:t>def</a:t>
-            </a:r>
-            <a:r>
-              <a:rPr lang="en-US" dirty="0">
-                <a:latin typeface="Source Code Pro" panose="020B0509030403020204" pitchFamily="49" charset="0"/>
-                <a:cs typeface="Courier New"/>
-              </a:rPr>
-              <a:t> </a:t>
-            </a:r>
-            <a:r>
-              <a:rPr lang="en-US" dirty="0" err="1">
-                <a:latin typeface="Source Code Pro" panose="020B0509030403020204" pitchFamily="49" charset="0"/>
-                <a:cs typeface="Courier New"/>
-              </a:rPr>
-              <a:t>show_accounts</a:t>
-            </a:r>
-            <a:r>
-              <a:rPr lang="en-US" dirty="0">
-                <a:latin typeface="Source Code Pro" panose="020B0509030403020204" pitchFamily="49" charset="0"/>
-                <a:cs typeface="Courier New"/>
-              </a:rPr>
-              <a:t>():</a:t>
-            </a:r>
-          </a:p>
-          <a:p>
-            <a:r>
-              <a:rPr lang="en-US" dirty="0">
-                <a:latin typeface="Source Code Pro" panose="020B0509030403020204" pitchFamily="49" charset="0"/>
-                <a:cs typeface="Courier New"/>
-              </a:rPr>
-              <a:t>        for account in </a:t>
-            </a:r>
-            <a:r>
-              <a:rPr lang="en-US" dirty="0" err="1">
-                <a:latin typeface="Source Code Pro" panose="020B0509030403020204" pitchFamily="49" charset="0"/>
-                <a:cs typeface="Courier New"/>
-              </a:rPr>
-              <a:t>BaseAccount.accounts</a:t>
-            </a:r>
-            <a:r>
-              <a:rPr lang="en-US" dirty="0">
-                <a:latin typeface="Source Code Pro" panose="020B0509030403020204" pitchFamily="49" charset="0"/>
-                <a:cs typeface="Courier New"/>
-              </a:rPr>
-              <a:t>:</a:t>
-            </a:r>
-          </a:p>
-          <a:p>
-            <a:r>
-              <a:rPr lang="en-US" dirty="0">
-                <a:latin typeface="Source Code Pro" panose="020B0509030403020204" pitchFamily="49" charset="0"/>
-                <a:cs typeface="Courier New"/>
-              </a:rPr>
-              <a:t>            print(account)</a:t>
-            </a:r>
-          </a:p>
-        </p:txBody>
-      </p:sp>
-      <p:sp>
-        <p:nvSpPr>
-          <p:cNvPr id="12" name="TextBox 11"/>
-          <p:cNvSpPr txBox="1"/>
-          <p:nvPr/>
-        </p:nvSpPr>
-        <p:spPr>
-          <a:xfrm>
-            <a:off x="5638800" y="4114800"/>
-            <a:ext cx="1480790" cy="369332"/>
-          </a:xfrm>
-          <a:prstGeom prst="rect">
-            <a:avLst/>
-          </a:prstGeom>
-          <a:noFill/>
-        </p:spPr>
-        <p:txBody>
-          <a:bodyPr wrap="none" rtlCol="0">
-            <a:spAutoFit/>
-          </a:bodyPr>
-          <a:lstStyle/>
-          <a:p>
-            <a:r>
-              <a:rPr lang="en-US" dirty="0">
-                <a:solidFill>
-                  <a:srgbClr val="0000FF"/>
-                </a:solidFill>
-                <a:latin typeface="FreightSans Pro Book" panose="02000606030000020004" pitchFamily="2" charset="0"/>
-              </a:rPr>
-              <a:t>Goal: readable</a:t>
-            </a:r>
-          </a:p>
-        </p:txBody>
-      </p:sp>
-      <p:sp>
-        <p:nvSpPr>
-          <p:cNvPr id="14" name="TextBox 13">
-            <a:extLst>
-              <a:ext uri="{FF2B5EF4-FFF2-40B4-BE49-F238E27FC236}">
-                <a16:creationId xmlns:a16="http://schemas.microsoft.com/office/drawing/2014/main" id="{4E3D71D0-07DE-EA4E-8BA5-E43BC0CA776F}"/>
-              </a:ext>
-            </a:extLst>
-          </p:cNvPr>
-          <p:cNvSpPr txBox="1"/>
-          <p:nvPr/>
-        </p:nvSpPr>
-        <p:spPr>
-          <a:xfrm>
-            <a:off x="6908863" y="2971800"/>
-            <a:ext cx="1930337" cy="369332"/>
-          </a:xfrm>
-          <a:prstGeom prst="rect">
-            <a:avLst/>
-          </a:prstGeom>
-          <a:noFill/>
-        </p:spPr>
-        <p:txBody>
-          <a:bodyPr wrap="none" rtlCol="0">
-            <a:spAutoFit/>
-          </a:bodyPr>
-          <a:lstStyle/>
-          <a:p>
-            <a:r>
-              <a:rPr lang="en-US" dirty="0">
-                <a:solidFill>
-                  <a:srgbClr val="0000FF"/>
-                </a:solidFill>
-                <a:latin typeface="FreightSans Pro Book" panose="02000606030000020004" pitchFamily="2" charset="0"/>
-              </a:rPr>
-              <a:t>Goal: unambiguous</a:t>
-            </a:r>
-          </a:p>
-        </p:txBody>
-      </p:sp>
-    </p:spTree>
-    <p:extLst>
-      <p:ext uri="{BB962C8B-B14F-4D97-AF65-F5344CB8AC3E}">
-        <p14:creationId xmlns:p14="http://schemas.microsoft.com/office/powerpoint/2010/main" val="4181011368"/>
-      </p:ext>
-    </p:extLst>
-  </p:cSld>
-  <p:clrMapOvr>
-    <a:masterClrMapping/>
-  </p:clrMapOvr>
-</p:sld>
-</file>
-
-<file path=ppt/slides/slide16.xml><?xml version="1.0" encoding="utf-8"?>
-<p:sld xmlns:a="http://schemas.openxmlformats.org/drawingml/2006/main" xmlns:r="http://schemas.openxmlformats.org/officeDocument/2006/relationships" xmlns:p="http://schemas.openxmlformats.org/presentationml/2006/main">
-  <p:cSld>
-    <p:spTree>
-      <p:nvGrpSpPr>
-        <p:cNvPr id="1" name=""/>
-        <p:cNvGrpSpPr/>
-        <p:nvPr/>
-      </p:nvGrpSpPr>
-      <p:grpSpPr>
-        <a:xfrm>
-          <a:off x="0" y="0"/>
-          <a:ext cx="0" cy="0"/>
-          <a:chOff x="0" y="0"/>
-          <a:chExt cx="0" cy="0"/>
-        </a:xfrm>
-      </p:grpSpPr>
-      <p:sp>
-        <p:nvSpPr>
-          <p:cNvPr id="2" name="Title 1">
-            <a:extLst>
-              <a:ext uri="{FF2B5EF4-FFF2-40B4-BE49-F238E27FC236}">
-                <a16:creationId xmlns:a16="http://schemas.microsoft.com/office/drawing/2014/main" id="{5CC54221-AB87-1742-B0F3-04597FF2E297}"/>
-              </a:ext>
-            </a:extLst>
-          </p:cNvPr>
-          <p:cNvSpPr>
-            <a:spLocks noGrp="1"/>
-          </p:cNvSpPr>
-          <p:nvPr>
-            <p:ph type="title"/>
-          </p:nvPr>
-        </p:nvSpPr>
-        <p:spPr/>
-        <p:txBody>
-          <a:bodyPr/>
-          <a:lstStyle/>
-          <a:p>
-            <a:r>
-              <a:rPr lang="en-US" dirty="0"/>
-              <a:t>More Magic Methods</a:t>
-            </a:r>
-          </a:p>
-        </p:txBody>
-      </p:sp>
-      <p:sp>
-        <p:nvSpPr>
-          <p:cNvPr id="3" name="Content Placeholder 2">
-            <a:extLst>
-              <a:ext uri="{FF2B5EF4-FFF2-40B4-BE49-F238E27FC236}">
-                <a16:creationId xmlns:a16="http://schemas.microsoft.com/office/drawing/2014/main" id="{4A768C81-1ED4-5C45-B2D8-D738DB1323E7}"/>
-              </a:ext>
-            </a:extLst>
-          </p:cNvPr>
-          <p:cNvSpPr>
-            <a:spLocks noGrp="1"/>
-          </p:cNvSpPr>
-          <p:nvPr>
-            <p:ph idx="1"/>
-          </p:nvPr>
-        </p:nvSpPr>
-        <p:spPr/>
-        <p:txBody>
-          <a:bodyPr/>
-          <a:lstStyle/>
-          <a:p>
-            <a:r>
-              <a:rPr lang="en-US" sz="2800" dirty="0"/>
-              <a:t>We will </a:t>
-            </a:r>
-            <a:r>
-              <a:rPr lang="en-US" sz="2800" b="1" dirty="0"/>
-              <a:t>not</a:t>
-            </a:r>
-            <a:r>
-              <a:rPr lang="en-US" sz="2800" dirty="0"/>
-              <a:t> go through an exhaustive list!</a:t>
-            </a:r>
-          </a:p>
-          <a:p>
-            <a:r>
-              <a:rPr lang="en-US" sz="2800" dirty="0"/>
-              <a:t> Magic Methods start and end with "double underscores" </a:t>
-            </a:r>
-            <a:r>
-              <a:rPr lang="en-US" sz="2800" dirty="0">
-                <a:latin typeface="Source Code Pro" panose="020B0509030403020204" pitchFamily="49" charset="0"/>
-                <a:ea typeface="Source Code Pro" panose="020B0509030403020204" pitchFamily="49" charset="0"/>
-              </a:rPr>
-              <a:t>__</a:t>
-            </a:r>
-          </a:p>
-          <a:p>
-            <a:r>
-              <a:rPr lang="en-US" sz="2800" dirty="0"/>
-              <a:t>They map to built-in functionality in Python. Many are logical names:</a:t>
-            </a:r>
-          </a:p>
-          <a:p>
-            <a:pPr lvl="1"/>
-            <a:r>
-              <a:rPr lang="en-US" sz="2800" dirty="0"/>
-              <a:t> </a:t>
-            </a:r>
-            <a:r>
-              <a:rPr lang="en-US" sz="2800" dirty="0">
-                <a:latin typeface="Source Code Pro" panose="020B0509030403020204" pitchFamily="49" charset="77"/>
-              </a:rPr>
-              <a:t>__</a:t>
-            </a:r>
-            <a:r>
-              <a:rPr lang="en-US" sz="2800" dirty="0" err="1">
-                <a:latin typeface="Source Code Pro" panose="020B0509030403020204" pitchFamily="49" charset="77"/>
-              </a:rPr>
-              <a:t>init</a:t>
-            </a:r>
-            <a:r>
-              <a:rPr lang="en-US" sz="2800" dirty="0">
-                <a:latin typeface="Source Code Pro" panose="020B0509030403020204" pitchFamily="49" charset="77"/>
-              </a:rPr>
-              <a:t>__ → </a:t>
-            </a:r>
-            <a:r>
-              <a:rPr lang="en-US" sz="2800" dirty="0"/>
-              <a:t>Class Constructor</a:t>
-            </a:r>
-          </a:p>
-          <a:p>
-            <a:pPr lvl="1"/>
-            <a:r>
-              <a:rPr lang="en-US" sz="2800" dirty="0"/>
-              <a:t> </a:t>
-            </a:r>
-            <a:r>
-              <a:rPr lang="en-US" sz="2800" dirty="0">
-                <a:latin typeface="Source Code Pro" panose="020B0509030403020204" pitchFamily="49" charset="0"/>
-                <a:ea typeface="Source Code Pro" panose="020B0509030403020204" pitchFamily="49" charset="0"/>
-              </a:rPr>
-              <a:t>__add__ →</a:t>
-            </a:r>
-            <a:r>
-              <a:rPr lang="en-US" sz="2800" dirty="0"/>
-              <a:t> </a:t>
-            </a:r>
-            <a:r>
-              <a:rPr lang="en-US" sz="2800" dirty="0">
-                <a:latin typeface="Source Code Pro" panose="020B0509030403020204" pitchFamily="49" charset="0"/>
-                <a:ea typeface="Source Code Pro" panose="020B0509030403020204" pitchFamily="49" charset="0"/>
-              </a:rPr>
-              <a:t>+</a:t>
-            </a:r>
-            <a:r>
-              <a:rPr lang="en-US" sz="2800" dirty="0"/>
-              <a:t> operator</a:t>
-            </a:r>
-          </a:p>
-          <a:p>
-            <a:pPr lvl="1"/>
-            <a:r>
-              <a:rPr lang="en-US" sz="2800" dirty="0"/>
-              <a:t> </a:t>
-            </a:r>
-            <a:r>
-              <a:rPr lang="en-US" sz="2800" dirty="0">
-                <a:latin typeface="Source Code Pro" panose="020B0509030403020204" pitchFamily="49" charset="0"/>
-                <a:ea typeface="Source Code Pro" panose="020B0509030403020204" pitchFamily="49" charset="0"/>
-              </a:rPr>
-              <a:t>__sub__ →</a:t>
-            </a:r>
-            <a:r>
-              <a:rPr lang="en-US" sz="2800" dirty="0"/>
-              <a:t> </a:t>
-            </a:r>
-            <a:r>
-              <a:rPr lang="en-US" sz="2800" dirty="0">
-                <a:latin typeface="Source Code Pro" panose="020B0509030403020204" pitchFamily="49" charset="0"/>
-                <a:ea typeface="Source Code Pro" panose="020B0509030403020204" pitchFamily="49" charset="0"/>
-              </a:rPr>
-              <a:t>-</a:t>
-            </a:r>
-            <a:r>
-              <a:rPr lang="en-US" sz="2800" dirty="0"/>
-              <a:t> operator</a:t>
-            </a:r>
-          </a:p>
-          <a:p>
-            <a:pPr lvl="1"/>
-            <a:r>
-              <a:rPr lang="en-US" sz="2800" dirty="0"/>
-              <a:t> </a:t>
-            </a:r>
-            <a:r>
-              <a:rPr lang="en-US" sz="2800" dirty="0">
-                <a:latin typeface="Source Code Pro" panose="020B0509030403020204" pitchFamily="49" charset="0"/>
-                <a:ea typeface="Source Code Pro" panose="020B0509030403020204" pitchFamily="49" charset="0"/>
-              </a:rPr>
-              <a:t>__</a:t>
-            </a:r>
-            <a:r>
-              <a:rPr lang="en-US" sz="2800" dirty="0" err="1">
-                <a:latin typeface="Source Code Pro" panose="020B0509030403020204" pitchFamily="49" charset="0"/>
-                <a:ea typeface="Source Code Pro" panose="020B0509030403020204" pitchFamily="49" charset="0"/>
-              </a:rPr>
-              <a:t>getitem</a:t>
-            </a:r>
-            <a:r>
-              <a:rPr lang="en-US" sz="2800" dirty="0">
-                <a:latin typeface="Source Code Pro" panose="020B0509030403020204" pitchFamily="49" charset="0"/>
-                <a:ea typeface="Source Code Pro" panose="020B0509030403020204" pitchFamily="49" charset="0"/>
-              </a:rPr>
-              <a:t>__ →</a:t>
-            </a:r>
-            <a:r>
-              <a:rPr lang="en-US" sz="2800" dirty="0"/>
-              <a:t> </a:t>
-            </a:r>
-            <a:r>
-              <a:rPr lang="en-US" sz="2800" dirty="0">
-                <a:latin typeface="Source Code Pro" panose="020B0509030403020204" pitchFamily="49" charset="0"/>
-                <a:ea typeface="Source Code Pro" panose="020B0509030403020204" pitchFamily="49" charset="0"/>
-              </a:rPr>
-              <a:t>[]</a:t>
-            </a:r>
-            <a:r>
-              <a:rPr lang="en-US" sz="2800" dirty="0"/>
-              <a:t> operator</a:t>
-            </a:r>
-          </a:p>
-          <a:p>
-            <a:pPr lvl="1"/>
-            <a:r>
-              <a:rPr lang="en-US" sz="2800" dirty="0"/>
-              <a:t> </a:t>
-            </a:r>
-            <a:r>
-              <a:rPr lang="en-US" sz="2800" dirty="0">
-                <a:latin typeface="Source Code Pro" panose="020B0509030403020204" pitchFamily="49" charset="77"/>
-              </a:rPr>
-              <a:t>__</a:t>
-            </a:r>
-            <a:r>
-              <a:rPr lang="en-US" sz="2800" dirty="0" err="1">
-                <a:latin typeface="Source Code Pro" panose="020B0509030403020204" pitchFamily="49" charset="77"/>
-              </a:rPr>
-              <a:t>repr</a:t>
-            </a:r>
-            <a:r>
-              <a:rPr lang="en-US" sz="2800" dirty="0">
-                <a:latin typeface="Source Code Pro" panose="020B0509030403020204" pitchFamily="49" charset="77"/>
-              </a:rPr>
-              <a:t>__ and __str__  → </a:t>
-            </a:r>
-            <a:r>
-              <a:rPr lang="en-US" sz="2800" dirty="0"/>
-              <a:t> control output</a:t>
-            </a:r>
-          </a:p>
-          <a:p>
-            <a:r>
-              <a:rPr lang="en-US" sz="2800" dirty="0"/>
-              <a:t> A longer list for the curious:</a:t>
-            </a:r>
-          </a:p>
-          <a:p>
-            <a:pPr lvl="1"/>
-            <a:r>
-              <a:rPr lang="en-US" sz="2800" dirty="0"/>
-              <a:t> </a:t>
-            </a:r>
-            <a:r>
-              <a:rPr lang="en-US" sz="2800" dirty="0">
-                <a:hlinkClick r:id="rId2"/>
-              </a:rPr>
-              <a:t>https://docs.python.org/3/reference/datamodel.html</a:t>
-            </a:r>
-            <a:r>
-              <a:rPr lang="en-US" sz="2800" dirty="0"/>
-              <a:t> </a:t>
-            </a:r>
-          </a:p>
-        </p:txBody>
-      </p:sp>
-    </p:spTree>
-    <p:extLst>
-      <p:ext uri="{BB962C8B-B14F-4D97-AF65-F5344CB8AC3E}">
-        <p14:creationId xmlns:p14="http://schemas.microsoft.com/office/powerpoint/2010/main" val="288930881"/>
-      </p:ext>
-    </p:extLst>
-  </p:cSld>
-  <p:clrMapOvr>
-    <a:masterClrMapping/>
-  </p:clrMapOvr>
-</p:sld>
-</file>
-
-<file path=ppt/slides/slide17.xml><?xml version="1.0" encoding="utf-8"?>
-<p:sld xmlns:a="http://schemas.openxmlformats.org/drawingml/2006/main" xmlns:r="http://schemas.openxmlformats.org/officeDocument/2006/relationships" xmlns:p="http://schemas.openxmlformats.org/presentationml/2006/main">
-  <p:cSld>
-    <p:spTree>
-      <p:nvGrpSpPr>
-        <p:cNvPr id="1" name=""/>
-        <p:cNvGrpSpPr/>
-        <p:nvPr/>
-      </p:nvGrpSpPr>
-      <p:grpSpPr>
-        <a:xfrm>
-          <a:off x="0" y="0"/>
-          <a:ext cx="0" cy="0"/>
-          <a:chOff x="0" y="0"/>
-          <a:chExt cx="0" cy="0"/>
-        </a:xfrm>
-      </p:grpSpPr>
-      <p:sp>
-        <p:nvSpPr>
-          <p:cNvPr id="2" name="Title 1">
-            <a:extLst>
-              <a:ext uri="{FF2B5EF4-FFF2-40B4-BE49-F238E27FC236}">
-                <a16:creationId xmlns:a16="http://schemas.microsoft.com/office/drawing/2014/main" id="{4FA45057-AAA5-5A48-9B81-EB6F66132F39}"/>
-              </a:ext>
-            </a:extLst>
-          </p:cNvPr>
-          <p:cNvSpPr>
-            <a:spLocks noGrp="1"/>
-          </p:cNvSpPr>
-          <p:nvPr>
-            <p:ph type="title"/>
-          </p:nvPr>
-        </p:nvSpPr>
-        <p:spPr/>
-        <p:txBody>
-          <a:bodyPr/>
-          <a:lstStyle/>
-          <a:p>
-            <a:r>
-              <a:rPr lang="en-US" dirty="0"/>
-              <a:t>Live Demo</a:t>
-            </a:r>
-          </a:p>
-        </p:txBody>
-      </p:sp>
-      <p:sp>
-        <p:nvSpPr>
-          <p:cNvPr id="3" name="Content Placeholder 2">
-            <a:extLst>
-              <a:ext uri="{FF2B5EF4-FFF2-40B4-BE49-F238E27FC236}">
-                <a16:creationId xmlns:a16="http://schemas.microsoft.com/office/drawing/2014/main" id="{7DDD5D33-F578-0540-94A6-AE539CC271DD}"/>
-              </a:ext>
-            </a:extLst>
-          </p:cNvPr>
-          <p:cNvSpPr>
-            <a:spLocks noGrp="1"/>
-          </p:cNvSpPr>
-          <p:nvPr>
-            <p:ph idx="1"/>
-          </p:nvPr>
-        </p:nvSpPr>
-        <p:spPr/>
-        <p:txBody>
-          <a:bodyPr/>
-          <a:lstStyle/>
-          <a:p>
-            <a:endParaRPr lang="en-US"/>
-          </a:p>
-        </p:txBody>
-      </p:sp>
-    </p:spTree>
-    <p:extLst>
-      <p:ext uri="{BB962C8B-B14F-4D97-AF65-F5344CB8AC3E}">
-        <p14:creationId xmlns:p14="http://schemas.microsoft.com/office/powerpoint/2010/main" val="3124443451"/>
-      </p:ext>
-    </p:extLst>
-  </p:cSld>
-  <p:clrMapOvr>
-    <a:masterClrMapping/>
-  </p:clrMapOvr>
-</p:sld>
-</file>
-
-<file path=ppt/slides/slide18.xml><?xml version="1.0" encoding="utf-8"?>
-<p:sld xmlns:a="http://schemas.openxmlformats.org/drawingml/2006/main" xmlns:r="http://schemas.openxmlformats.org/officeDocument/2006/relationships" xmlns:p="http://schemas.openxmlformats.org/presentationml/2006/main">
-  <p:cSld>
-    <p:spTree>
-      <p:nvGrpSpPr>
-        <p:cNvPr id="1" name=""/>
-        <p:cNvGrpSpPr/>
-        <p:nvPr/>
-      </p:nvGrpSpPr>
-      <p:grpSpPr>
-        <a:xfrm>
-          <a:off x="0" y="0"/>
-          <a:ext cx="0" cy="0"/>
-          <a:chOff x="0" y="0"/>
-          <a:chExt cx="0" cy="0"/>
-        </a:xfrm>
-      </p:grpSpPr>
-      <p:sp>
-        <p:nvSpPr>
-          <p:cNvPr id="17411" name="Rectangle 2"/>
-          <p:cNvSpPr>
-            <a:spLocks noGrp="1" noChangeArrowheads="1"/>
-          </p:cNvSpPr>
-          <p:nvPr>
-            <p:ph type="ctrTitle"/>
-          </p:nvPr>
-        </p:nvSpPr>
-        <p:spPr/>
-        <p:txBody>
-          <a:bodyPr/>
-          <a:lstStyle/>
-          <a:p>
-            <a:r>
-              <a:rPr lang="en-US" dirty="0"/>
-              <a:t>Object-Oriented Programming:</a:t>
-            </a:r>
-            <a:br>
-              <a:rPr lang="en-US" dirty="0"/>
-            </a:br>
-            <a:r>
-              <a:rPr lang="en-US" dirty="0"/>
-              <a:t>Inheritance</a:t>
-            </a:r>
-          </a:p>
-        </p:txBody>
-      </p:sp>
-    </p:spTree>
-    <p:extLst>
-      <p:ext uri="{BB962C8B-B14F-4D97-AF65-F5344CB8AC3E}">
-        <p14:creationId xmlns:p14="http://schemas.microsoft.com/office/powerpoint/2010/main" val="2854198525"/>
-      </p:ext>
-    </p:extLst>
-  </p:cSld>
-  <p:clrMapOvr>
-    <a:masterClrMapping/>
-  </p:clrMapOvr>
-  <mc:AlternateContent xmlns:mc="http://schemas.openxmlformats.org/markup-compatibility/2006" xmlns:p14="http://schemas.microsoft.com/office/powerpoint/2010/main">
-    <mc:Choice Requires="p14">
-      <p:transition spd="slow" p14:dur="2000" advTm="109658"/>
-    </mc:Choice>
-    <mc:Fallback xmlns="">
-      <p:transition xmlns:p14="http://schemas.microsoft.com/office/powerpoint/2010/main" spd="slow" advTm="109658"/>
-    </mc:Fallback>
-  </mc:AlternateContent>
-</p:sld>
-</file>
-
-<file path=ppt/slides/slide19.xml><?xml version="1.0" encoding="utf-8"?>
-<p:sld xmlns:a="http://schemas.openxmlformats.org/drawingml/2006/main" xmlns:r="http://schemas.openxmlformats.org/officeDocument/2006/relationships" xmlns:p="http://schemas.openxmlformats.org/presentationml/2006/main">
-  <p:cSld>
-    <p:spTree>
-      <p:nvGrpSpPr>
-        <p:cNvPr id="1" name=""/>
-        <p:cNvGrpSpPr/>
-        <p:nvPr/>
-      </p:nvGrpSpPr>
-      <p:grpSpPr>
-        <a:xfrm>
-          <a:off x="0" y="0"/>
-          <a:ext cx="0" cy="0"/>
-          <a:chOff x="0" y="0"/>
-          <a:chExt cx="0" cy="0"/>
-        </a:xfrm>
-      </p:grpSpPr>
-      <p:sp>
-        <p:nvSpPr>
-          <p:cNvPr id="2" name="Title 1">
-            <a:extLst>
-              <a:ext uri="{FF2B5EF4-FFF2-40B4-BE49-F238E27FC236}">
-                <a16:creationId xmlns:a16="http://schemas.microsoft.com/office/drawing/2014/main" id="{EC42656B-C2CE-6541-B503-0DDD5B827655}"/>
-              </a:ext>
-            </a:extLst>
-          </p:cNvPr>
-          <p:cNvSpPr>
-            <a:spLocks noGrp="1"/>
-          </p:cNvSpPr>
-          <p:nvPr>
-            <p:ph type="title"/>
-          </p:nvPr>
-        </p:nvSpPr>
-        <p:spPr/>
-        <p:txBody>
-          <a:bodyPr/>
-          <a:lstStyle/>
-          <a:p>
-            <a:r>
-              <a:rPr lang="en-US" dirty="0"/>
-              <a:t>Learning Objectives</a:t>
-            </a:r>
-          </a:p>
-        </p:txBody>
-      </p:sp>
-      <p:sp>
-        <p:nvSpPr>
-          <p:cNvPr id="3" name="Content Placeholder 2">
-            <a:extLst>
-              <a:ext uri="{FF2B5EF4-FFF2-40B4-BE49-F238E27FC236}">
-                <a16:creationId xmlns:a16="http://schemas.microsoft.com/office/drawing/2014/main" id="{495FE291-2C1C-FF45-8F1A-ACF9950DCABA}"/>
-              </a:ext>
-            </a:extLst>
-          </p:cNvPr>
-          <p:cNvSpPr>
-            <a:spLocks noGrp="1"/>
-          </p:cNvSpPr>
-          <p:nvPr>
-            <p:ph idx="1"/>
-          </p:nvPr>
-        </p:nvSpPr>
-        <p:spPr/>
-        <p:txBody>
-          <a:bodyPr/>
-          <a:lstStyle/>
-          <a:p>
-            <a:r>
-              <a:rPr lang="en-US" sz="2400" dirty="0"/>
-              <a:t> Inheritance allows classes to reuse methods and attributes from a parent class.</a:t>
-            </a:r>
-          </a:p>
-          <a:p>
-            <a:r>
-              <a:rPr lang="en-US" sz="2400" dirty="0"/>
-              <a:t> super() is a new method in Python</a:t>
-            </a:r>
-          </a:p>
-          <a:p>
-            <a:r>
-              <a:rPr lang="en-US" sz="2400" dirty="0"/>
-              <a:t> Subclasses or child classes are distinct from on another, but share properties of the parent.</a:t>
-            </a:r>
-          </a:p>
-        </p:txBody>
-      </p:sp>
-    </p:spTree>
-    <p:extLst>
-      <p:ext uri="{BB962C8B-B14F-4D97-AF65-F5344CB8AC3E}">
-        <p14:creationId xmlns:p14="http://schemas.microsoft.com/office/powerpoint/2010/main" val="2058289803"/>
-      </p:ext>
-    </p:extLst>
-  </p:cSld>
-  <p:clrMapOvr>
-    <a:masterClrMapping/>
-  </p:clrMapOvr>
-</p:sld>
-</file>
-
-<file path=ppt/slides/slide2.xml><?xml version="1.0" encoding="utf-8"?>
-<p:sld xmlns:a="http://schemas.openxmlformats.org/drawingml/2006/main" xmlns:r="http://schemas.openxmlformats.org/officeDocument/2006/relationships" xmlns:p="http://schemas.openxmlformats.org/presentationml/2006/main">
-  <p:cSld>
-    <p:spTree>
-      <p:nvGrpSpPr>
-        <p:cNvPr id="1" name=""/>
-        <p:cNvGrpSpPr/>
-        <p:nvPr/>
-      </p:nvGrpSpPr>
-      <p:grpSpPr>
-        <a:xfrm>
-          <a:off x="0" y="0"/>
-          <a:ext cx="0" cy="0"/>
-          <a:chOff x="0" y="0"/>
-          <a:chExt cx="0" cy="0"/>
-        </a:xfrm>
-      </p:grpSpPr>
-      <p:sp>
-        <p:nvSpPr>
-          <p:cNvPr id="5" name="Title 4">
-            <a:extLst>
-              <a:ext uri="{FF2B5EF4-FFF2-40B4-BE49-F238E27FC236}">
-                <a16:creationId xmlns:a16="http://schemas.microsoft.com/office/drawing/2014/main" id="{0EEB9482-8DBB-24AC-35A1-B4A30B36575E}"/>
-              </a:ext>
-            </a:extLst>
-          </p:cNvPr>
-          <p:cNvSpPr>
-            <a:spLocks noGrp="1"/>
-          </p:cNvSpPr>
-          <p:nvPr>
-            <p:ph type="title"/>
-          </p:nvPr>
-        </p:nvSpPr>
-        <p:spPr/>
-        <p:txBody>
-          <a:bodyPr/>
-          <a:lstStyle/>
-          <a:p>
-            <a:r>
-              <a:rPr lang="en-US" dirty="0"/>
-              <a:t>Announcements</a:t>
-            </a:r>
-          </a:p>
-        </p:txBody>
-      </p:sp>
-      <p:sp>
-        <p:nvSpPr>
-          <p:cNvPr id="6" name="Content Placeholder 5">
-            <a:extLst>
-              <a:ext uri="{FF2B5EF4-FFF2-40B4-BE49-F238E27FC236}">
-                <a16:creationId xmlns:a16="http://schemas.microsoft.com/office/drawing/2014/main" id="{BA474995-2F22-9F4F-5F59-2AD7F93C18DB}"/>
-              </a:ext>
-            </a:extLst>
-          </p:cNvPr>
-          <p:cNvSpPr>
-            <a:spLocks noGrp="1"/>
-          </p:cNvSpPr>
-          <p:nvPr>
-            <p:ph idx="1"/>
-          </p:nvPr>
-        </p:nvSpPr>
-        <p:spPr/>
-        <p:txBody>
-          <a:bodyPr/>
-          <a:lstStyle/>
-          <a:p>
-            <a:r>
-              <a:rPr lang="en-US" dirty="0"/>
-              <a:t> </a:t>
-            </a:r>
-            <a:r>
-              <a:rPr lang="en-US" b="1" dirty="0"/>
-              <a:t>Midterm Thursday!</a:t>
-            </a:r>
-          </a:p>
-          <a:p>
-            <a:pPr lvl="1"/>
-            <a:r>
-              <a:rPr lang="en-US" dirty="0"/>
-              <a:t> Seating announcements sent out.</a:t>
-            </a:r>
-          </a:p>
-          <a:p>
-            <a:pPr lvl="1"/>
-            <a:r>
-              <a:rPr lang="en-US" dirty="0"/>
-              <a:t> https://go.c88c.org/seating to login in and see your seat.</a:t>
-            </a:r>
-          </a:p>
-          <a:p>
-            <a:r>
-              <a:rPr lang="en-US" dirty="0"/>
-              <a:t>Reminders: 5 hand-written pages.</a:t>
-            </a:r>
-          </a:p>
-          <a:p>
-            <a:pPr lvl="1"/>
-            <a:r>
-              <a:rPr lang="en-US" dirty="0"/>
-              <a:t> </a:t>
-            </a:r>
-            <a:r>
-              <a:rPr lang="en-US" b="1" dirty="0"/>
-              <a:t>Please write names and hand them in with your exam.</a:t>
-            </a:r>
-            <a:endParaRPr lang="en-US" dirty="0"/>
-          </a:p>
-        </p:txBody>
-      </p:sp>
-      <p:sp>
-        <p:nvSpPr>
-          <p:cNvPr id="4" name="Footer Placeholder 3">
-            <a:extLst>
-              <a:ext uri="{FF2B5EF4-FFF2-40B4-BE49-F238E27FC236}">
-                <a16:creationId xmlns:a16="http://schemas.microsoft.com/office/drawing/2014/main" id="{1A7D3212-4DF9-8DEE-0EEF-E629D3233705}"/>
-              </a:ext>
-            </a:extLst>
-          </p:cNvPr>
-          <p:cNvSpPr>
-            <a:spLocks noGrp="1"/>
-          </p:cNvSpPr>
-          <p:nvPr>
-            <p:ph type="ftr" sz="quarter" idx="10"/>
-          </p:nvPr>
-        </p:nvSpPr>
-        <p:spPr/>
-        <p:txBody>
-          <a:bodyPr/>
-          <a:lstStyle/>
-          <a:p>
-            <a:r>
-              <a:rPr lang="en-US"/>
-              <a:t>Michael Ball | UC Berkeley | https://c88c.org | © CC BY-NC-SA</a:t>
-            </a:r>
-            <a:endParaRPr lang="en-US" dirty="0"/>
-          </a:p>
-        </p:txBody>
-      </p:sp>
-    </p:spTree>
-    <p:extLst>
-      <p:ext uri="{BB962C8B-B14F-4D97-AF65-F5344CB8AC3E}">
-        <p14:creationId xmlns:p14="http://schemas.microsoft.com/office/powerpoint/2010/main" val="3438461908"/>
-      </p:ext>
-    </p:extLst>
-  </p:cSld>
-  <p:clrMapOvr>
-    <a:masterClrMapping/>
-  </p:clrMapOvr>
-</p:sld>
-</file>
-
-<file path=ppt/slides/slide20.xml><?xml version="1.0" encoding="utf-8"?>
-<p:sld xmlns:a="http://schemas.openxmlformats.org/drawingml/2006/main" xmlns:r="http://schemas.openxmlformats.org/officeDocument/2006/relationships" xmlns:p="http://schemas.openxmlformats.org/presentationml/2006/main">
-  <p:cSld>
-    <p:spTree>
-      <p:nvGrpSpPr>
-        <p:cNvPr id="1" name=""/>
-        <p:cNvGrpSpPr/>
-        <p:nvPr/>
-      </p:nvGrpSpPr>
-      <p:grpSpPr>
-        <a:xfrm>
-          <a:off x="0" y="0"/>
-          <a:ext cx="0" cy="0"/>
-          <a:chOff x="0" y="0"/>
-          <a:chExt cx="0" cy="0"/>
-        </a:xfrm>
-      </p:grpSpPr>
-      <p:sp>
-        <p:nvSpPr>
-          <p:cNvPr id="2" name="Title 1"/>
-          <p:cNvSpPr>
-            <a:spLocks noGrp="1"/>
-          </p:cNvSpPr>
-          <p:nvPr>
-            <p:ph type="title"/>
-          </p:nvPr>
-        </p:nvSpPr>
-        <p:spPr/>
-        <p:txBody>
-          <a:bodyPr/>
-          <a:lstStyle/>
-          <a:p>
-            <a:r>
-              <a:rPr lang="en-US" dirty="0"/>
-              <a:t>Inheritance</a:t>
-            </a:r>
-          </a:p>
-        </p:txBody>
-      </p:sp>
-      <p:sp>
-        <p:nvSpPr>
-          <p:cNvPr id="3" name="Content Placeholder 2"/>
-          <p:cNvSpPr>
-            <a:spLocks noGrp="1"/>
-          </p:cNvSpPr>
-          <p:nvPr>
-            <p:ph idx="1"/>
-          </p:nvPr>
-        </p:nvSpPr>
-        <p:spPr>
-          <a:xfrm>
-            <a:off x="2209800" y="1295400"/>
-            <a:ext cx="7620000" cy="5029200"/>
-          </a:xfrm>
-        </p:spPr>
-        <p:txBody>
-          <a:bodyPr/>
-          <a:lstStyle/>
-          <a:p>
-            <a:r>
-              <a:rPr lang="en-US" dirty="0"/>
-              <a:t>Define a class as a specialization of an existing class</a:t>
-            </a:r>
-          </a:p>
-          <a:p>
-            <a:r>
-              <a:rPr lang="en-US" dirty="0"/>
-              <a:t>Inherent its attributes, methods (behaviors)</a:t>
-            </a:r>
-          </a:p>
-          <a:p>
-            <a:r>
-              <a:rPr lang="en-US" dirty="0"/>
-              <a:t>Add additional ones</a:t>
-            </a:r>
-          </a:p>
-          <a:p>
-            <a:r>
-              <a:rPr lang="en-US" dirty="0"/>
-              <a:t>Redefine (specialize) existing ones</a:t>
-            </a:r>
-          </a:p>
-          <a:p>
-            <a:pPr lvl="1"/>
-            <a:r>
-              <a:rPr lang="en-US" dirty="0"/>
-              <a:t>Ones in superclass still accessible in its namespace</a:t>
-            </a:r>
-          </a:p>
-        </p:txBody>
-      </p:sp>
-    </p:spTree>
-    <p:extLst>
-      <p:ext uri="{BB962C8B-B14F-4D97-AF65-F5344CB8AC3E}">
-        <p14:creationId xmlns:p14="http://schemas.microsoft.com/office/powerpoint/2010/main" val="1518462020"/>
-      </p:ext>
-    </p:extLst>
-  </p:cSld>
-  <p:clrMapOvr>
-    <a:masterClrMapping/>
-  </p:clrMapOvr>
-</p:sld>
-</file>
-
-<file path=ppt/slides/slide21.xml><?xml version="1.0" encoding="utf-8"?>
-<p:sld xmlns:a="http://schemas.openxmlformats.org/drawingml/2006/main" xmlns:r="http://schemas.openxmlformats.org/officeDocument/2006/relationships" xmlns:p="http://schemas.openxmlformats.org/presentationml/2006/main">
-  <p:cSld>
-    <p:spTree>
-      <p:nvGrpSpPr>
-        <p:cNvPr id="1" name=""/>
-        <p:cNvGrpSpPr/>
-        <p:nvPr/>
-      </p:nvGrpSpPr>
-      <p:grpSpPr>
-        <a:xfrm>
-          <a:off x="0" y="0"/>
-          <a:ext cx="0" cy="0"/>
-          <a:chOff x="0" y="0"/>
-          <a:chExt cx="0" cy="0"/>
-        </a:xfrm>
-      </p:grpSpPr>
-      <p:sp>
-        <p:nvSpPr>
-          <p:cNvPr id="8" name="Title 7"/>
-          <p:cNvSpPr>
-            <a:spLocks noGrp="1"/>
-          </p:cNvSpPr>
-          <p:nvPr>
-            <p:ph type="title"/>
-          </p:nvPr>
-        </p:nvSpPr>
-        <p:spPr/>
-        <p:txBody>
-          <a:bodyPr/>
-          <a:lstStyle/>
-          <a:p>
-            <a:r>
-              <a:rPr lang="en-US" dirty="0"/>
-              <a:t>Class Inheritance</a:t>
-            </a:r>
-          </a:p>
-        </p:txBody>
-      </p:sp>
-      <p:sp>
-        <p:nvSpPr>
-          <p:cNvPr id="9" name="Content Placeholder 8"/>
-          <p:cNvSpPr>
-            <a:spLocks noGrp="1"/>
-          </p:cNvSpPr>
-          <p:nvPr>
-            <p:ph idx="1"/>
-          </p:nvPr>
-        </p:nvSpPr>
-        <p:spPr>
-          <a:xfrm>
-            <a:off x="2209800" y="1066800"/>
-            <a:ext cx="8229600" cy="5257800"/>
-          </a:xfrm>
-        </p:spPr>
-        <p:txBody>
-          <a:bodyPr/>
-          <a:lstStyle/>
-          <a:p>
-            <a:r>
-              <a:rPr lang="en-US" dirty="0"/>
-              <a:t>Classes can inherit methods and attributes from parent classes but extend into their own class.</a:t>
-            </a:r>
-          </a:p>
-          <a:p>
-            <a:endParaRPr lang="en-US" dirty="0"/>
-          </a:p>
-        </p:txBody>
-      </p:sp>
-      <p:pic>
-        <p:nvPicPr>
-          <p:cNvPr id="2" name="Picture 1"/>
-          <p:cNvPicPr>
-            <a:picLocks noChangeAspect="1"/>
-          </p:cNvPicPr>
-          <p:nvPr/>
-        </p:nvPicPr>
-        <p:blipFill>
-          <a:blip r:embed="rId2"/>
-          <a:stretch>
-            <a:fillRect/>
-          </a:stretch>
-        </p:blipFill>
-        <p:spPr>
-          <a:xfrm>
-            <a:off x="2743200" y="2209800"/>
-            <a:ext cx="7010400" cy="3785616"/>
-          </a:xfrm>
-          <a:prstGeom prst="rect">
-            <a:avLst/>
-          </a:prstGeom>
-        </p:spPr>
-      </p:pic>
-    </p:spTree>
-    <p:extLst>
-      <p:ext uri="{BB962C8B-B14F-4D97-AF65-F5344CB8AC3E}">
-        <p14:creationId xmlns:p14="http://schemas.microsoft.com/office/powerpoint/2010/main" val="1638929222"/>
-      </p:ext>
-    </p:extLst>
-  </p:cSld>
-  <p:clrMapOvr>
-    <a:masterClrMapping/>
-  </p:clrMapOvr>
-</p:sld>
-</file>
-
-<file path=ppt/slides/slide22.xml><?xml version="1.0" encoding="utf-8"?>
-<p:sld xmlns:a="http://schemas.openxmlformats.org/drawingml/2006/main" xmlns:r="http://schemas.openxmlformats.org/officeDocument/2006/relationships" xmlns:p="http://schemas.openxmlformats.org/presentationml/2006/main">
-  <p:cSld>
-    <p:spTree>
-      <p:nvGrpSpPr>
-        <p:cNvPr id="1" name=""/>
-        <p:cNvGrpSpPr/>
-        <p:nvPr/>
-      </p:nvGrpSpPr>
-      <p:grpSpPr>
-        <a:xfrm>
-          <a:off x="0" y="0"/>
-          <a:ext cx="0" cy="0"/>
-          <a:chOff x="0" y="0"/>
-          <a:chExt cx="0" cy="0"/>
-        </a:xfrm>
-      </p:grpSpPr>
-      <p:sp>
-        <p:nvSpPr>
-          <p:cNvPr id="2" name="Title 1"/>
-          <p:cNvSpPr>
-            <a:spLocks noGrp="1"/>
-          </p:cNvSpPr>
-          <p:nvPr>
-            <p:ph type="title"/>
-          </p:nvPr>
-        </p:nvSpPr>
-        <p:spPr/>
-        <p:txBody>
-          <a:bodyPr/>
-          <a:lstStyle/>
-          <a:p>
-            <a:r>
-              <a:rPr lang="en-US" dirty="0"/>
-              <a:t>Python class statement</a:t>
-            </a:r>
-          </a:p>
-        </p:txBody>
-      </p:sp>
-      <p:sp>
-        <p:nvSpPr>
-          <p:cNvPr id="7" name="Rectangle 6"/>
-          <p:cNvSpPr/>
-          <p:nvPr/>
-        </p:nvSpPr>
-        <p:spPr>
-          <a:xfrm>
-            <a:off x="2286000" y="1219200"/>
-            <a:ext cx="4572000" cy="1938992"/>
-          </a:xfrm>
-          <a:prstGeom prst="rect">
-            <a:avLst/>
-          </a:prstGeom>
-        </p:spPr>
-        <p:txBody>
-          <a:bodyPr>
-            <a:spAutoFit/>
-          </a:bodyPr>
-          <a:lstStyle/>
-          <a:p>
-            <a:r>
-              <a:rPr lang="de-DE" sz="2000" dirty="0" err="1">
-                <a:latin typeface="Source Code Pro" panose="020B0509030403020204" pitchFamily="49" charset="0"/>
-                <a:cs typeface="Courier New"/>
-              </a:rPr>
-              <a:t>class</a:t>
-            </a:r>
-            <a:r>
-              <a:rPr lang="de-DE" sz="2000" dirty="0">
-                <a:latin typeface="Source Code Pro" panose="020B0509030403020204" pitchFamily="49" charset="0"/>
-                <a:cs typeface="Courier New"/>
-              </a:rPr>
-              <a:t> </a:t>
-            </a:r>
-            <a:r>
-              <a:rPr lang="de-DE" sz="2000" dirty="0" err="1">
-                <a:latin typeface="Source Code Pro" panose="020B0509030403020204" pitchFamily="49" charset="0"/>
-                <a:cs typeface="Courier New"/>
-              </a:rPr>
-              <a:t>ClassName</a:t>
-            </a:r>
-            <a:r>
-              <a:rPr lang="de-DE" sz="2000" dirty="0">
-                <a:latin typeface="Source Code Pro" panose="020B0509030403020204" pitchFamily="49" charset="0"/>
-                <a:cs typeface="Courier New"/>
-              </a:rPr>
-              <a:t>:</a:t>
-            </a:r>
-          </a:p>
-          <a:p>
-            <a:r>
-              <a:rPr lang="de-DE" sz="2000" dirty="0">
-                <a:latin typeface="Source Code Pro" panose="020B0509030403020204" pitchFamily="49" charset="0"/>
-                <a:cs typeface="Courier New"/>
-              </a:rPr>
-              <a:t>    &lt;statement-1&gt;</a:t>
-            </a:r>
-          </a:p>
-          <a:p>
-            <a:r>
-              <a:rPr lang="de-DE" sz="2000" dirty="0">
-                <a:latin typeface="Source Code Pro" panose="020B0509030403020204" pitchFamily="49" charset="0"/>
-                <a:cs typeface="Courier New"/>
-              </a:rPr>
-              <a:t>    .</a:t>
-            </a:r>
-          </a:p>
-          <a:p>
-            <a:r>
-              <a:rPr lang="de-DE" sz="2000" dirty="0">
-                <a:latin typeface="Source Code Pro" panose="020B0509030403020204" pitchFamily="49" charset="0"/>
-                <a:cs typeface="Courier New"/>
-              </a:rPr>
-              <a:t>    .</a:t>
-            </a:r>
-          </a:p>
-          <a:p>
-            <a:r>
-              <a:rPr lang="de-DE" sz="2000" dirty="0">
-                <a:latin typeface="Source Code Pro" panose="020B0509030403020204" pitchFamily="49" charset="0"/>
-                <a:cs typeface="Courier New"/>
-              </a:rPr>
-              <a:t>    .</a:t>
-            </a:r>
-          </a:p>
-          <a:p>
-            <a:r>
-              <a:rPr lang="de-DE" sz="2000" dirty="0">
-                <a:latin typeface="Source Code Pro" panose="020B0509030403020204" pitchFamily="49" charset="0"/>
-                <a:cs typeface="Courier New"/>
-              </a:rPr>
-              <a:t>    &lt;</a:t>
-            </a:r>
-            <a:r>
-              <a:rPr lang="de-DE" sz="2000" dirty="0" err="1">
-                <a:latin typeface="Source Code Pro" panose="020B0509030403020204" pitchFamily="49" charset="0"/>
-                <a:cs typeface="Courier New"/>
-              </a:rPr>
-              <a:t>statement</a:t>
-            </a:r>
-            <a:r>
-              <a:rPr lang="de-DE" sz="2000" dirty="0">
-                <a:latin typeface="Source Code Pro" panose="020B0509030403020204" pitchFamily="49" charset="0"/>
-                <a:cs typeface="Courier New"/>
-              </a:rPr>
-              <a:t>-N&gt;</a:t>
-            </a:r>
-            <a:endParaRPr lang="en-US" sz="2000" dirty="0">
-              <a:latin typeface="Source Code Pro" panose="020B0509030403020204" pitchFamily="49" charset="0"/>
-              <a:cs typeface="Courier New"/>
-            </a:endParaRPr>
-          </a:p>
-        </p:txBody>
-      </p:sp>
-      <p:sp>
-        <p:nvSpPr>
-          <p:cNvPr id="8" name="Rectangle 7"/>
-          <p:cNvSpPr/>
-          <p:nvPr/>
-        </p:nvSpPr>
-        <p:spPr>
-          <a:xfrm>
-            <a:off x="2286000" y="3886200"/>
-            <a:ext cx="6934200" cy="1938992"/>
-          </a:xfrm>
-          <a:prstGeom prst="rect">
-            <a:avLst/>
-          </a:prstGeom>
-        </p:spPr>
-        <p:txBody>
-          <a:bodyPr wrap="square">
-            <a:spAutoFit/>
-          </a:bodyPr>
-          <a:lstStyle/>
-          <a:p>
-            <a:r>
-              <a:rPr lang="de-DE" sz="2000" b="1" dirty="0" err="1">
-                <a:latin typeface="Source Code Pro" panose="020B0509030403020204" pitchFamily="49" charset="0"/>
-                <a:cs typeface="Courier New"/>
-              </a:rPr>
-              <a:t>class</a:t>
-            </a:r>
-            <a:r>
-              <a:rPr lang="de-DE" sz="2000" b="1" dirty="0">
-                <a:latin typeface="Source Code Pro" panose="020B0509030403020204" pitchFamily="49" charset="0"/>
-                <a:cs typeface="Courier New"/>
-              </a:rPr>
-              <a:t> </a:t>
-            </a:r>
-            <a:r>
-              <a:rPr lang="de-DE" sz="2000" b="1" dirty="0" err="1">
-                <a:latin typeface="Source Code Pro" panose="020B0509030403020204" pitchFamily="49" charset="0"/>
-                <a:cs typeface="Courier New"/>
-              </a:rPr>
-              <a:t>ClassName</a:t>
-            </a:r>
-            <a:r>
-              <a:rPr lang="de-DE" sz="2000" b="1" dirty="0">
-                <a:latin typeface="Source Code Pro" panose="020B0509030403020204" pitchFamily="49" charset="0"/>
-                <a:cs typeface="Courier New"/>
-              </a:rPr>
-              <a:t> ( </a:t>
-            </a:r>
-            <a:r>
-              <a:rPr lang="de-DE" sz="2000" b="1" dirty="0" err="1">
-                <a:latin typeface="Source Code Pro" panose="020B0509030403020204" pitchFamily="49" charset="0"/>
-                <a:cs typeface="Courier New"/>
-              </a:rPr>
-              <a:t>inherits</a:t>
-            </a:r>
-            <a:r>
-              <a:rPr lang="de-DE" sz="2000" b="1" dirty="0">
-                <a:latin typeface="Source Code Pro" panose="020B0509030403020204" pitchFamily="49" charset="0"/>
-                <a:cs typeface="Courier New"/>
-              </a:rPr>
-              <a:t> / </a:t>
-            </a:r>
-            <a:r>
-              <a:rPr lang="de-DE" sz="2000" b="1" dirty="0" err="1">
-                <a:latin typeface="Source Code Pro" panose="020B0509030403020204" pitchFamily="49" charset="0"/>
-                <a:cs typeface="Courier New"/>
-              </a:rPr>
-              <a:t>parent-class</a:t>
-            </a:r>
-            <a:r>
-              <a:rPr lang="de-DE" sz="2000" b="1" dirty="0">
-                <a:latin typeface="Source Code Pro" panose="020B0509030403020204" pitchFamily="49" charset="0"/>
-                <a:cs typeface="Courier New"/>
-              </a:rPr>
-              <a:t> ):</a:t>
-            </a:r>
-          </a:p>
-          <a:p>
-            <a:r>
-              <a:rPr lang="de-DE" sz="2000" dirty="0">
-                <a:latin typeface="Source Code Pro" panose="020B0509030403020204" pitchFamily="49" charset="0"/>
-                <a:cs typeface="Courier New"/>
-              </a:rPr>
-              <a:t>    &lt;statement-1&gt;</a:t>
-            </a:r>
-          </a:p>
-          <a:p>
-            <a:r>
-              <a:rPr lang="de-DE" sz="2000" dirty="0">
-                <a:latin typeface="Source Code Pro" panose="020B0509030403020204" pitchFamily="49" charset="0"/>
-                <a:cs typeface="Courier New"/>
-              </a:rPr>
-              <a:t>    .</a:t>
-            </a:r>
-          </a:p>
-          <a:p>
-            <a:r>
-              <a:rPr lang="de-DE" sz="2000" dirty="0">
-                <a:latin typeface="Source Code Pro" panose="020B0509030403020204" pitchFamily="49" charset="0"/>
-                <a:cs typeface="Courier New"/>
-              </a:rPr>
-              <a:t>    .</a:t>
-            </a:r>
-          </a:p>
-          <a:p>
-            <a:r>
-              <a:rPr lang="de-DE" sz="2000" dirty="0">
-                <a:latin typeface="Source Code Pro" panose="020B0509030403020204" pitchFamily="49" charset="0"/>
-                <a:cs typeface="Courier New"/>
-              </a:rPr>
-              <a:t>    .</a:t>
-            </a:r>
-          </a:p>
-          <a:p>
-            <a:r>
-              <a:rPr lang="de-DE" sz="2000" dirty="0">
-                <a:latin typeface="Source Code Pro" panose="020B0509030403020204" pitchFamily="49" charset="0"/>
-                <a:cs typeface="Courier New"/>
-              </a:rPr>
-              <a:t>    &lt;</a:t>
-            </a:r>
-            <a:r>
-              <a:rPr lang="de-DE" sz="2000" dirty="0" err="1">
-                <a:latin typeface="Source Code Pro" panose="020B0509030403020204" pitchFamily="49" charset="0"/>
-                <a:cs typeface="Courier New"/>
-              </a:rPr>
-              <a:t>statement</a:t>
-            </a:r>
-            <a:r>
-              <a:rPr lang="de-DE" sz="2000" dirty="0">
-                <a:latin typeface="Source Code Pro" panose="020B0509030403020204" pitchFamily="49" charset="0"/>
-                <a:cs typeface="Courier New"/>
-              </a:rPr>
-              <a:t>-N&gt;</a:t>
-            </a:r>
-            <a:endParaRPr lang="en-US" sz="2000" dirty="0">
-              <a:latin typeface="Source Code Pro" panose="020B0509030403020204" pitchFamily="49" charset="0"/>
-              <a:cs typeface="Courier New"/>
-            </a:endParaRPr>
-          </a:p>
-        </p:txBody>
-      </p:sp>
-    </p:spTree>
-    <p:extLst>
-      <p:ext uri="{BB962C8B-B14F-4D97-AF65-F5344CB8AC3E}">
-        <p14:creationId xmlns:p14="http://schemas.microsoft.com/office/powerpoint/2010/main" val="3999492501"/>
-      </p:ext>
-    </p:extLst>
-  </p:cSld>
-  <p:clrMapOvr>
-    <a:masterClrMapping/>
-  </p:clrMapOvr>
-</p:sld>
-</file>
-
-<file path=ppt/slides/slide23.xml><?xml version="1.0" encoding="utf-8"?>
-<p:sld xmlns:a="http://schemas.openxmlformats.org/drawingml/2006/main" xmlns:r="http://schemas.openxmlformats.org/officeDocument/2006/relationships" xmlns:p="http://schemas.openxmlformats.org/presentationml/2006/main">
-  <p:cSld>
-    <p:spTree>
-      <p:nvGrpSpPr>
-        <p:cNvPr id="1" name=""/>
-        <p:cNvGrpSpPr/>
-        <p:nvPr/>
-      </p:nvGrpSpPr>
-      <p:grpSpPr>
-        <a:xfrm>
-          <a:off x="0" y="0"/>
-          <a:ext cx="0" cy="0"/>
-          <a:chOff x="0" y="0"/>
-          <a:chExt cx="0" cy="0"/>
-        </a:xfrm>
-      </p:grpSpPr>
-      <p:sp>
-        <p:nvSpPr>
-          <p:cNvPr id="2" name="Title 1"/>
-          <p:cNvSpPr>
-            <a:spLocks noGrp="1"/>
-          </p:cNvSpPr>
-          <p:nvPr>
-            <p:ph type="title"/>
-          </p:nvPr>
-        </p:nvSpPr>
-        <p:spPr/>
-        <p:txBody>
-          <a:bodyPr/>
-          <a:lstStyle/>
-          <a:p>
-            <a:r>
-              <a:rPr lang="en-US" dirty="0"/>
-              <a:t>Example</a:t>
-            </a:r>
-          </a:p>
-        </p:txBody>
-      </p:sp>
-      <p:sp>
-        <p:nvSpPr>
-          <p:cNvPr id="7" name="Rectangle 6"/>
-          <p:cNvSpPr/>
-          <p:nvPr/>
-        </p:nvSpPr>
-        <p:spPr>
-          <a:xfrm>
-            <a:off x="2362200" y="1371601"/>
-            <a:ext cx="8839200" cy="4524315"/>
-          </a:xfrm>
-          <a:prstGeom prst="rect">
-            <a:avLst/>
-          </a:prstGeom>
-        </p:spPr>
-        <p:txBody>
-          <a:bodyPr wrap="square">
-            <a:spAutoFit/>
-          </a:bodyPr>
-          <a:lstStyle/>
-          <a:p>
-            <a:r>
-              <a:rPr lang="en-US" dirty="0">
-                <a:latin typeface="Source Code Pro" panose="020B0509030403020204" pitchFamily="49" charset="0"/>
-                <a:cs typeface="Courier New"/>
-              </a:rPr>
-              <a:t>class </a:t>
-            </a:r>
-            <a:r>
-              <a:rPr lang="en-US" dirty="0" err="1">
-                <a:latin typeface="Source Code Pro" panose="020B0509030403020204" pitchFamily="49" charset="0"/>
-                <a:cs typeface="Courier New"/>
-              </a:rPr>
-              <a:t>BaseAccount</a:t>
-            </a:r>
-            <a:r>
-              <a:rPr lang="en-US" dirty="0">
-                <a:latin typeface="Source Code Pro" panose="020B0509030403020204" pitchFamily="49" charset="0"/>
-                <a:cs typeface="Courier New"/>
-              </a:rPr>
-              <a:t>:</a:t>
-            </a:r>
-          </a:p>
-          <a:p>
-            <a:r>
-              <a:rPr lang="en-US" dirty="0">
-                <a:latin typeface="Source Code Pro" panose="020B0509030403020204" pitchFamily="49" charset="0"/>
-                <a:cs typeface="Courier New"/>
-              </a:rPr>
-              <a:t>    def __</a:t>
-            </a:r>
-            <a:r>
-              <a:rPr lang="en-US" dirty="0" err="1">
-                <a:latin typeface="Source Code Pro" panose="020B0509030403020204" pitchFamily="49" charset="0"/>
-                <a:cs typeface="Courier New"/>
-              </a:rPr>
-              <a:t>init</a:t>
-            </a:r>
-            <a:r>
-              <a:rPr lang="en-US" dirty="0">
-                <a:latin typeface="Source Code Pro" panose="020B0509030403020204" pitchFamily="49" charset="0"/>
-                <a:cs typeface="Courier New"/>
-              </a:rPr>
-              <a:t>__(self, name, </a:t>
-            </a:r>
-            <a:r>
-              <a:rPr lang="en-US" dirty="0" err="1">
-                <a:latin typeface="Source Code Pro" panose="020B0509030403020204" pitchFamily="49" charset="0"/>
-                <a:cs typeface="Courier New"/>
-              </a:rPr>
-              <a:t>initial_deposit</a:t>
-            </a:r>
-            <a:r>
-              <a:rPr lang="en-US" dirty="0">
-                <a:latin typeface="Source Code Pro" panose="020B0509030403020204" pitchFamily="49" charset="0"/>
-                <a:cs typeface="Courier New"/>
-              </a:rPr>
-              <a:t>):</a:t>
-            </a:r>
-          </a:p>
-          <a:p>
-            <a:r>
-              <a:rPr lang="en-US" dirty="0">
-                <a:latin typeface="Source Code Pro" panose="020B0509030403020204" pitchFamily="49" charset="0"/>
-                <a:cs typeface="Courier New"/>
-              </a:rPr>
-              <a:t>        # Initialize the instance attributes</a:t>
-            </a:r>
-          </a:p>
-          <a:p>
-            <a:r>
-              <a:rPr lang="en-US" dirty="0">
-                <a:latin typeface="Source Code Pro" panose="020B0509030403020204" pitchFamily="49" charset="0"/>
-                <a:cs typeface="Courier New"/>
-              </a:rPr>
-              <a:t>        </a:t>
-            </a:r>
-            <a:r>
-              <a:rPr lang="en-US" dirty="0" err="1">
-                <a:latin typeface="Source Code Pro" panose="020B0509030403020204" pitchFamily="49" charset="0"/>
-                <a:cs typeface="Courier New"/>
-              </a:rPr>
-              <a:t>self._name</a:t>
-            </a:r>
-            <a:r>
-              <a:rPr lang="en-US" dirty="0">
-                <a:latin typeface="Source Code Pro" panose="020B0509030403020204" pitchFamily="49" charset="0"/>
-                <a:cs typeface="Courier New"/>
-              </a:rPr>
-              <a:t> = name</a:t>
-            </a:r>
-          </a:p>
-          <a:p>
-            <a:r>
-              <a:rPr lang="en-US" dirty="0">
-                <a:latin typeface="Source Code Pro" panose="020B0509030403020204" pitchFamily="49" charset="0"/>
-                <a:cs typeface="Courier New"/>
-              </a:rPr>
-              <a:t>        self._</a:t>
-            </a:r>
-            <a:r>
-              <a:rPr lang="en-US" dirty="0" err="1">
-                <a:latin typeface="Source Code Pro" panose="020B0509030403020204" pitchFamily="49" charset="0"/>
-                <a:cs typeface="Courier New"/>
-              </a:rPr>
-              <a:t>acct_no</a:t>
-            </a:r>
-            <a:r>
-              <a:rPr lang="en-US" dirty="0">
-                <a:latin typeface="Source Code Pro" panose="020B0509030403020204" pitchFamily="49" charset="0"/>
-                <a:cs typeface="Courier New"/>
-              </a:rPr>
-              <a:t> = Account._</a:t>
-            </a:r>
-            <a:r>
-              <a:rPr lang="en-US" dirty="0" err="1">
-                <a:latin typeface="Source Code Pro" panose="020B0509030403020204" pitchFamily="49" charset="0"/>
-                <a:cs typeface="Courier New"/>
-              </a:rPr>
-              <a:t>account_number_seed</a:t>
-            </a:r>
-            <a:endParaRPr lang="en-US" dirty="0">
-              <a:latin typeface="Source Code Pro" panose="020B0509030403020204" pitchFamily="49" charset="0"/>
-              <a:cs typeface="Courier New"/>
-            </a:endParaRPr>
-          </a:p>
-          <a:p>
-            <a:r>
-              <a:rPr lang="en-US" dirty="0">
-                <a:latin typeface="Source Code Pro" panose="020B0509030403020204" pitchFamily="49" charset="0"/>
-                <a:cs typeface="Courier New"/>
-              </a:rPr>
-              <a:t>        Account._</a:t>
-            </a:r>
-            <a:r>
-              <a:rPr lang="en-US" dirty="0" err="1">
-                <a:latin typeface="Source Code Pro" panose="020B0509030403020204" pitchFamily="49" charset="0"/>
-                <a:cs typeface="Courier New"/>
-              </a:rPr>
-              <a:t>account_number_seed</a:t>
-            </a:r>
-            <a:r>
-              <a:rPr lang="en-US" dirty="0">
-                <a:latin typeface="Source Code Pro" panose="020B0509030403020204" pitchFamily="49" charset="0"/>
-                <a:cs typeface="Courier New"/>
-              </a:rPr>
-              <a:t> += 1</a:t>
-            </a:r>
-          </a:p>
-          <a:p>
-            <a:r>
-              <a:rPr lang="en-US" dirty="0">
-                <a:latin typeface="Source Code Pro" panose="020B0509030403020204" pitchFamily="49" charset="0"/>
-                <a:cs typeface="Courier New"/>
-              </a:rPr>
-              <a:t>        </a:t>
-            </a:r>
-            <a:r>
-              <a:rPr lang="en-US" dirty="0" err="1">
-                <a:latin typeface="Source Code Pro" panose="020B0509030403020204" pitchFamily="49" charset="0"/>
-                <a:cs typeface="Courier New"/>
-              </a:rPr>
-              <a:t>self._balance</a:t>
-            </a:r>
-            <a:r>
-              <a:rPr lang="en-US" dirty="0">
-                <a:latin typeface="Source Code Pro" panose="020B0509030403020204" pitchFamily="49" charset="0"/>
-                <a:cs typeface="Courier New"/>
-              </a:rPr>
-              <a:t> = </a:t>
-            </a:r>
-            <a:r>
-              <a:rPr lang="en-US" dirty="0" err="1">
-                <a:latin typeface="Source Code Pro" panose="020B0509030403020204" pitchFamily="49" charset="0"/>
-                <a:cs typeface="Courier New"/>
-              </a:rPr>
-              <a:t>initial_deposit</a:t>
-            </a:r>
-            <a:endParaRPr lang="en-US" dirty="0">
-              <a:latin typeface="Source Code Pro" panose="020B0509030403020204" pitchFamily="49" charset="0"/>
-              <a:cs typeface="Courier New"/>
-            </a:endParaRPr>
-          </a:p>
-          <a:p>
-            <a:endParaRPr lang="en-US" dirty="0">
-              <a:latin typeface="Source Code Pro" panose="020B0509030403020204" pitchFamily="49" charset="0"/>
-              <a:cs typeface="Courier New"/>
-            </a:endParaRPr>
-          </a:p>
-          <a:p>
-            <a:r>
-              <a:rPr lang="en-US" dirty="0">
-                <a:latin typeface="Source Code Pro" panose="020B0509030403020204" pitchFamily="49" charset="0"/>
-                <a:cs typeface="Courier New"/>
-              </a:rPr>
-              <a:t>class </a:t>
-            </a:r>
-            <a:r>
-              <a:rPr lang="en-US" dirty="0" err="1">
-                <a:latin typeface="Source Code Pro" panose="020B0509030403020204" pitchFamily="49" charset="0"/>
-                <a:cs typeface="Courier New"/>
-              </a:rPr>
-              <a:t>CheckingAccount</a:t>
-            </a:r>
-            <a:r>
-              <a:rPr lang="en-US" dirty="0">
-                <a:latin typeface="Source Code Pro" panose="020B0509030403020204" pitchFamily="49" charset="0"/>
-                <a:cs typeface="Courier New"/>
-              </a:rPr>
-              <a:t>(</a:t>
-            </a:r>
-            <a:r>
-              <a:rPr lang="en-US" b="1" dirty="0" err="1">
-                <a:latin typeface="Source Code Pro" panose="020B0509030403020204" pitchFamily="49" charset="0"/>
-                <a:cs typeface="Courier New"/>
-              </a:rPr>
-              <a:t>BaseAccount</a:t>
-            </a:r>
-            <a:r>
-              <a:rPr lang="en-US" dirty="0">
-                <a:latin typeface="Source Code Pro" panose="020B0509030403020204" pitchFamily="49" charset="0"/>
-                <a:cs typeface="Courier New"/>
-              </a:rPr>
-              <a:t>):</a:t>
-            </a:r>
-            <a:br>
-              <a:rPr lang="en-US" dirty="0">
-                <a:latin typeface="Source Code Pro" panose="020B0509030403020204" pitchFamily="49" charset="0"/>
-                <a:cs typeface="Courier New"/>
-              </a:rPr>
-            </a:br>
-            <a:r>
-              <a:rPr lang="en-US" dirty="0">
-                <a:latin typeface="Source Code Pro" panose="020B0509030403020204" pitchFamily="49" charset="0"/>
-                <a:cs typeface="Courier New"/>
-              </a:rPr>
-              <a:t>    def __</a:t>
-            </a:r>
-            <a:r>
-              <a:rPr lang="en-US" dirty="0" err="1">
-                <a:latin typeface="Source Code Pro" panose="020B0509030403020204" pitchFamily="49" charset="0"/>
-                <a:cs typeface="Courier New"/>
-              </a:rPr>
-              <a:t>init</a:t>
-            </a:r>
-            <a:r>
-              <a:rPr lang="en-US" dirty="0">
-                <a:latin typeface="Source Code Pro" panose="020B0509030403020204" pitchFamily="49" charset="0"/>
-                <a:cs typeface="Courier New"/>
-              </a:rPr>
-              <a:t>__(self, name, </a:t>
-            </a:r>
-            <a:r>
-              <a:rPr lang="en-US" dirty="0" err="1">
-                <a:latin typeface="Source Code Pro" panose="020B0509030403020204" pitchFamily="49" charset="0"/>
-                <a:cs typeface="Courier New"/>
-              </a:rPr>
-              <a:t>initial_deposit</a:t>
-            </a:r>
-            <a:r>
-              <a:rPr lang="en-US" dirty="0">
-                <a:latin typeface="Source Code Pro" panose="020B0509030403020204" pitchFamily="49" charset="0"/>
-                <a:cs typeface="Courier New"/>
-              </a:rPr>
-              <a:t>):</a:t>
-            </a:r>
-          </a:p>
-          <a:p>
-            <a:r>
-              <a:rPr lang="en-US" dirty="0">
-                <a:latin typeface="Source Code Pro" panose="020B0509030403020204" pitchFamily="49" charset="0"/>
-                <a:cs typeface="Courier New"/>
-              </a:rPr>
-              <a:t>        # Use superclass initializer</a:t>
-            </a:r>
-          </a:p>
-          <a:p>
-            <a:r>
-              <a:rPr lang="en-US" dirty="0">
-                <a:latin typeface="Source Code Pro" panose="020B0509030403020204" pitchFamily="49" charset="0"/>
-                <a:cs typeface="Courier New"/>
-              </a:rPr>
-              <a:t>        </a:t>
-            </a:r>
-            <a:r>
-              <a:rPr lang="en-US" b="1" dirty="0" err="1">
-                <a:latin typeface="Source Code Pro" panose="020B0509030403020204" pitchFamily="49" charset="0"/>
-                <a:cs typeface="Courier New"/>
-              </a:rPr>
-              <a:t>BaseAccount</a:t>
-            </a:r>
-            <a:r>
-              <a:rPr lang="en-US" b="1" dirty="0">
-                <a:latin typeface="Source Code Pro" panose="020B0509030403020204" pitchFamily="49" charset="0"/>
-                <a:cs typeface="Courier New"/>
-              </a:rPr>
-              <a:t>.__</a:t>
-            </a:r>
-            <a:r>
-              <a:rPr lang="en-US" b="1" dirty="0" err="1">
-                <a:latin typeface="Source Code Pro" panose="020B0509030403020204" pitchFamily="49" charset="0"/>
-                <a:cs typeface="Courier New"/>
-              </a:rPr>
-              <a:t>init</a:t>
-            </a:r>
-            <a:r>
-              <a:rPr lang="en-US" b="1" dirty="0">
-                <a:latin typeface="Source Code Pro" panose="020B0509030403020204" pitchFamily="49" charset="0"/>
-                <a:cs typeface="Courier New"/>
-              </a:rPr>
-              <a:t>__</a:t>
-            </a:r>
-            <a:r>
-              <a:rPr lang="en-US" dirty="0">
-                <a:latin typeface="Source Code Pro" panose="020B0509030403020204" pitchFamily="49" charset="0"/>
-                <a:cs typeface="Courier New"/>
-              </a:rPr>
-              <a:t>(self, name, </a:t>
-            </a:r>
-            <a:r>
-              <a:rPr lang="en-US" dirty="0" err="1">
-                <a:latin typeface="Source Code Pro" panose="020B0509030403020204" pitchFamily="49" charset="0"/>
-                <a:cs typeface="Courier New"/>
-              </a:rPr>
-              <a:t>initial_deposit</a:t>
-            </a:r>
-            <a:r>
-              <a:rPr lang="en-US" dirty="0">
-                <a:latin typeface="Source Code Pro" panose="020B0509030403020204" pitchFamily="49" charset="0"/>
-                <a:cs typeface="Courier New"/>
-              </a:rPr>
-              <a:t>)</a:t>
-            </a:r>
-          </a:p>
-          <a:p>
-            <a:r>
-              <a:rPr lang="en-US" dirty="0">
-                <a:latin typeface="Source Code Pro" panose="020B0509030403020204" pitchFamily="49" charset="0"/>
-                <a:cs typeface="Courier New"/>
-              </a:rPr>
-              <a:t>        # Alternatively:</a:t>
-            </a:r>
-          </a:p>
-          <a:p>
-            <a:r>
-              <a:rPr lang="en-US" dirty="0">
-                <a:latin typeface="Source Code Pro" panose="020B0509030403020204" pitchFamily="49" charset="0"/>
-                <a:cs typeface="Courier New"/>
-              </a:rPr>
-              <a:t>        </a:t>
-            </a:r>
-            <a:r>
-              <a:rPr lang="en-US" b="1" dirty="0">
-                <a:latin typeface="Source Code Pro" panose="020B0509030403020204" pitchFamily="49" charset="0"/>
-                <a:cs typeface="Courier New"/>
-              </a:rPr>
-              <a:t># super().__</a:t>
-            </a:r>
-            <a:r>
-              <a:rPr lang="en-US" b="1" dirty="0" err="1">
-                <a:latin typeface="Source Code Pro" panose="020B0509030403020204" pitchFamily="49" charset="0"/>
-                <a:cs typeface="Courier New"/>
-              </a:rPr>
-              <a:t>init</a:t>
-            </a:r>
-            <a:r>
-              <a:rPr lang="en-US" b="1" dirty="0">
-                <a:latin typeface="Source Code Pro" panose="020B0509030403020204" pitchFamily="49" charset="0"/>
-                <a:cs typeface="Courier New"/>
-              </a:rPr>
-              <a:t>__</a:t>
-            </a:r>
-            <a:r>
-              <a:rPr lang="en-US" dirty="0">
-                <a:latin typeface="Source Code Pro" panose="020B0509030403020204" pitchFamily="49" charset="0"/>
-                <a:cs typeface="Courier New"/>
-              </a:rPr>
-              <a:t>(name, </a:t>
-            </a:r>
-            <a:r>
-              <a:rPr lang="en-US" dirty="0" err="1">
-                <a:latin typeface="Source Code Pro" panose="020B0509030403020204" pitchFamily="49" charset="0"/>
-                <a:cs typeface="Courier New"/>
-              </a:rPr>
-              <a:t>initial_deposit</a:t>
-            </a:r>
-            <a:r>
-              <a:rPr lang="en-US" dirty="0">
-                <a:latin typeface="Source Code Pro" panose="020B0509030403020204" pitchFamily="49" charset="0"/>
-                <a:cs typeface="Courier New"/>
-              </a:rPr>
-              <a:t>)</a:t>
-            </a:r>
-          </a:p>
-          <a:p>
-            <a:r>
-              <a:rPr lang="en-US" dirty="0">
-                <a:latin typeface="Source Code Pro" panose="020B0509030403020204" pitchFamily="49" charset="0"/>
-                <a:cs typeface="Courier New"/>
-              </a:rPr>
-              <a:t>        # Additional initialization</a:t>
-            </a:r>
-          </a:p>
-          <a:p>
-            <a:r>
-              <a:rPr lang="en-US" dirty="0">
-                <a:latin typeface="Source Code Pro" panose="020B0509030403020204" pitchFamily="49" charset="0"/>
-                <a:cs typeface="Courier New"/>
-              </a:rPr>
-              <a:t>        </a:t>
-            </a:r>
-            <a:r>
-              <a:rPr lang="en-US" dirty="0" err="1">
-                <a:latin typeface="Source Code Pro" panose="020B0509030403020204" pitchFamily="49" charset="0"/>
-                <a:cs typeface="Courier New"/>
-              </a:rPr>
-              <a:t>self._type</a:t>
-            </a:r>
-            <a:r>
-              <a:rPr lang="en-US" dirty="0">
-                <a:latin typeface="Source Code Pro" panose="020B0509030403020204" pitchFamily="49" charset="0"/>
-                <a:cs typeface="Courier New"/>
-              </a:rPr>
-              <a:t> = "Checking"</a:t>
-            </a:r>
-          </a:p>
-        </p:txBody>
-      </p:sp>
-    </p:spTree>
-    <p:extLst>
-      <p:ext uri="{BB962C8B-B14F-4D97-AF65-F5344CB8AC3E}">
-        <p14:creationId xmlns:p14="http://schemas.microsoft.com/office/powerpoint/2010/main" val="2380298552"/>
-      </p:ext>
-    </p:extLst>
-  </p:cSld>
-  <p:clrMapOvr>
-    <a:masterClrMapping/>
-  </p:clrMapOvr>
-</p:sld>
-</file>
-
-<file path=ppt/slides/slide24.xml><?xml version="1.0" encoding="utf-8"?>
-<p:sld xmlns:a="http://schemas.openxmlformats.org/drawingml/2006/main" xmlns:r="http://schemas.openxmlformats.org/officeDocument/2006/relationships" xmlns:p="http://schemas.openxmlformats.org/presentationml/2006/main">
-  <p:cSld>
-    <p:spTree>
-      <p:nvGrpSpPr>
-        <p:cNvPr id="1" name=""/>
-        <p:cNvGrpSpPr/>
-        <p:nvPr/>
-      </p:nvGrpSpPr>
-      <p:grpSpPr>
-        <a:xfrm>
-          <a:off x="0" y="0"/>
-          <a:ext cx="0" cy="0"/>
-          <a:chOff x="0" y="0"/>
-          <a:chExt cx="0" cy="0"/>
-        </a:xfrm>
-      </p:grpSpPr>
-      <p:sp>
-        <p:nvSpPr>
-          <p:cNvPr id="2" name="Title 1">
-            <a:extLst>
-              <a:ext uri="{FF2B5EF4-FFF2-40B4-BE49-F238E27FC236}">
-                <a16:creationId xmlns:a16="http://schemas.microsoft.com/office/drawing/2014/main" id="{4B6AAB13-BC57-644D-9D09-AAE5F38B849B}"/>
-              </a:ext>
-            </a:extLst>
-          </p:cNvPr>
-          <p:cNvSpPr>
-            <a:spLocks noGrp="1"/>
-          </p:cNvSpPr>
-          <p:nvPr>
-            <p:ph type="title"/>
-          </p:nvPr>
-        </p:nvSpPr>
-        <p:spPr/>
-        <p:txBody>
-          <a:bodyPr/>
-          <a:lstStyle/>
-          <a:p>
-            <a:r>
-              <a:rPr lang="en-US" dirty="0"/>
-              <a:t>Accessing the Parent Class</a:t>
-            </a:r>
-          </a:p>
-        </p:txBody>
-      </p:sp>
-      <p:sp>
-        <p:nvSpPr>
-          <p:cNvPr id="3" name="Content Placeholder 2">
-            <a:extLst>
-              <a:ext uri="{FF2B5EF4-FFF2-40B4-BE49-F238E27FC236}">
-                <a16:creationId xmlns:a16="http://schemas.microsoft.com/office/drawing/2014/main" id="{54A89854-9455-9742-B79E-D5E79FFA44BE}"/>
-              </a:ext>
-            </a:extLst>
-          </p:cNvPr>
-          <p:cNvSpPr>
-            <a:spLocks noGrp="1"/>
-          </p:cNvSpPr>
-          <p:nvPr>
-            <p:ph idx="1"/>
-          </p:nvPr>
-        </p:nvSpPr>
-        <p:spPr>
-          <a:xfrm>
-            <a:off x="533400" y="1066800"/>
-            <a:ext cx="10134600" cy="5257800"/>
-          </a:xfrm>
-        </p:spPr>
-        <p:txBody>
-          <a:bodyPr/>
-          <a:lstStyle/>
-          <a:p>
-            <a:r>
-              <a:rPr lang="en-US" sz="2800" dirty="0"/>
-              <a:t> </a:t>
-            </a:r>
-            <a:r>
-              <a:rPr lang="en-US" sz="2800" dirty="0">
-                <a:latin typeface="Source Code Pro" panose="020B0509030403020204" pitchFamily="49" charset="0"/>
-                <a:ea typeface="Source Code Pro" panose="020B0509030403020204" pitchFamily="49" charset="0"/>
-              </a:rPr>
-              <a:t>super()</a:t>
-            </a:r>
-            <a:r>
-              <a:rPr lang="en-US" sz="2800" dirty="0"/>
-              <a:t> </a:t>
-            </a:r>
-            <a:r>
-              <a:rPr lang="en-US" sz="2800" i="1" dirty="0"/>
-              <a:t>binds </a:t>
-            </a:r>
-            <a:r>
-              <a:rPr lang="en-US" sz="2800" dirty="0"/>
-              <a:t>methods in the parent or "superclass" to the current instance</a:t>
-            </a:r>
-          </a:p>
-          <a:p>
-            <a:pPr lvl="1"/>
-            <a:r>
-              <a:rPr lang="en-US" sz="2800" dirty="0"/>
-              <a:t> Can be called anywhere in our class</a:t>
-            </a:r>
-          </a:p>
-          <a:p>
-            <a:pPr lvl="1"/>
-            <a:r>
-              <a:rPr lang="en-US" sz="2800" dirty="0"/>
-              <a:t> Handles passing </a:t>
-            </a:r>
-            <a:r>
-              <a:rPr lang="en-US" sz="2800" dirty="0">
-                <a:latin typeface="Source Code Pro" panose="020B0509030403020204" pitchFamily="49" charset="0"/>
-                <a:ea typeface="Source Code Pro" panose="020B0509030403020204" pitchFamily="49" charset="0"/>
-              </a:rPr>
-              <a:t>self</a:t>
-            </a:r>
-            <a:r>
-              <a:rPr lang="en-US" sz="2800" dirty="0"/>
-              <a:t> to the method</a:t>
-            </a:r>
-          </a:p>
-          <a:p>
-            <a:pPr lvl="1"/>
-            <a:r>
-              <a:rPr lang="en-US" sz="2800" dirty="0"/>
-              <a:t> Handles looking up an attribute on a parent class, too.</a:t>
-            </a:r>
-          </a:p>
-          <a:p>
-            <a:r>
-              <a:rPr lang="en-US" sz="2800" dirty="0"/>
-              <a:t> We can directly call </a:t>
-            </a:r>
-            <a:r>
-              <a:rPr lang="en-US" sz="2800" dirty="0" err="1">
-                <a:latin typeface="Source Code Pro" panose="020B0509030403020204" pitchFamily="49" charset="0"/>
-                <a:ea typeface="Source Code Pro" panose="020B0509030403020204" pitchFamily="49" charset="0"/>
-              </a:rPr>
-              <a:t>ParentClass.method</a:t>
-            </a:r>
-            <a:r>
-              <a:rPr lang="en-US" sz="2800" dirty="0">
-                <a:latin typeface="Source Code Pro" panose="020B0509030403020204" pitchFamily="49" charset="0"/>
-                <a:ea typeface="Source Code Pro" panose="020B0509030403020204" pitchFamily="49" charset="0"/>
-              </a:rPr>
-              <a:t>(self, …)</a:t>
-            </a:r>
-          </a:p>
-          <a:p>
-            <a:pPr lvl="1"/>
-            <a:r>
-              <a:rPr lang="en-US" sz="2800" dirty="0">
-                <a:latin typeface="Source Code Pro" panose="020B0509030403020204" pitchFamily="49" charset="0"/>
-                <a:ea typeface="Source Code Pro" panose="020B0509030403020204" pitchFamily="49" charset="0"/>
-              </a:rPr>
-              <a:t> </a:t>
-            </a:r>
-            <a:r>
-              <a:rPr lang="en-US" sz="2800" dirty="0">
-                <a:latin typeface="FreightSans Pro Book" panose="02000606030000020004" pitchFamily="2" charset="0"/>
-                <a:ea typeface="Source Code Pro" panose="020B0509030403020204" pitchFamily="49" charset="0"/>
-              </a:rPr>
-              <a:t>This is not quite as flexible if our class structure changes.</a:t>
-            </a:r>
-            <a:endParaRPr lang="en-US" sz="2800" dirty="0"/>
-          </a:p>
-          <a:p>
-            <a:r>
-              <a:rPr lang="en-US" sz="2800" dirty="0">
-                <a:latin typeface="FreightSans Pro Medium" panose="02000606030000020004" pitchFamily="2" charset="0"/>
-              </a:rPr>
-              <a:t> In general, prefer using </a:t>
-            </a:r>
-            <a:r>
-              <a:rPr lang="en-US" sz="2800" b="1" dirty="0">
-                <a:latin typeface="FreightSans Pro Medium" panose="02000606030000020004" pitchFamily="2" charset="0"/>
-              </a:rPr>
-              <a:t>super()</a:t>
-            </a:r>
-            <a:r>
-              <a:rPr lang="en-US" sz="2800" dirty="0">
-                <a:latin typeface="FreightSans Pro Medium" panose="02000606030000020004" pitchFamily="2" charset="0"/>
-              </a:rPr>
-              <a:t>!</a:t>
-            </a:r>
-          </a:p>
-          <a:p>
-            <a:r>
-              <a:rPr lang="en-US" sz="2800" dirty="0">
-                <a:latin typeface="FreightSans Pro Medium" panose="02000606030000020004" pitchFamily="2" charset="0"/>
-              </a:rPr>
-              <a:t> Outside of C88C, things can get complex…</a:t>
-            </a:r>
-          </a:p>
-          <a:p>
-            <a:pPr lvl="1"/>
-            <a:r>
-              <a:rPr lang="en-US" sz="2800" dirty="0">
-                <a:latin typeface="FreightSans Pro Medium" panose="02000606030000020004" pitchFamily="2" charset="0"/>
-              </a:rPr>
-              <a:t> </a:t>
-            </a:r>
-            <a:r>
-              <a:rPr lang="en-US" sz="2800" dirty="0">
-                <a:latin typeface="FreightSans Pro Medium" panose="02000606030000020004" pitchFamily="2" charset="0"/>
-                <a:hlinkClick r:id="rId2"/>
-              </a:rPr>
-              <a:t>https://docs.python.org/3/library/functions.html#super</a:t>
-            </a:r>
-            <a:r>
-              <a:rPr lang="en-US" sz="2800" dirty="0">
-                <a:latin typeface="FreightSans Pro Medium" panose="02000606030000020004" pitchFamily="2" charset="0"/>
-              </a:rPr>
-              <a:t> </a:t>
-            </a:r>
-          </a:p>
-        </p:txBody>
-      </p:sp>
-    </p:spTree>
-    <p:extLst>
-      <p:ext uri="{BB962C8B-B14F-4D97-AF65-F5344CB8AC3E}">
-        <p14:creationId xmlns:p14="http://schemas.microsoft.com/office/powerpoint/2010/main" val="3962722634"/>
-      </p:ext>
-    </p:extLst>
-  </p:cSld>
-  <p:clrMapOvr>
-    <a:masterClrMapping/>
-  </p:clrMapOvr>
-</p:sld>
-</file>
-
 <file path=ppt/slides/slide25.xml><?xml version="1.0" encoding="utf-8"?>
 <p:sld xmlns:a="http://schemas.openxmlformats.org/drawingml/2006/main" xmlns:r="http://schemas.openxmlformats.org/officeDocument/2006/relationships" xmlns:p="http://schemas.openxmlformats.org/presentationml/2006/main">
   <p:cSld>
@@ -14659,12 +13964,12 @@
       </p:grpSpPr>
       <p:sp>
         <p:nvSpPr>
-          <p:cNvPr id="17411" name="Rectangle 2"/>
+          <p:cNvPr id="2" name="Title 1"/>
           <p:cNvSpPr>
-            <a:spLocks noGrp="1" noChangeArrowheads="1"/>
+            <a:spLocks noGrp="1"/>
           </p:cNvSpPr>
           <p:nvPr>
-            <p:ph type="ctrTitle"/>
+            <p:ph type="title"/>
           </p:nvPr>
         </p:nvSpPr>
         <p:spPr/>
@@ -14674,14 +13979,590 @@
           <a:p>
             <a:r>
               <a:rPr lang="en-US" dirty="0"/>
-              <a:t>Object-Oriented Programming:</a:t>
-            </a:r>
-            <a:br>
-              <a:rPr lang="en-US" dirty="0"/>
-            </a:br>
-            <a:r>
-              <a:rPr lang="en-US" dirty="0"/>
-              <a:t>Evolving The Bank Model</a:t>
+              <a:t>More special methods</a:t>
+            </a:r>
+          </a:p>
+        </p:txBody>
+      </p:sp>
+      <p:sp>
+        <p:nvSpPr>
+          <p:cNvPr id="7" name="Rectangle 6"/>
+          <p:cNvSpPr/>
+          <p:nvPr/>
+        </p:nvSpPr>
+        <p:spPr>
+          <a:xfrm>
+            <a:off x="2133600" y="1447800"/>
+            <a:ext cx="8305800" cy="4801314"/>
+          </a:xfrm>
+          <a:prstGeom prst="rect">
+            <a:avLst/>
+          </a:prstGeom>
+        </p:spPr>
+        <p:txBody>
+          <a:bodyPr wrap="square">
+            <a:spAutoFit/>
+          </a:bodyPr>
+          <a:lstStyle/>
+          <a:p>
+            <a:r>
+              <a:rPr lang="en-US" dirty="0">
+                <a:latin typeface="Source Code Pro" panose="020B0509030403020204" pitchFamily="49" charset="0"/>
+                <a:cs typeface="Courier New"/>
+              </a:rPr>
+              <a:t>class </a:t>
+            </a:r>
+            <a:r>
+              <a:rPr lang="en-US" dirty="0" err="1">
+                <a:latin typeface="Source Code Pro" panose="020B0509030403020204" pitchFamily="49" charset="0"/>
+                <a:cs typeface="Courier New"/>
+              </a:rPr>
+              <a:t>BaseAccount</a:t>
+            </a:r>
+            <a:r>
+              <a:rPr lang="en-US" dirty="0">
+                <a:latin typeface="Source Code Pro" panose="020B0509030403020204" pitchFamily="49" charset="0"/>
+                <a:cs typeface="Courier New"/>
+              </a:rPr>
+              <a:t>:</a:t>
+            </a:r>
+          </a:p>
+          <a:p>
+            <a:r>
+              <a:rPr lang="en-US" dirty="0">
+                <a:latin typeface="Source Code Pro" panose="020B0509030403020204" pitchFamily="49" charset="0"/>
+                <a:cs typeface="Courier New"/>
+              </a:rPr>
+              <a:t>	… (</a:t>
+            </a:r>
+            <a:r>
+              <a:rPr lang="en-US" dirty="0" err="1">
+                <a:latin typeface="Source Code Pro" panose="020B0509030403020204" pitchFamily="49" charset="0"/>
+                <a:cs typeface="Courier New"/>
+              </a:rPr>
+              <a:t>init</a:t>
+            </a:r>
+            <a:r>
+              <a:rPr lang="en-US" dirty="0">
+                <a:latin typeface="Source Code Pro" panose="020B0509030403020204" pitchFamily="49" charset="0"/>
+                <a:cs typeface="Courier New"/>
+              </a:rPr>
+              <a:t>, </a:t>
+            </a:r>
+            <a:r>
+              <a:rPr lang="en-US" dirty="0" err="1">
+                <a:latin typeface="Source Code Pro" panose="020B0509030403020204" pitchFamily="49" charset="0"/>
+                <a:cs typeface="Courier New"/>
+              </a:rPr>
+              <a:t>etc</a:t>
+            </a:r>
+            <a:r>
+              <a:rPr lang="en-US" dirty="0">
+                <a:latin typeface="Source Code Pro" panose="020B0509030403020204" pitchFamily="49" charset="0"/>
+                <a:cs typeface="Courier New"/>
+              </a:rPr>
+              <a:t> removed) </a:t>
+            </a:r>
+          </a:p>
+          <a:p>
+            <a:r>
+              <a:rPr lang="en-US" dirty="0">
+                <a:latin typeface="Source Code Pro" panose="020B0509030403020204" pitchFamily="49" charset="0"/>
+                <a:cs typeface="Courier New"/>
+              </a:rPr>
+              <a:t>    </a:t>
+            </a:r>
+            <a:r>
+              <a:rPr lang="en-US" dirty="0" err="1">
+                <a:latin typeface="Source Code Pro" panose="020B0509030403020204" pitchFamily="49" charset="0"/>
+                <a:cs typeface="Courier New"/>
+              </a:rPr>
+              <a:t>def</a:t>
+            </a:r>
+            <a:r>
+              <a:rPr lang="en-US" dirty="0">
+                <a:latin typeface="Source Code Pro" panose="020B0509030403020204" pitchFamily="49" charset="0"/>
+                <a:cs typeface="Courier New"/>
+              </a:rPr>
+              <a:t> deposit(self, amount):</a:t>
+            </a:r>
+          </a:p>
+          <a:p>
+            <a:r>
+              <a:rPr lang="en-US" dirty="0">
+                <a:latin typeface="Source Code Pro" panose="020B0509030403020204" pitchFamily="49" charset="0"/>
+                <a:cs typeface="Courier New"/>
+              </a:rPr>
+              <a:t>        </a:t>
+            </a:r>
+            <a:r>
+              <a:rPr lang="en-US" dirty="0" err="1">
+                <a:latin typeface="Source Code Pro" panose="020B0509030403020204" pitchFamily="49" charset="0"/>
+                <a:cs typeface="Courier New"/>
+              </a:rPr>
+              <a:t>self._balance</a:t>
+            </a:r>
+            <a:r>
+              <a:rPr lang="en-US" dirty="0">
+                <a:latin typeface="Source Code Pro" panose="020B0509030403020204" pitchFamily="49" charset="0"/>
+                <a:cs typeface="Courier New"/>
+              </a:rPr>
+              <a:t> += amount</a:t>
+            </a:r>
+          </a:p>
+          <a:p>
+            <a:r>
+              <a:rPr lang="en-US" dirty="0">
+                <a:latin typeface="Source Code Pro" panose="020B0509030403020204" pitchFamily="49" charset="0"/>
+                <a:cs typeface="Courier New"/>
+              </a:rPr>
+              <a:t>        return </a:t>
+            </a:r>
+            <a:r>
+              <a:rPr lang="en-US" dirty="0" err="1">
+                <a:latin typeface="Source Code Pro" panose="020B0509030403020204" pitchFamily="49" charset="0"/>
+                <a:cs typeface="Courier New"/>
+              </a:rPr>
+              <a:t>self._balance</a:t>
+            </a:r>
+            <a:endParaRPr lang="en-US" dirty="0">
+              <a:latin typeface="Source Code Pro" panose="020B0509030403020204" pitchFamily="49" charset="0"/>
+              <a:cs typeface="Courier New"/>
+            </a:endParaRPr>
+          </a:p>
+          <a:p>
+            <a:endParaRPr lang="en-US" dirty="0">
+              <a:latin typeface="Source Code Pro" panose="020B0509030403020204" pitchFamily="49" charset="0"/>
+              <a:cs typeface="Courier New"/>
+            </a:endParaRPr>
+          </a:p>
+          <a:p>
+            <a:r>
+              <a:rPr lang="en-US" dirty="0">
+                <a:latin typeface="Source Code Pro" panose="020B0509030403020204" pitchFamily="49" charset="0"/>
+                <a:cs typeface="Courier New"/>
+              </a:rPr>
+              <a:t>    </a:t>
+            </a:r>
+            <a:r>
+              <a:rPr lang="en-US" dirty="0" err="1">
+                <a:latin typeface="Source Code Pro" panose="020B0509030403020204" pitchFamily="49" charset="0"/>
+                <a:cs typeface="Courier New"/>
+              </a:rPr>
+              <a:t>def</a:t>
+            </a:r>
+            <a:r>
+              <a:rPr lang="en-US" dirty="0">
+                <a:latin typeface="Source Code Pro" panose="020B0509030403020204" pitchFamily="49" charset="0"/>
+                <a:cs typeface="Courier New"/>
+              </a:rPr>
+              <a:t> </a:t>
+            </a:r>
+            <a:r>
+              <a:rPr lang="en-US" dirty="0">
+                <a:solidFill>
+                  <a:srgbClr val="0000FF"/>
+                </a:solidFill>
+                <a:latin typeface="Source Code Pro" panose="020B0509030403020204" pitchFamily="49" charset="0"/>
+                <a:cs typeface="Courier New"/>
+              </a:rPr>
+              <a:t>__</a:t>
+            </a:r>
+            <a:r>
+              <a:rPr lang="en-US" dirty="0" err="1">
+                <a:solidFill>
+                  <a:srgbClr val="0000FF"/>
+                </a:solidFill>
+                <a:latin typeface="Source Code Pro" panose="020B0509030403020204" pitchFamily="49" charset="0"/>
+                <a:cs typeface="Courier New"/>
+              </a:rPr>
+              <a:t>repr</a:t>
+            </a:r>
+            <a:r>
+              <a:rPr lang="en-US" dirty="0">
+                <a:solidFill>
+                  <a:srgbClr val="0000FF"/>
+                </a:solidFill>
+                <a:latin typeface="Source Code Pro" panose="020B0509030403020204" pitchFamily="49" charset="0"/>
+                <a:cs typeface="Courier New"/>
+              </a:rPr>
+              <a:t>__</a:t>
+            </a:r>
+            <a:r>
+              <a:rPr lang="en-US" dirty="0">
+                <a:latin typeface="Source Code Pro" panose="020B0509030403020204" pitchFamily="49" charset="0"/>
+                <a:cs typeface="Courier New"/>
+              </a:rPr>
+              <a:t>(self):</a:t>
+            </a:r>
+          </a:p>
+          <a:p>
+            <a:r>
+              <a:rPr lang="en-US" dirty="0">
+                <a:latin typeface="Source Code Pro" panose="020B0509030403020204" pitchFamily="49" charset="0"/>
+                <a:cs typeface="Courier New"/>
+              </a:rPr>
+              <a:t>        return '&lt; ' + </a:t>
+            </a:r>
+            <a:r>
+              <a:rPr lang="en-US" dirty="0" err="1">
+                <a:latin typeface="Source Code Pro" panose="020B0509030403020204" pitchFamily="49" charset="0"/>
+                <a:cs typeface="Courier New"/>
+              </a:rPr>
+              <a:t>str</a:t>
+            </a:r>
+            <a:r>
+              <a:rPr lang="en-US" dirty="0">
+                <a:latin typeface="Source Code Pro" panose="020B0509030403020204" pitchFamily="49" charset="0"/>
+                <a:cs typeface="Courier New"/>
+              </a:rPr>
+              <a:t>(self._</a:t>
+            </a:r>
+            <a:r>
+              <a:rPr lang="en-US" dirty="0" err="1">
+                <a:latin typeface="Source Code Pro" panose="020B0509030403020204" pitchFamily="49" charset="0"/>
+                <a:cs typeface="Courier New"/>
+              </a:rPr>
+              <a:t>acct_no</a:t>
+            </a:r>
+            <a:r>
+              <a:rPr lang="en-US" dirty="0">
+                <a:latin typeface="Source Code Pro" panose="020B0509030403020204" pitchFamily="49" charset="0"/>
+                <a:cs typeface="Courier New"/>
+              </a:rPr>
+              <a:t>) + </a:t>
+            </a:r>
+          </a:p>
+          <a:p>
+            <a:r>
+              <a:rPr lang="en-US" dirty="0">
+                <a:latin typeface="Source Code Pro" panose="020B0509030403020204" pitchFamily="49" charset="0"/>
+                <a:cs typeface="Courier New"/>
+              </a:rPr>
+              <a:t>               '[' + </a:t>
+            </a:r>
+            <a:r>
+              <a:rPr lang="en-US" dirty="0" err="1">
+                <a:latin typeface="Source Code Pro" panose="020B0509030403020204" pitchFamily="49" charset="0"/>
+                <a:cs typeface="Courier New"/>
+              </a:rPr>
+              <a:t>str</a:t>
+            </a:r>
+            <a:r>
+              <a:rPr lang="en-US" dirty="0">
+                <a:latin typeface="Source Code Pro" panose="020B0509030403020204" pitchFamily="49" charset="0"/>
+                <a:cs typeface="Courier New"/>
+              </a:rPr>
+              <a:t>(</a:t>
+            </a:r>
+            <a:r>
+              <a:rPr lang="en-US" dirty="0" err="1">
+                <a:latin typeface="Source Code Pro" panose="020B0509030403020204" pitchFamily="49" charset="0"/>
+                <a:cs typeface="Courier New"/>
+              </a:rPr>
+              <a:t>self._name</a:t>
+            </a:r>
+            <a:r>
+              <a:rPr lang="en-US" dirty="0">
+                <a:latin typeface="Source Code Pro" panose="020B0509030403020204" pitchFamily="49" charset="0"/>
+                <a:cs typeface="Courier New"/>
+              </a:rPr>
+              <a:t>) + '] &gt;'</a:t>
+            </a:r>
+          </a:p>
+          <a:p>
+            <a:r>
+              <a:rPr lang="en-US" dirty="0">
+                <a:latin typeface="Source Code Pro" panose="020B0509030403020204" pitchFamily="49" charset="0"/>
+                <a:cs typeface="Courier New"/>
+              </a:rPr>
+              <a:t>    </a:t>
+            </a:r>
+          </a:p>
+          <a:p>
+            <a:r>
+              <a:rPr lang="en-US" dirty="0">
+                <a:latin typeface="Source Code Pro" panose="020B0509030403020204" pitchFamily="49" charset="0"/>
+                <a:cs typeface="Courier New"/>
+              </a:rPr>
+              <a:t>    </a:t>
+            </a:r>
+            <a:r>
+              <a:rPr lang="en-US" dirty="0" err="1">
+                <a:latin typeface="Source Code Pro" panose="020B0509030403020204" pitchFamily="49" charset="0"/>
+                <a:cs typeface="Courier New"/>
+              </a:rPr>
+              <a:t>def</a:t>
+            </a:r>
+            <a:r>
+              <a:rPr lang="en-US" dirty="0">
+                <a:latin typeface="Source Code Pro" panose="020B0509030403020204" pitchFamily="49" charset="0"/>
+                <a:cs typeface="Courier New"/>
+              </a:rPr>
+              <a:t> </a:t>
+            </a:r>
+            <a:r>
+              <a:rPr lang="en-US" dirty="0">
+                <a:solidFill>
+                  <a:srgbClr val="0000FF"/>
+                </a:solidFill>
+                <a:latin typeface="Source Code Pro" panose="020B0509030403020204" pitchFamily="49" charset="0"/>
+                <a:cs typeface="Courier New"/>
+              </a:rPr>
+              <a:t>__</a:t>
+            </a:r>
+            <a:r>
+              <a:rPr lang="en-US" dirty="0" err="1">
+                <a:solidFill>
+                  <a:srgbClr val="0000FF"/>
+                </a:solidFill>
+                <a:latin typeface="Source Code Pro" panose="020B0509030403020204" pitchFamily="49" charset="0"/>
+                <a:cs typeface="Courier New"/>
+              </a:rPr>
+              <a:t>str</a:t>
+            </a:r>
+            <a:r>
+              <a:rPr lang="en-US" dirty="0">
+                <a:solidFill>
+                  <a:srgbClr val="0000FF"/>
+                </a:solidFill>
+                <a:latin typeface="Source Code Pro" panose="020B0509030403020204" pitchFamily="49" charset="0"/>
+                <a:cs typeface="Courier New"/>
+              </a:rPr>
+              <a:t>__</a:t>
+            </a:r>
+            <a:r>
+              <a:rPr lang="en-US" dirty="0">
+                <a:latin typeface="Source Code Pro" panose="020B0509030403020204" pitchFamily="49" charset="0"/>
+                <a:cs typeface="Courier New"/>
+              </a:rPr>
+              <a:t>(self):</a:t>
+            </a:r>
+          </a:p>
+          <a:p>
+            <a:r>
+              <a:rPr lang="en-US" dirty="0">
+                <a:latin typeface="Source Code Pro" panose="020B0509030403020204" pitchFamily="49" charset="0"/>
+                <a:cs typeface="Courier New"/>
+              </a:rPr>
+              <a:t>        return 'Account: ' + </a:t>
+            </a:r>
+            <a:r>
+              <a:rPr lang="en-US" dirty="0" err="1">
+                <a:latin typeface="Source Code Pro" panose="020B0509030403020204" pitchFamily="49" charset="0"/>
+                <a:cs typeface="Courier New"/>
+              </a:rPr>
+              <a:t>str</a:t>
+            </a:r>
+            <a:r>
+              <a:rPr lang="en-US" dirty="0">
+                <a:latin typeface="Source Code Pro" panose="020B0509030403020204" pitchFamily="49" charset="0"/>
+                <a:cs typeface="Courier New"/>
+              </a:rPr>
+              <a:t>(self._</a:t>
+            </a:r>
+            <a:r>
+              <a:rPr lang="en-US" dirty="0" err="1">
+                <a:latin typeface="Source Code Pro" panose="020B0509030403020204" pitchFamily="49" charset="0"/>
+                <a:cs typeface="Courier New"/>
+              </a:rPr>
+              <a:t>acct_no</a:t>
+            </a:r>
+            <a:r>
+              <a:rPr lang="en-US" dirty="0">
+                <a:latin typeface="Source Code Pro" panose="020B0509030403020204" pitchFamily="49" charset="0"/>
+                <a:cs typeface="Courier New"/>
+              </a:rPr>
+              <a:t>) + </a:t>
+            </a:r>
+          </a:p>
+          <a:p>
+            <a:r>
+              <a:rPr lang="en-US" dirty="0">
+                <a:latin typeface="Source Code Pro" panose="020B0509030403020204" pitchFamily="49" charset="0"/>
+                <a:cs typeface="Courier New"/>
+              </a:rPr>
+              <a:t>               '[' + </a:t>
+            </a:r>
+            <a:r>
+              <a:rPr lang="en-US" dirty="0" err="1">
+                <a:latin typeface="Source Code Pro" panose="020B0509030403020204" pitchFamily="49" charset="0"/>
+                <a:cs typeface="Courier New"/>
+              </a:rPr>
+              <a:t>str</a:t>
+            </a:r>
+            <a:r>
+              <a:rPr lang="en-US" dirty="0">
+                <a:latin typeface="Source Code Pro" panose="020B0509030403020204" pitchFamily="49" charset="0"/>
+                <a:cs typeface="Courier New"/>
+              </a:rPr>
+              <a:t>(</a:t>
+            </a:r>
+            <a:r>
+              <a:rPr lang="en-US" dirty="0" err="1">
+                <a:latin typeface="Source Code Pro" panose="020B0509030403020204" pitchFamily="49" charset="0"/>
+                <a:cs typeface="Courier New"/>
+              </a:rPr>
+              <a:t>self._name</a:t>
+            </a:r>
+            <a:r>
+              <a:rPr lang="en-US" dirty="0">
+                <a:latin typeface="Source Code Pro" panose="020B0509030403020204" pitchFamily="49" charset="0"/>
+                <a:cs typeface="Courier New"/>
+              </a:rPr>
+              <a:t>) + ']'</a:t>
+            </a:r>
+          </a:p>
+          <a:p>
+            <a:r>
+              <a:rPr lang="en-US" dirty="0">
+                <a:latin typeface="Source Code Pro" panose="020B0509030403020204" pitchFamily="49" charset="0"/>
+                <a:cs typeface="Courier New"/>
+              </a:rPr>
+              <a:t>    </a:t>
+            </a:r>
+          </a:p>
+          <a:p>
+            <a:r>
+              <a:rPr lang="en-US" dirty="0">
+                <a:latin typeface="Source Code Pro" panose="020B0509030403020204" pitchFamily="49" charset="0"/>
+                <a:cs typeface="Courier New"/>
+              </a:rPr>
+              <a:t>    </a:t>
+            </a:r>
+            <a:r>
+              <a:rPr lang="en-US" dirty="0" err="1">
+                <a:latin typeface="Source Code Pro" panose="020B0509030403020204" pitchFamily="49" charset="0"/>
+                <a:cs typeface="Courier New"/>
+              </a:rPr>
+              <a:t>def</a:t>
+            </a:r>
+            <a:r>
+              <a:rPr lang="en-US" dirty="0">
+                <a:latin typeface="Source Code Pro" panose="020B0509030403020204" pitchFamily="49" charset="0"/>
+                <a:cs typeface="Courier New"/>
+              </a:rPr>
+              <a:t> </a:t>
+            </a:r>
+            <a:r>
+              <a:rPr lang="en-US" dirty="0" err="1">
+                <a:latin typeface="Source Code Pro" panose="020B0509030403020204" pitchFamily="49" charset="0"/>
+                <a:cs typeface="Courier New"/>
+              </a:rPr>
+              <a:t>show_accounts</a:t>
+            </a:r>
+            <a:r>
+              <a:rPr lang="en-US" dirty="0">
+                <a:latin typeface="Source Code Pro" panose="020B0509030403020204" pitchFamily="49" charset="0"/>
+                <a:cs typeface="Courier New"/>
+              </a:rPr>
+              <a:t>():</a:t>
+            </a:r>
+          </a:p>
+          <a:p>
+            <a:r>
+              <a:rPr lang="en-US" dirty="0">
+                <a:latin typeface="Source Code Pro" panose="020B0509030403020204" pitchFamily="49" charset="0"/>
+                <a:cs typeface="Courier New"/>
+              </a:rPr>
+              <a:t>        for account in </a:t>
+            </a:r>
+            <a:r>
+              <a:rPr lang="en-US" dirty="0" err="1">
+                <a:latin typeface="Source Code Pro" panose="020B0509030403020204" pitchFamily="49" charset="0"/>
+                <a:cs typeface="Courier New"/>
+              </a:rPr>
+              <a:t>BaseAccount.accounts</a:t>
+            </a:r>
+            <a:r>
+              <a:rPr lang="en-US" dirty="0">
+                <a:latin typeface="Source Code Pro" panose="020B0509030403020204" pitchFamily="49" charset="0"/>
+                <a:cs typeface="Courier New"/>
+              </a:rPr>
+              <a:t>:</a:t>
+            </a:r>
+          </a:p>
+          <a:p>
+            <a:r>
+              <a:rPr lang="en-US" dirty="0">
+                <a:latin typeface="Source Code Pro" panose="020B0509030403020204" pitchFamily="49" charset="0"/>
+                <a:cs typeface="Courier New"/>
+              </a:rPr>
+              <a:t>            print(account)</a:t>
+            </a:r>
+          </a:p>
+        </p:txBody>
+      </p:sp>
+      <p:sp>
+        <p:nvSpPr>
+          <p:cNvPr id="12" name="TextBox 11"/>
+          <p:cNvSpPr txBox="1"/>
+          <p:nvPr/>
+        </p:nvSpPr>
+        <p:spPr>
+          <a:xfrm>
+            <a:off x="5638800" y="4114800"/>
+            <a:ext cx="1480790" cy="369332"/>
+          </a:xfrm>
+          <a:prstGeom prst="rect">
+            <a:avLst/>
+          </a:prstGeom>
+          <a:noFill/>
+        </p:spPr>
+        <p:txBody>
+          <a:bodyPr wrap="none" rtlCol="0">
+            <a:spAutoFit/>
+          </a:bodyPr>
+          <a:lstStyle/>
+          <a:p>
+            <a:r>
+              <a:rPr lang="en-US" dirty="0">
+                <a:solidFill>
+                  <a:srgbClr val="0000FF"/>
+                </a:solidFill>
+                <a:latin typeface="FreightSans Pro Book" panose="02000606030000020004" pitchFamily="2" charset="0"/>
+              </a:rPr>
+              <a:t>Goal: readable</a:t>
+            </a:r>
+          </a:p>
+        </p:txBody>
+      </p:sp>
+      <p:sp>
+        <p:nvSpPr>
+          <p:cNvPr id="14" name="TextBox 13">
+            <a:extLst>
+              <a:ext uri="{FF2B5EF4-FFF2-40B4-BE49-F238E27FC236}">
+                <a16:creationId xmlns:a16="http://schemas.microsoft.com/office/drawing/2014/main" id="{4E3D71D0-07DE-EA4E-8BA5-E43BC0CA776F}"/>
+              </a:ext>
+            </a:extLst>
+          </p:cNvPr>
+          <p:cNvSpPr txBox="1"/>
+          <p:nvPr/>
+        </p:nvSpPr>
+        <p:spPr>
+          <a:xfrm>
+            <a:off x="6908863" y="2971800"/>
+            <a:ext cx="1930337" cy="369332"/>
+          </a:xfrm>
+          <a:prstGeom prst="rect">
+            <a:avLst/>
+          </a:prstGeom>
+          <a:noFill/>
+        </p:spPr>
+        <p:txBody>
+          <a:bodyPr wrap="none" rtlCol="0">
+            <a:spAutoFit/>
+          </a:bodyPr>
+          <a:lstStyle/>
+          <a:p>
+            <a:r>
+              <a:rPr lang="en-US" dirty="0">
+                <a:solidFill>
+                  <a:srgbClr val="0000FF"/>
+                </a:solidFill>
+                <a:latin typeface="FreightSans Pro Book" panose="02000606030000020004" pitchFamily="2" charset="0"/>
+              </a:rPr>
+              <a:t>Goal: unambiguous</a:t>
             </a:r>
           </a:p>
         </p:txBody>
@@ -14689,21 +14570,13 @@
     </p:spTree>
     <p:extLst>
       <p:ext uri="{BB962C8B-B14F-4D97-AF65-F5344CB8AC3E}">
-        <p14:creationId xmlns:p14="http://schemas.microsoft.com/office/powerpoint/2010/main" val="130552618"/>
+        <p14:creationId xmlns:p14="http://schemas.microsoft.com/office/powerpoint/2010/main" val="4181011368"/>
       </p:ext>
     </p:extLst>
   </p:cSld>
   <p:clrMapOvr>
     <a:masterClrMapping/>
   </p:clrMapOvr>
-  <mc:AlternateContent xmlns:mc="http://schemas.openxmlformats.org/markup-compatibility/2006" xmlns:p14="http://schemas.microsoft.com/office/powerpoint/2010/main">
-    <mc:Choice Requires="p14">
-      <p:transition spd="slow" p14:dur="2000" advTm="109658"/>
-    </mc:Choice>
-    <mc:Fallback xmlns="">
-      <p:transition xmlns:p14="http://schemas.microsoft.com/office/powerpoint/2010/main" spd="slow" advTm="109658"/>
-    </mc:Fallback>
-  </mc:AlternateContent>
 </p:sld>
 </file>
 
@@ -14726,7 +14599,13 @@
       </p:grpSpPr>
       <p:sp>
         <p:nvSpPr>
-          <p:cNvPr id="2" name="Title 1"/>
+          <p:cNvPr id="2" name="Title 1">
+            <a:extLst>
+              <a:ext uri="{FF2B5EF4-FFF2-40B4-BE49-F238E27FC236}">
+                <a16:creationId xmlns:a16="http://schemas.microsoft.com/office/drawing/2014/main" id="{5CC54221-AB87-1742-B0F3-04597FF2E297}"/>
+              </a:ext>
+            </a:extLst>
+          </p:cNvPr>
           <p:cNvSpPr>
             <a:spLocks noGrp="1"/>
           </p:cNvSpPr>
@@ -14741,14 +14620,20 @@
           <a:p>
             <a:r>
               <a:rPr lang="en-US" dirty="0"/>
-              <a:t>Composing Classes Together</a:t>
-            </a:r>
-          </a:p>
-        </p:txBody>
-      </p:sp>
-      <p:sp>
-        <p:nvSpPr>
-          <p:cNvPr id="3" name="Content Placeholder 2"/>
+              <a:t>More Magic Methods</a:t>
+            </a:r>
+          </a:p>
+        </p:txBody>
+      </p:sp>
+      <p:sp>
+        <p:nvSpPr>
+          <p:cNvPr id="3" name="Content Placeholder 2">
+            <a:extLst>
+              <a:ext uri="{FF2B5EF4-FFF2-40B4-BE49-F238E27FC236}">
+                <a16:creationId xmlns:a16="http://schemas.microsoft.com/office/drawing/2014/main" id="{4A768C81-1ED4-5C45-B2D8-D738DB1323E7}"/>
+              </a:ext>
+            </a:extLst>
+          </p:cNvPr>
           <p:cNvSpPr>
             <a:spLocks noGrp="1"/>
           </p:cNvSpPr>
@@ -14756,116 +14641,231 @@
             <p:ph idx="1"/>
           </p:nvPr>
         </p:nvSpPr>
-        <p:spPr>
-          <a:xfrm>
-            <a:off x="457200" y="1295400"/>
-            <a:ext cx="9372600" cy="5029200"/>
-          </a:xfrm>
-        </p:spPr>
+        <p:spPr/>
         <p:txBody>
           <a:bodyPr/>
           <a:lstStyle/>
           <a:p>
             <a:r>
-              <a:rPr lang="en-US" dirty="0"/>
-              <a:t> Currently, our </a:t>
-            </a:r>
-            <a:r>
-              <a:rPr lang="en-US" dirty="0" err="1">
-                <a:latin typeface="Source Code Pro" panose="020B0309030403020204" pitchFamily="34" charset="0"/>
-                <a:ea typeface="Source Code Pro" panose="020B0309030403020204" pitchFamily="34" charset="0"/>
-              </a:rPr>
-              <a:t>BaseAccount</a:t>
-            </a:r>
-            <a:r>
-              <a:rPr lang="en-US" dirty="0"/>
-              <a:t> stores a lot of data in class attributes…</a:t>
-            </a:r>
-          </a:p>
-          <a:p>
-            <a:r>
-              <a:rPr lang="en-US" dirty="0"/>
-              <a:t> This suggests we are trying to accomplish an entirely new kind of class, or object</a:t>
+              <a:rPr lang="en-US" sz="2800" dirty="0"/>
+              <a:t>We will </a:t>
+            </a:r>
+            <a:r>
+              <a:rPr lang="en-US" sz="2800" b="1" dirty="0"/>
+              <a:t>not</a:t>
+            </a:r>
+            <a:r>
+              <a:rPr lang="en-US" sz="2800" dirty="0"/>
+              <a:t> go through an exhaustive list!</a:t>
+            </a:r>
+          </a:p>
+          <a:p>
+            <a:r>
+              <a:rPr lang="en-US" sz="2800" dirty="0"/>
+              <a:t> Magic Methods start and end with "double underscores" </a:t>
+            </a:r>
+            <a:r>
+              <a:rPr lang="en-US" sz="2800" dirty="0">
+                <a:latin typeface="Source Code Pro" panose="020B0509030403020204" pitchFamily="49" charset="0"/>
+                <a:ea typeface="Source Code Pro" panose="020B0509030403020204" pitchFamily="49" charset="0"/>
+              </a:rPr>
+              <a:t>__</a:t>
+            </a:r>
+          </a:p>
+          <a:p>
+            <a:r>
+              <a:rPr lang="en-US" sz="2800" dirty="0"/>
+              <a:t>They map to built-in functionality in Python. Many are logical names:</a:t>
             </a:r>
           </a:p>
           <a:p>
             <a:pPr lvl="1"/>
             <a:r>
-              <a:rPr lang="en-US" dirty="0"/>
-              <a:t> A Bank!</a:t>
-            </a:r>
-          </a:p>
-          <a:p>
-            <a:r>
-              <a:rPr lang="en-US" dirty="0"/>
-              <a:t> We should extract that these functions into their own class</a:t>
-            </a:r>
-          </a:p>
-          <a:p>
-            <a:r>
-              <a:rPr lang="en-US" dirty="0"/>
-              <a:t> A bank can now manage:</a:t>
+              <a:rPr lang="en-US" sz="2800" dirty="0"/>
+              <a:t> </a:t>
+            </a:r>
+            <a:r>
+              <a:rPr lang="en-US" sz="2800" dirty="0">
+                <a:latin typeface="Source Code Pro" panose="020B0509030403020204" pitchFamily="49" charset="77"/>
+              </a:rPr>
+              <a:t>__</a:t>
+            </a:r>
+            <a:r>
+              <a:rPr lang="en-US" sz="2800" dirty="0" err="1">
+                <a:latin typeface="Source Code Pro" panose="020B0509030403020204" pitchFamily="49" charset="77"/>
+              </a:rPr>
+              <a:t>init</a:t>
+            </a:r>
+            <a:r>
+              <a:rPr lang="en-US" sz="2800" dirty="0">
+                <a:latin typeface="Source Code Pro" panose="020B0509030403020204" pitchFamily="49" charset="77"/>
+              </a:rPr>
+              <a:t>__ → </a:t>
+            </a:r>
+            <a:r>
+              <a:rPr lang="en-US" sz="2800" dirty="0"/>
+              <a:t>Class Constructor</a:t>
             </a:r>
           </a:p>
           <a:p>
             <a:pPr lvl="1"/>
             <a:r>
-              <a:rPr lang="en-US" dirty="0"/>
-              <a:t> making accounts</a:t>
+              <a:rPr lang="en-US" sz="2800" dirty="0"/>
+              <a:t> </a:t>
+            </a:r>
+            <a:r>
+              <a:rPr lang="en-US" sz="2800" dirty="0">
+                <a:latin typeface="Source Code Pro" panose="020B0509030403020204" pitchFamily="49" charset="0"/>
+                <a:ea typeface="Source Code Pro" panose="020B0509030403020204" pitchFamily="49" charset="0"/>
+              </a:rPr>
+              <a:t>__add__ →</a:t>
+            </a:r>
+            <a:r>
+              <a:rPr lang="en-US" sz="2800" dirty="0"/>
+              <a:t> </a:t>
+            </a:r>
+            <a:r>
+              <a:rPr lang="en-US" sz="2800" dirty="0">
+                <a:latin typeface="Source Code Pro" panose="020B0509030403020204" pitchFamily="49" charset="0"/>
+                <a:ea typeface="Source Code Pro" panose="020B0509030403020204" pitchFamily="49" charset="0"/>
+              </a:rPr>
+              <a:t>+</a:t>
+            </a:r>
+            <a:r>
+              <a:rPr lang="en-US" sz="2800" dirty="0"/>
+              <a:t> operator</a:t>
             </a:r>
           </a:p>
           <a:p>
             <a:pPr lvl="1"/>
             <a:r>
-              <a:rPr lang="en-US" dirty="0"/>
-              <a:t> keeping track of account numbers</a:t>
+              <a:rPr lang="en-US" sz="2800" dirty="0"/>
+              <a:t> </a:t>
+            </a:r>
+            <a:r>
+              <a:rPr lang="en-US" sz="2800" dirty="0">
+                <a:latin typeface="Source Code Pro" panose="020B0509030403020204" pitchFamily="49" charset="0"/>
+                <a:ea typeface="Source Code Pro" panose="020B0509030403020204" pitchFamily="49" charset="0"/>
+              </a:rPr>
+              <a:t>__sub__ →</a:t>
+            </a:r>
+            <a:r>
+              <a:rPr lang="en-US" sz="2800" dirty="0"/>
+              <a:t> </a:t>
+            </a:r>
+            <a:r>
+              <a:rPr lang="en-US" sz="2800" dirty="0">
+                <a:latin typeface="Source Code Pro" panose="020B0509030403020204" pitchFamily="49" charset="0"/>
+                <a:ea typeface="Source Code Pro" panose="020B0509030403020204" pitchFamily="49" charset="0"/>
+              </a:rPr>
+              <a:t>-</a:t>
+            </a:r>
+            <a:r>
+              <a:rPr lang="en-US" sz="2800" dirty="0"/>
+              <a:t> operator</a:t>
             </a:r>
           </a:p>
           <a:p>
             <a:pPr lvl="1"/>
             <a:r>
-              <a:rPr lang="en-US" dirty="0"/>
-              <a:t> showing and listing accounts</a:t>
-            </a:r>
-          </a:p>
-        </p:txBody>
-      </p:sp>
-      <p:sp>
-        <p:nvSpPr>
-          <p:cNvPr id="4" name="TextBox 3">
-            <a:extLst>
-              <a:ext uri="{FF2B5EF4-FFF2-40B4-BE49-F238E27FC236}">
-                <a16:creationId xmlns:a16="http://schemas.microsoft.com/office/drawing/2014/main" id="{AE085B66-6C8E-EDC4-1143-301F5A673B31}"/>
-              </a:ext>
-            </a:extLst>
-          </p:cNvPr>
-          <p:cNvSpPr txBox="1"/>
-          <p:nvPr/>
-        </p:nvSpPr>
-        <p:spPr>
-          <a:xfrm>
-            <a:off x="2945423" y="606669"/>
-            <a:ext cx="184731" cy="369332"/>
-          </a:xfrm>
-          <a:prstGeom prst="rect">
-            <a:avLst/>
-          </a:prstGeom>
-          <a:noFill/>
-        </p:spPr>
-        <p:txBody>
-          <a:bodyPr wrap="none" rtlCol="0">
-            <a:spAutoFit/>
-          </a:bodyPr>
-          <a:lstStyle/>
-          <a:p>
-            <a:endParaRPr lang="en-US" dirty="0"/>
+              <a:rPr lang="en-US" sz="2800" dirty="0"/>
+              <a:t> </a:t>
+            </a:r>
+            <a:r>
+              <a:rPr lang="en-US" sz="2800" dirty="0">
+                <a:latin typeface="Source Code Pro" panose="020B0509030403020204" pitchFamily="49" charset="0"/>
+                <a:ea typeface="Source Code Pro" panose="020B0509030403020204" pitchFamily="49" charset="0"/>
+              </a:rPr>
+              <a:t>__</a:t>
+            </a:r>
+            <a:r>
+              <a:rPr lang="en-US" sz="2800" dirty="0" err="1">
+                <a:latin typeface="Source Code Pro" panose="020B0509030403020204" pitchFamily="49" charset="0"/>
+                <a:ea typeface="Source Code Pro" panose="020B0509030403020204" pitchFamily="49" charset="0"/>
+              </a:rPr>
+              <a:t>getitem</a:t>
+            </a:r>
+            <a:r>
+              <a:rPr lang="en-US" sz="2800" dirty="0">
+                <a:latin typeface="Source Code Pro" panose="020B0509030403020204" pitchFamily="49" charset="0"/>
+                <a:ea typeface="Source Code Pro" panose="020B0509030403020204" pitchFamily="49" charset="0"/>
+              </a:rPr>
+              <a:t>__ →</a:t>
+            </a:r>
+            <a:r>
+              <a:rPr lang="en-US" sz="2800" dirty="0"/>
+              <a:t> </a:t>
+            </a:r>
+            <a:r>
+              <a:rPr lang="en-US" sz="2800" dirty="0">
+                <a:latin typeface="Source Code Pro" panose="020B0509030403020204" pitchFamily="49" charset="0"/>
+                <a:ea typeface="Source Code Pro" panose="020B0509030403020204" pitchFamily="49" charset="0"/>
+              </a:rPr>
+              <a:t>[]</a:t>
+            </a:r>
+            <a:r>
+              <a:rPr lang="en-US" sz="2800" dirty="0"/>
+              <a:t> operator</a:t>
+            </a:r>
+          </a:p>
+          <a:p>
+            <a:pPr lvl="1"/>
+            <a:r>
+              <a:rPr lang="en-US" sz="2800" dirty="0"/>
+              <a:t> </a:t>
+            </a:r>
+            <a:r>
+              <a:rPr lang="en-US" sz="2800" dirty="0">
+                <a:latin typeface="Source Code Pro" panose="020B0509030403020204" pitchFamily="49" charset="77"/>
+              </a:rPr>
+              <a:t>__</a:t>
+            </a:r>
+            <a:r>
+              <a:rPr lang="en-US" sz="2800" dirty="0" err="1">
+                <a:latin typeface="Source Code Pro" panose="020B0509030403020204" pitchFamily="49" charset="77"/>
+              </a:rPr>
+              <a:t>repr</a:t>
+            </a:r>
+            <a:r>
+              <a:rPr lang="en-US" sz="2800" dirty="0">
+                <a:latin typeface="Source Code Pro" panose="020B0509030403020204" pitchFamily="49" charset="77"/>
+              </a:rPr>
+              <a:t>__ and __str__  → </a:t>
+            </a:r>
+            <a:r>
+              <a:rPr lang="en-US" sz="2800" dirty="0"/>
+              <a:t> control output</a:t>
+            </a:r>
+          </a:p>
+          <a:p>
+            <a:r>
+              <a:rPr lang="en-US" sz="2800" dirty="0"/>
+              <a:t> A longer list for the curious:</a:t>
+            </a:r>
+          </a:p>
+          <a:p>
+            <a:pPr lvl="1"/>
+            <a:r>
+              <a:rPr lang="en-US" sz="2800" dirty="0"/>
+              <a:t> </a:t>
+            </a:r>
+            <a:r>
+              <a:rPr lang="en-US" sz="2800" dirty="0">
+                <a:hlinkClick r:id="rId2"/>
+              </a:rPr>
+              <a:t>https://docs.python.org/3/reference/datamodel.html</a:t>
+            </a:r>
+            <a:r>
+              <a:rPr lang="en-US" sz="2800" dirty="0"/>
+              <a:t> </a:t>
+            </a:r>
           </a:p>
         </p:txBody>
       </p:sp>
     </p:spTree>
     <p:extLst>
       <p:ext uri="{BB962C8B-B14F-4D97-AF65-F5344CB8AC3E}">
-        <p14:creationId xmlns:p14="http://schemas.microsoft.com/office/powerpoint/2010/main" val="4135719838"/>
+        <p14:creationId xmlns:p14="http://schemas.microsoft.com/office/powerpoint/2010/main" val="288930881"/>
       </p:ext>
     </p:extLst>
   </p:cSld>
@@ -14897,7 +14897,7 @@
           <p:cNvPr id="2" name="Title 1">
             <a:extLst>
               <a:ext uri="{FF2B5EF4-FFF2-40B4-BE49-F238E27FC236}">
-                <a16:creationId xmlns:a16="http://schemas.microsoft.com/office/drawing/2014/main" id="{C6131432-EECF-CD25-D610-2946E5E74153}"/>
+                <a16:creationId xmlns:a16="http://schemas.microsoft.com/office/drawing/2014/main" id="{4FA45057-AAA5-5A48-9B81-EB6F66132F39}"/>
               </a:ext>
             </a:extLst>
           </p:cNvPr>
@@ -14925,7 +14925,7 @@
           <p:cNvPr id="3" name="Content Placeholder 2">
             <a:extLst>
               <a:ext uri="{FF2B5EF4-FFF2-40B4-BE49-F238E27FC236}">
-                <a16:creationId xmlns:a16="http://schemas.microsoft.com/office/drawing/2014/main" id="{DC4AB9DA-1FD3-4EA3-AAA1-69B514FD4D54}"/>
+                <a16:creationId xmlns:a16="http://schemas.microsoft.com/office/drawing/2014/main" id="{7DDD5D33-F578-0540-94A6-AE539CC271DD}"/>
               </a:ext>
             </a:extLst>
           </p:cNvPr>
@@ -14948,7 +14948,7 @@
     </p:spTree>
     <p:extLst>
       <p:ext uri="{BB962C8B-B14F-4D97-AF65-F5344CB8AC3E}">
-        <p14:creationId xmlns:p14="http://schemas.microsoft.com/office/powerpoint/2010/main" val="992519287"/>
+        <p14:creationId xmlns:p14="http://schemas.microsoft.com/office/powerpoint/2010/main" val="3124443451"/>
       </p:ext>
     </p:extLst>
   </p:cSld>
